--- a/viva/viva_2416963E.pptx
+++ b/viva/viva_2416963E.pptx
@@ -5,20 +5,23 @@
     <p:sldMasterId id="2147483648" r:id="rId1"/>
   </p:sldMasterIdLst>
   <p:notesMasterIdLst>
-    <p:notesMasterId r:id="rId13"/>
+    <p:notesMasterId r:id="rId16"/>
   </p:notesMasterIdLst>
   <p:sldIdLst>
     <p:sldId id="270" r:id="rId2"/>
     <p:sldId id="406" r:id="rId3"/>
     <p:sldId id="439" r:id="rId4"/>
-    <p:sldId id="407" r:id="rId5"/>
-    <p:sldId id="437" r:id="rId6"/>
-    <p:sldId id="438" r:id="rId7"/>
-    <p:sldId id="440" r:id="rId8"/>
-    <p:sldId id="441" r:id="rId9"/>
-    <p:sldId id="442" r:id="rId10"/>
-    <p:sldId id="443" r:id="rId11"/>
-    <p:sldId id="436" r:id="rId12"/>
+    <p:sldId id="444" r:id="rId5"/>
+    <p:sldId id="407" r:id="rId6"/>
+    <p:sldId id="437" r:id="rId7"/>
+    <p:sldId id="438" r:id="rId8"/>
+    <p:sldId id="445" r:id="rId9"/>
+    <p:sldId id="440" r:id="rId10"/>
+    <p:sldId id="441" r:id="rId11"/>
+    <p:sldId id="446" r:id="rId12"/>
+    <p:sldId id="442" r:id="rId13"/>
+    <p:sldId id="443" r:id="rId14"/>
+    <p:sldId id="436" r:id="rId15"/>
   </p:sldIdLst>
   <p:sldSz cx="9144000" cy="5143500" type="screen16x9"/>
   <p:notesSz cx="6858000" cy="9144000"/>
@@ -237,7 +240,7 @@
           <a:p>
             <a:fld id="{127433B5-D728-E146-B948-C37A5EC05FB8}" type="datetimeFigureOut">
               <a:rPr lang="en-US" smtClean="0"/>
-              <a:t>7/23/2019</a:t>
+              <a:t>7/24/2019</a:t>
             </a:fld>
             <a:endParaRPr lang="en-US"/>
           </a:p>
@@ -822,7 +825,7 @@
           <a:p>
             <a:fld id="{34A02F00-C535-204F-B4B5-528FB2DC4FE2}" type="slidenum">
               <a:rPr lang="en-US" smtClean="0"/>
-              <a:t>10</a:t>
+              <a:t>4</a:t>
             </a:fld>
             <a:endParaRPr lang="en-US"/>
           </a:p>
@@ -831,7 +834,7 @@
     </p:spTree>
     <p:extLst>
       <p:ext uri="{BB962C8B-B14F-4D97-AF65-F5344CB8AC3E}">
-        <p14:creationId xmlns:p14="http://schemas.microsoft.com/office/powerpoint/2010/main" val="884742870"/>
+        <p14:creationId xmlns:p14="http://schemas.microsoft.com/office/powerpoint/2010/main" val="4093145691"/>
       </p:ext>
     </p:extLst>
   </p:cSld>
@@ -906,7 +909,91 @@
           <a:p>
             <a:fld id="{34A02F00-C535-204F-B4B5-528FB2DC4FE2}" type="slidenum">
               <a:rPr lang="en-US" smtClean="0"/>
-              <a:t>11</a:t>
+              <a:t>13</a:t>
+            </a:fld>
+            <a:endParaRPr lang="en-US"/>
+          </a:p>
+        </p:txBody>
+      </p:sp>
+    </p:spTree>
+    <p:extLst>
+      <p:ext uri="{BB962C8B-B14F-4D97-AF65-F5344CB8AC3E}">
+        <p14:creationId xmlns:p14="http://schemas.microsoft.com/office/powerpoint/2010/main" val="884742870"/>
+      </p:ext>
+    </p:extLst>
+  </p:cSld>
+  <p:clrMapOvr>
+    <a:masterClrMapping/>
+  </p:clrMapOvr>
+</p:notes>
+</file>
+
+<file path=ppt/notesSlides/notesSlide6.xml><?xml version="1.0" encoding="utf-8"?>
+<p:notes xmlns:a="http://schemas.openxmlformats.org/drawingml/2006/main" xmlns:r="http://schemas.openxmlformats.org/officeDocument/2006/relationships" xmlns:p="http://schemas.openxmlformats.org/presentationml/2006/main">
+  <p:cSld>
+    <p:spTree>
+      <p:nvGrpSpPr>
+        <p:cNvPr id="1" name=""/>
+        <p:cNvGrpSpPr/>
+        <p:nvPr/>
+      </p:nvGrpSpPr>
+      <p:grpSpPr>
+        <a:xfrm>
+          <a:off x="0" y="0"/>
+          <a:ext cx="0" cy="0"/>
+          <a:chOff x="0" y="0"/>
+          <a:chExt cx="0" cy="0"/>
+        </a:xfrm>
+      </p:grpSpPr>
+      <p:sp>
+        <p:nvSpPr>
+          <p:cNvPr id="2" name="Slide Image Placeholder 1"/>
+          <p:cNvSpPr>
+            <a:spLocks noGrp="1" noRot="1" noChangeAspect="1"/>
+          </p:cNvSpPr>
+          <p:nvPr>
+            <p:ph type="sldImg"/>
+          </p:nvPr>
+        </p:nvSpPr>
+        <p:spPr/>
+      </p:sp>
+      <p:sp>
+        <p:nvSpPr>
+          <p:cNvPr id="3" name="Notes Placeholder 2"/>
+          <p:cNvSpPr>
+            <a:spLocks noGrp="1"/>
+          </p:cNvSpPr>
+          <p:nvPr>
+            <p:ph type="body" idx="1"/>
+          </p:nvPr>
+        </p:nvSpPr>
+        <p:spPr/>
+        <p:txBody>
+          <a:bodyPr/>
+          <a:lstStyle/>
+          <a:p>
+            <a:endParaRPr lang="en-US" dirty="0"/>
+          </a:p>
+        </p:txBody>
+      </p:sp>
+      <p:sp>
+        <p:nvSpPr>
+          <p:cNvPr id="4" name="Slide Number Placeholder 3"/>
+          <p:cNvSpPr>
+            <a:spLocks noGrp="1"/>
+          </p:cNvSpPr>
+          <p:nvPr>
+            <p:ph type="sldNum" sz="quarter" idx="10"/>
+          </p:nvPr>
+        </p:nvSpPr>
+        <p:spPr/>
+        <p:txBody>
+          <a:bodyPr/>
+          <a:lstStyle/>
+          <a:p>
+            <a:fld id="{34A02F00-C535-204F-B4B5-528FB2DC4FE2}" type="slidenum">
+              <a:rPr lang="en-US" smtClean="0"/>
+              <a:t>14</a:t>
             </a:fld>
             <a:endParaRPr lang="en-US"/>
           </a:p>
@@ -1883,7 +1970,7 @@
           <p:cNvPr id="2" name="Picture 1" descr="The tower of the main building with the city in the background">
             <a:extLst>
               <a:ext uri="{C183D7F6-B498-43B3-948B-1728B52AA6E4}">
-                <adec:decorative xmlns:adec="http://schemas.microsoft.com/office/drawing/2017/decorative" xmlns="" val="0"/>
+                <adec:decorative xmlns="" xmlns:adec="http://schemas.microsoft.com/office/drawing/2017/decorative" val="0"/>
               </a:ext>
             </a:extLst>
           </p:cNvPr>
@@ -2060,7 +2147,7 @@
               </a14:hiddenLine>
             </a:ext>
             <a:ext uri="{FAA26D3D-D897-4be2-8F04-BA451C77F1D7}">
-              <ma14:placeholderFlag xmlns="" xmlns:ma14="http://schemas.microsoft.com/office/mac/drawingml/2011/main" val="1"/>
+              <ma14:placeholderFlag xmlns:ma14="http://schemas.microsoft.com/office/mac/drawingml/2011/main" xmlns="" val="1"/>
             </a:ext>
           </a:extLst>
         </p:spPr>
@@ -2263,6 +2350,720 @@
       </p:grpSpPr>
       <p:sp>
         <p:nvSpPr>
+          <p:cNvPr id="4" name="Rectangle 3"/>
+          <p:cNvSpPr/>
+          <p:nvPr/>
+        </p:nvSpPr>
+        <p:spPr bwMode="auto">
+          <a:xfrm>
+            <a:off x="564874" y="1203599"/>
+            <a:ext cx="3719094" cy="3715612"/>
+          </a:xfrm>
+          <a:prstGeom prst="rect">
+            <a:avLst/>
+          </a:prstGeom>
+          <a:solidFill>
+            <a:schemeClr val="bg1">
+              <a:alpha val="80000"/>
+            </a:schemeClr>
+          </a:solidFill>
+          <a:ln w="9525" cap="flat" cmpd="sng" algn="ctr">
+            <a:noFill/>
+            <a:prstDash val="solid"/>
+            <a:round/>
+            <a:headEnd type="none" w="med" len="med"/>
+            <a:tailEnd type="none" w="med" len="med"/>
+          </a:ln>
+          <a:effectLst/>
+        </p:spPr>
+        <p:txBody>
+          <a:bodyPr vert="horz" wrap="square" lIns="91440" tIns="45720" rIns="91440" bIns="45720" numCol="1" rtlCol="0" anchor="t" anchorCtr="0" compatLnSpc="1">
+            <a:prstTxWarp prst="textNoShape">
+              <a:avLst/>
+            </a:prstTxWarp>
+          </a:bodyPr>
+          <a:lstStyle/>
+          <a:p>
+            <a:pPr marL="0" marR="0" indent="0" algn="l" defTabSz="914400" rtl="0" eaLnBrk="0" fontAlgn="base" latinLnBrk="0" hangingPunct="0">
+              <a:lnSpc>
+                <a:spcPct val="100000"/>
+              </a:lnSpc>
+              <a:spcBef>
+                <a:spcPct val="0"/>
+              </a:spcBef>
+              <a:spcAft>
+                <a:spcPct val="0"/>
+              </a:spcAft>
+              <a:buClrTx/>
+              <a:buSzTx/>
+              <a:buFontTx/>
+              <a:buNone/>
+              <a:tabLst/>
+            </a:pPr>
+            <a:endParaRPr kumimoji="0" lang="en-US" sz="2400" b="0" i="0" u="none" strike="noStrike" cap="none" normalizeH="0" baseline="0">
+              <a:ln>
+                <a:noFill/>
+              </a:ln>
+              <a:solidFill>
+                <a:schemeClr val="tx1"/>
+              </a:solidFill>
+              <a:effectLst/>
+              <a:latin typeface="Arial" charset="0"/>
+              <a:ea typeface="ＭＳ Ｐゴシック" charset="-128"/>
+              <a:cs typeface="ＭＳ Ｐゴシック" charset="-128"/>
+            </a:endParaRPr>
+          </a:p>
+        </p:txBody>
+      </p:sp>
+      <p:sp>
+        <p:nvSpPr>
+          <p:cNvPr id="5" name="Title 1"/>
+          <p:cNvSpPr>
+            <a:spLocks noGrp="1"/>
+          </p:cNvSpPr>
+          <p:nvPr>
+            <p:ph type="title"/>
+          </p:nvPr>
+        </p:nvSpPr>
+        <p:spPr>
+          <a:xfrm>
+            <a:off x="539551" y="1203599"/>
+            <a:ext cx="4104457" cy="504055"/>
+          </a:xfrm>
+          <a:prstGeom prst="rect">
+            <a:avLst/>
+          </a:prstGeom>
+        </p:spPr>
+        <p:txBody>
+          <a:bodyPr/>
+          <a:lstStyle/>
+          <a:p>
+            <a:r>
+              <a:rPr lang="en-US" sz="2400" dirty="0" smtClean="0"/>
+              <a:t>Support Vector Machines</a:t>
+            </a:r>
+            <a:endParaRPr lang="en-US" sz="2400" dirty="0"/>
+          </a:p>
+        </p:txBody>
+      </p:sp>
+      <p:sp>
+        <p:nvSpPr>
+          <p:cNvPr id="6" name="Content Placeholder 2"/>
+          <p:cNvSpPr>
+            <a:spLocks noGrp="1"/>
+          </p:cNvSpPr>
+          <p:nvPr>
+            <p:ph idx="4294967295"/>
+          </p:nvPr>
+        </p:nvSpPr>
+        <p:spPr>
+          <a:xfrm>
+            <a:off x="539551" y="1851671"/>
+            <a:ext cx="3744417" cy="3096343"/>
+          </a:xfrm>
+          <a:prstGeom prst="rect">
+            <a:avLst/>
+          </a:prstGeom>
+        </p:spPr>
+        <p:txBody>
+          <a:bodyPr/>
+          <a:lstStyle/>
+          <a:p>
+            <a:pPr marL="285750" indent="-285750">
+              <a:buFont typeface="Arial" panose="020B0604020202020204" pitchFamily="34" charset="0"/>
+              <a:buChar char="•"/>
+            </a:pPr>
+            <a:r>
+              <a:rPr lang="en-US" dirty="0">
+                <a:latin typeface="Arial" charset="0"/>
+                <a:ea typeface="Arial" charset="0"/>
+                <a:cs typeface="Arial" charset="0"/>
+              </a:rPr>
+              <a:t>Your body text should be minimum size 16. </a:t>
+            </a:r>
+          </a:p>
+          <a:p>
+            <a:pPr marL="285750" indent="-285750">
+              <a:buFont typeface="Arial" panose="020B0604020202020204" pitchFamily="34" charset="0"/>
+              <a:buChar char="•"/>
+            </a:pPr>
+            <a:r>
+              <a:rPr lang="en-US" dirty="0">
+                <a:latin typeface="Arial" charset="0"/>
+                <a:ea typeface="Arial" charset="0"/>
+                <a:cs typeface="Arial" charset="0"/>
+              </a:rPr>
+              <a:t>We recommend that you use headings or bullet points</a:t>
+            </a:r>
+          </a:p>
+          <a:p>
+            <a:pPr marL="285750" indent="-285750">
+              <a:buFont typeface="Arial" panose="020B0604020202020204" pitchFamily="34" charset="0"/>
+              <a:buChar char="•"/>
+            </a:pPr>
+            <a:r>
+              <a:rPr lang="en-US" dirty="0">
+                <a:latin typeface="Arial" charset="0"/>
+                <a:ea typeface="Arial" charset="0"/>
+                <a:cs typeface="Arial" charset="0"/>
+              </a:rPr>
+              <a:t>Your audience want to hear and see you present not read from a slide.</a:t>
+            </a:r>
+          </a:p>
+          <a:p>
+            <a:pPr marL="292100" indent="-285750">
+              <a:buFont typeface="Arial" charset="0"/>
+              <a:buChar char="•"/>
+            </a:pPr>
+            <a:r>
+              <a:rPr lang="en-US" dirty="0">
+                <a:latin typeface="Arial" charset="0"/>
+                <a:ea typeface="Arial" charset="0"/>
+                <a:cs typeface="Arial" charset="0"/>
+              </a:rPr>
+              <a:t>To insert an image, right-click (ctrl + click Mac) and select ‘send to back’, to place it behind the University marque at the top. </a:t>
+            </a:r>
+          </a:p>
+        </p:txBody>
+      </p:sp>
+      <p:pic>
+        <p:nvPicPr>
+          <p:cNvPr id="7" name="Picture 6"/>
+          <p:cNvPicPr>
+            <a:picLocks noChangeAspect="1"/>
+          </p:cNvPicPr>
+          <p:nvPr/>
+        </p:nvPicPr>
+        <p:blipFill>
+          <a:blip r:embed="rId2">
+            <a:extLst>
+              <a:ext uri="{28A0092B-C50C-407E-A947-70E740481C1C}">
+                <a14:useLocalDpi xmlns:a14="http://schemas.microsoft.com/office/drawing/2010/main" val="0"/>
+              </a:ext>
+            </a:extLst>
+          </a:blip>
+          <a:stretch>
+            <a:fillRect/>
+          </a:stretch>
+        </p:blipFill>
+        <p:spPr>
+          <a:xfrm>
+            <a:off x="0" y="0"/>
+            <a:ext cx="9144000" cy="1352550"/>
+          </a:xfrm>
+          <a:prstGeom prst="rect">
+            <a:avLst/>
+          </a:prstGeom>
+        </p:spPr>
+      </p:pic>
+    </p:spTree>
+    <p:extLst>
+      <p:ext uri="{BB962C8B-B14F-4D97-AF65-F5344CB8AC3E}">
+        <p14:creationId xmlns:p14="http://schemas.microsoft.com/office/powerpoint/2010/main" val="3974367294"/>
+      </p:ext>
+    </p:extLst>
+  </p:cSld>
+  <p:clrMapOvr>
+    <a:masterClrMapping/>
+  </p:clrMapOvr>
+</p:sld>
+</file>
+
+<file path=ppt/slides/slide11.xml><?xml version="1.0" encoding="utf-8"?>
+<p:sld xmlns:a="http://schemas.openxmlformats.org/drawingml/2006/main" xmlns:r="http://schemas.openxmlformats.org/officeDocument/2006/relationships" xmlns:p="http://schemas.openxmlformats.org/presentationml/2006/main">
+  <p:cSld>
+    <p:spTree>
+      <p:nvGrpSpPr>
+        <p:cNvPr id="1" name=""/>
+        <p:cNvGrpSpPr/>
+        <p:nvPr/>
+      </p:nvGrpSpPr>
+      <p:grpSpPr>
+        <a:xfrm>
+          <a:off x="0" y="0"/>
+          <a:ext cx="0" cy="0"/>
+          <a:chOff x="0" y="0"/>
+          <a:chExt cx="0" cy="0"/>
+        </a:xfrm>
+      </p:grpSpPr>
+      <p:sp>
+        <p:nvSpPr>
+          <p:cNvPr id="4" name="Rectangle 3"/>
+          <p:cNvSpPr/>
+          <p:nvPr/>
+        </p:nvSpPr>
+        <p:spPr bwMode="auto">
+          <a:xfrm>
+            <a:off x="564874" y="1203599"/>
+            <a:ext cx="3719094" cy="3715612"/>
+          </a:xfrm>
+          <a:prstGeom prst="rect">
+            <a:avLst/>
+          </a:prstGeom>
+          <a:solidFill>
+            <a:schemeClr val="bg1">
+              <a:alpha val="80000"/>
+            </a:schemeClr>
+          </a:solidFill>
+          <a:ln w="9525" cap="flat" cmpd="sng" algn="ctr">
+            <a:noFill/>
+            <a:prstDash val="solid"/>
+            <a:round/>
+            <a:headEnd type="none" w="med" len="med"/>
+            <a:tailEnd type="none" w="med" len="med"/>
+          </a:ln>
+          <a:effectLst/>
+        </p:spPr>
+        <p:txBody>
+          <a:bodyPr vert="horz" wrap="square" lIns="91440" tIns="45720" rIns="91440" bIns="45720" numCol="1" rtlCol="0" anchor="t" anchorCtr="0" compatLnSpc="1">
+            <a:prstTxWarp prst="textNoShape">
+              <a:avLst/>
+            </a:prstTxWarp>
+          </a:bodyPr>
+          <a:lstStyle/>
+          <a:p>
+            <a:pPr marL="0" marR="0" indent="0" algn="l" defTabSz="914400" rtl="0" eaLnBrk="0" fontAlgn="base" latinLnBrk="0" hangingPunct="0">
+              <a:lnSpc>
+                <a:spcPct val="100000"/>
+              </a:lnSpc>
+              <a:spcBef>
+                <a:spcPct val="0"/>
+              </a:spcBef>
+              <a:spcAft>
+                <a:spcPct val="0"/>
+              </a:spcAft>
+              <a:buClrTx/>
+              <a:buSzTx/>
+              <a:buFontTx/>
+              <a:buNone/>
+              <a:tabLst/>
+            </a:pPr>
+            <a:endParaRPr kumimoji="0" lang="en-US" sz="2400" b="0" i="0" u="none" strike="noStrike" cap="none" normalizeH="0" baseline="0">
+              <a:ln>
+                <a:noFill/>
+              </a:ln>
+              <a:solidFill>
+                <a:schemeClr val="tx1"/>
+              </a:solidFill>
+              <a:effectLst/>
+              <a:latin typeface="Arial" charset="0"/>
+              <a:ea typeface="ＭＳ Ｐゴシック" charset="-128"/>
+              <a:cs typeface="ＭＳ Ｐゴシック" charset="-128"/>
+            </a:endParaRPr>
+          </a:p>
+        </p:txBody>
+      </p:sp>
+      <p:sp>
+        <p:nvSpPr>
+          <p:cNvPr id="5" name="Title 1"/>
+          <p:cNvSpPr>
+            <a:spLocks noGrp="1"/>
+          </p:cNvSpPr>
+          <p:nvPr>
+            <p:ph type="title"/>
+          </p:nvPr>
+        </p:nvSpPr>
+        <p:spPr>
+          <a:xfrm>
+            <a:off x="539551" y="1203599"/>
+            <a:ext cx="4104457" cy="504055"/>
+          </a:xfrm>
+          <a:prstGeom prst="rect">
+            <a:avLst/>
+          </a:prstGeom>
+        </p:spPr>
+        <p:txBody>
+          <a:bodyPr/>
+          <a:lstStyle/>
+          <a:p>
+            <a:r>
+              <a:rPr lang="en-US" sz="2400" dirty="0" smtClean="0"/>
+              <a:t>Comparison of Methods</a:t>
+            </a:r>
+            <a:endParaRPr lang="en-US" sz="2400" dirty="0"/>
+          </a:p>
+        </p:txBody>
+      </p:sp>
+      <p:sp>
+        <p:nvSpPr>
+          <p:cNvPr id="6" name="Content Placeholder 2"/>
+          <p:cNvSpPr>
+            <a:spLocks noGrp="1"/>
+          </p:cNvSpPr>
+          <p:nvPr>
+            <p:ph idx="4294967295"/>
+          </p:nvPr>
+        </p:nvSpPr>
+        <p:spPr>
+          <a:xfrm>
+            <a:off x="539551" y="1851671"/>
+            <a:ext cx="3744417" cy="3096343"/>
+          </a:xfrm>
+          <a:prstGeom prst="rect">
+            <a:avLst/>
+          </a:prstGeom>
+        </p:spPr>
+        <p:txBody>
+          <a:bodyPr/>
+          <a:lstStyle/>
+          <a:p>
+            <a:pPr marL="285750" indent="-285750">
+              <a:buFont typeface="Arial" panose="020B0604020202020204" pitchFamily="34" charset="0"/>
+              <a:buChar char="•"/>
+            </a:pPr>
+            <a:r>
+              <a:rPr lang="en-US" dirty="0">
+                <a:latin typeface="Arial" charset="0"/>
+                <a:ea typeface="Arial" charset="0"/>
+                <a:cs typeface="Arial" charset="0"/>
+              </a:rPr>
+              <a:t>Your body text should be minimum size 16. </a:t>
+            </a:r>
+          </a:p>
+          <a:p>
+            <a:pPr marL="285750" indent="-285750">
+              <a:buFont typeface="Arial" panose="020B0604020202020204" pitchFamily="34" charset="0"/>
+              <a:buChar char="•"/>
+            </a:pPr>
+            <a:r>
+              <a:rPr lang="en-US" dirty="0">
+                <a:latin typeface="Arial" charset="0"/>
+                <a:ea typeface="Arial" charset="0"/>
+                <a:cs typeface="Arial" charset="0"/>
+              </a:rPr>
+              <a:t>We recommend that you use headings or bullet points</a:t>
+            </a:r>
+          </a:p>
+          <a:p>
+            <a:pPr marL="285750" indent="-285750">
+              <a:buFont typeface="Arial" panose="020B0604020202020204" pitchFamily="34" charset="0"/>
+              <a:buChar char="•"/>
+            </a:pPr>
+            <a:r>
+              <a:rPr lang="en-US" dirty="0">
+                <a:latin typeface="Arial" charset="0"/>
+                <a:ea typeface="Arial" charset="0"/>
+                <a:cs typeface="Arial" charset="0"/>
+              </a:rPr>
+              <a:t>Your audience want to hear and see you present not read from a slide.</a:t>
+            </a:r>
+          </a:p>
+          <a:p>
+            <a:pPr marL="292100" indent="-285750">
+              <a:buFont typeface="Arial" charset="0"/>
+              <a:buChar char="•"/>
+            </a:pPr>
+            <a:r>
+              <a:rPr lang="en-US" dirty="0">
+                <a:latin typeface="Arial" charset="0"/>
+                <a:ea typeface="Arial" charset="0"/>
+                <a:cs typeface="Arial" charset="0"/>
+              </a:rPr>
+              <a:t>To insert an image, right-click (ctrl + click Mac) and select ‘send to back’, to place it behind the University marque at the top. </a:t>
+            </a:r>
+          </a:p>
+        </p:txBody>
+      </p:sp>
+      <p:pic>
+        <p:nvPicPr>
+          <p:cNvPr id="7" name="Picture 6"/>
+          <p:cNvPicPr>
+            <a:picLocks noChangeAspect="1"/>
+          </p:cNvPicPr>
+          <p:nvPr/>
+        </p:nvPicPr>
+        <p:blipFill>
+          <a:blip r:embed="rId2">
+            <a:extLst>
+              <a:ext uri="{28A0092B-C50C-407E-A947-70E740481C1C}">
+                <a14:useLocalDpi xmlns:a14="http://schemas.microsoft.com/office/drawing/2010/main" val="0"/>
+              </a:ext>
+            </a:extLst>
+          </a:blip>
+          <a:stretch>
+            <a:fillRect/>
+          </a:stretch>
+        </p:blipFill>
+        <p:spPr>
+          <a:xfrm>
+            <a:off x="0" y="0"/>
+            <a:ext cx="9144000" cy="1352550"/>
+          </a:xfrm>
+          <a:prstGeom prst="rect">
+            <a:avLst/>
+          </a:prstGeom>
+        </p:spPr>
+      </p:pic>
+    </p:spTree>
+    <p:extLst>
+      <p:ext uri="{BB962C8B-B14F-4D97-AF65-F5344CB8AC3E}">
+        <p14:creationId xmlns:p14="http://schemas.microsoft.com/office/powerpoint/2010/main" val="2729839798"/>
+      </p:ext>
+    </p:extLst>
+  </p:cSld>
+  <p:clrMapOvr>
+    <a:masterClrMapping/>
+  </p:clrMapOvr>
+</p:sld>
+</file>
+
+<file path=ppt/slides/slide12.xml><?xml version="1.0" encoding="utf-8"?>
+<p:sld xmlns:a="http://schemas.openxmlformats.org/drawingml/2006/main" xmlns:r="http://schemas.openxmlformats.org/officeDocument/2006/relationships" xmlns:p="http://schemas.openxmlformats.org/presentationml/2006/main">
+  <p:cSld>
+    <p:spTree>
+      <p:nvGrpSpPr>
+        <p:cNvPr id="1" name=""/>
+        <p:cNvGrpSpPr/>
+        <p:nvPr/>
+      </p:nvGrpSpPr>
+      <p:grpSpPr>
+        <a:xfrm>
+          <a:off x="0" y="0"/>
+          <a:ext cx="0" cy="0"/>
+          <a:chOff x="0" y="0"/>
+          <a:chExt cx="0" cy="0"/>
+        </a:xfrm>
+      </p:grpSpPr>
+      <p:sp>
+        <p:nvSpPr>
+          <p:cNvPr id="4" name="Rectangle 3"/>
+          <p:cNvSpPr/>
+          <p:nvPr/>
+        </p:nvSpPr>
+        <p:spPr bwMode="auto">
+          <a:xfrm>
+            <a:off x="564874" y="1203599"/>
+            <a:ext cx="3719094" cy="3715612"/>
+          </a:xfrm>
+          <a:prstGeom prst="rect">
+            <a:avLst/>
+          </a:prstGeom>
+          <a:solidFill>
+            <a:schemeClr val="bg1">
+              <a:alpha val="80000"/>
+            </a:schemeClr>
+          </a:solidFill>
+          <a:ln w="9525" cap="flat" cmpd="sng" algn="ctr">
+            <a:noFill/>
+            <a:prstDash val="solid"/>
+            <a:round/>
+            <a:headEnd type="none" w="med" len="med"/>
+            <a:tailEnd type="none" w="med" len="med"/>
+          </a:ln>
+          <a:effectLst/>
+        </p:spPr>
+        <p:txBody>
+          <a:bodyPr vert="horz" wrap="square" lIns="91440" tIns="45720" rIns="91440" bIns="45720" numCol="1" rtlCol="0" anchor="t" anchorCtr="0" compatLnSpc="1">
+            <a:prstTxWarp prst="textNoShape">
+              <a:avLst/>
+            </a:prstTxWarp>
+          </a:bodyPr>
+          <a:lstStyle/>
+          <a:p>
+            <a:pPr marL="0" marR="0" indent="0" algn="l" defTabSz="914400" rtl="0" eaLnBrk="0" fontAlgn="base" latinLnBrk="0" hangingPunct="0">
+              <a:lnSpc>
+                <a:spcPct val="100000"/>
+              </a:lnSpc>
+              <a:spcBef>
+                <a:spcPct val="0"/>
+              </a:spcBef>
+              <a:spcAft>
+                <a:spcPct val="0"/>
+              </a:spcAft>
+              <a:buClrTx/>
+              <a:buSzTx/>
+              <a:buFontTx/>
+              <a:buNone/>
+              <a:tabLst/>
+            </a:pPr>
+            <a:endParaRPr kumimoji="0" lang="en-US" sz="2400" b="0" i="0" u="none" strike="noStrike" cap="none" normalizeH="0" baseline="0">
+              <a:ln>
+                <a:noFill/>
+              </a:ln>
+              <a:solidFill>
+                <a:schemeClr val="tx1"/>
+              </a:solidFill>
+              <a:effectLst/>
+              <a:latin typeface="Arial" charset="0"/>
+              <a:ea typeface="ＭＳ Ｐゴシック" charset="-128"/>
+              <a:cs typeface="ＭＳ Ｐゴシック" charset="-128"/>
+            </a:endParaRPr>
+          </a:p>
+        </p:txBody>
+      </p:sp>
+      <p:sp>
+        <p:nvSpPr>
+          <p:cNvPr id="5" name="Title 1"/>
+          <p:cNvSpPr>
+            <a:spLocks noGrp="1"/>
+          </p:cNvSpPr>
+          <p:nvPr>
+            <p:ph type="title"/>
+          </p:nvPr>
+        </p:nvSpPr>
+        <p:spPr>
+          <a:xfrm>
+            <a:off x="539551" y="1203599"/>
+            <a:ext cx="4680521" cy="504055"/>
+          </a:xfrm>
+          <a:prstGeom prst="rect">
+            <a:avLst/>
+          </a:prstGeom>
+        </p:spPr>
+        <p:txBody>
+          <a:bodyPr/>
+          <a:lstStyle/>
+          <a:p>
+            <a:r>
+              <a:rPr lang="en-US" sz="2400" dirty="0" smtClean="0"/>
+              <a:t>Advanced Section: Imputation</a:t>
+            </a:r>
+            <a:endParaRPr lang="en-US" sz="2400" dirty="0"/>
+          </a:p>
+        </p:txBody>
+      </p:sp>
+      <p:sp>
+        <p:nvSpPr>
+          <p:cNvPr id="6" name="Content Placeholder 2"/>
+          <p:cNvSpPr>
+            <a:spLocks noGrp="1"/>
+          </p:cNvSpPr>
+          <p:nvPr>
+            <p:ph idx="4294967295"/>
+          </p:nvPr>
+        </p:nvSpPr>
+        <p:spPr>
+          <a:xfrm>
+            <a:off x="539551" y="1851671"/>
+            <a:ext cx="3744417" cy="3096343"/>
+          </a:xfrm>
+          <a:prstGeom prst="rect">
+            <a:avLst/>
+          </a:prstGeom>
+        </p:spPr>
+        <p:txBody>
+          <a:bodyPr/>
+          <a:lstStyle/>
+          <a:p>
+            <a:pPr marL="285750" indent="-285750">
+              <a:buFont typeface="Arial" panose="020B0604020202020204" pitchFamily="34" charset="0"/>
+              <a:buChar char="•"/>
+            </a:pPr>
+            <a:r>
+              <a:rPr lang="en-US" dirty="0">
+                <a:latin typeface="Arial" charset="0"/>
+                <a:ea typeface="Arial" charset="0"/>
+                <a:cs typeface="Arial" charset="0"/>
+              </a:rPr>
+              <a:t>Your body text should be minimum size 16. </a:t>
+            </a:r>
+          </a:p>
+          <a:p>
+            <a:pPr marL="285750" indent="-285750">
+              <a:buFont typeface="Arial" panose="020B0604020202020204" pitchFamily="34" charset="0"/>
+              <a:buChar char="•"/>
+            </a:pPr>
+            <a:r>
+              <a:rPr lang="en-US" dirty="0">
+                <a:latin typeface="Arial" charset="0"/>
+                <a:ea typeface="Arial" charset="0"/>
+                <a:cs typeface="Arial" charset="0"/>
+              </a:rPr>
+              <a:t>We recommend that you use headings or bullet points</a:t>
+            </a:r>
+          </a:p>
+          <a:p>
+            <a:pPr marL="285750" indent="-285750">
+              <a:buFont typeface="Arial" panose="020B0604020202020204" pitchFamily="34" charset="0"/>
+              <a:buChar char="•"/>
+            </a:pPr>
+            <a:r>
+              <a:rPr lang="en-US" dirty="0">
+                <a:latin typeface="Arial" charset="0"/>
+                <a:ea typeface="Arial" charset="0"/>
+                <a:cs typeface="Arial" charset="0"/>
+              </a:rPr>
+              <a:t>Your audience want to hear and see you present not read from a slide.</a:t>
+            </a:r>
+          </a:p>
+          <a:p>
+            <a:pPr marL="292100" indent="-285750">
+              <a:buFont typeface="Arial" charset="0"/>
+              <a:buChar char="•"/>
+            </a:pPr>
+            <a:r>
+              <a:rPr lang="en-US" dirty="0">
+                <a:latin typeface="Arial" charset="0"/>
+                <a:ea typeface="Arial" charset="0"/>
+                <a:cs typeface="Arial" charset="0"/>
+              </a:rPr>
+              <a:t>To insert an image, right-click (ctrl + click Mac) and select ‘send to back’, to place it behind the University marque at the top. </a:t>
+            </a:r>
+          </a:p>
+        </p:txBody>
+      </p:sp>
+      <p:pic>
+        <p:nvPicPr>
+          <p:cNvPr id="7" name="Picture 6"/>
+          <p:cNvPicPr>
+            <a:picLocks noChangeAspect="1"/>
+          </p:cNvPicPr>
+          <p:nvPr/>
+        </p:nvPicPr>
+        <p:blipFill>
+          <a:blip r:embed="rId2">
+            <a:extLst>
+              <a:ext uri="{28A0092B-C50C-407E-A947-70E740481C1C}">
+                <a14:useLocalDpi xmlns:a14="http://schemas.microsoft.com/office/drawing/2010/main" val="0"/>
+              </a:ext>
+            </a:extLst>
+          </a:blip>
+          <a:stretch>
+            <a:fillRect/>
+          </a:stretch>
+        </p:blipFill>
+        <p:spPr>
+          <a:xfrm>
+            <a:off x="0" y="0"/>
+            <a:ext cx="9144000" cy="1352550"/>
+          </a:xfrm>
+          <a:prstGeom prst="rect">
+            <a:avLst/>
+          </a:prstGeom>
+        </p:spPr>
+      </p:pic>
+    </p:spTree>
+    <p:extLst>
+      <p:ext uri="{BB962C8B-B14F-4D97-AF65-F5344CB8AC3E}">
+        <p14:creationId xmlns:p14="http://schemas.microsoft.com/office/powerpoint/2010/main" val="160934926"/>
+      </p:ext>
+    </p:extLst>
+  </p:cSld>
+  <p:clrMapOvr>
+    <a:masterClrMapping/>
+  </p:clrMapOvr>
+</p:sld>
+</file>
+
+<file path=ppt/slides/slide13.xml><?xml version="1.0" encoding="utf-8"?>
+<p:sld xmlns:a="http://schemas.openxmlformats.org/drawingml/2006/main" xmlns:r="http://schemas.openxmlformats.org/officeDocument/2006/relationships" xmlns:p="http://schemas.openxmlformats.org/presentationml/2006/main">
+  <p:cSld>
+    <p:spTree>
+      <p:nvGrpSpPr>
+        <p:cNvPr id="1" name=""/>
+        <p:cNvGrpSpPr/>
+        <p:nvPr/>
+      </p:nvGrpSpPr>
+      <p:grpSpPr>
+        <a:xfrm>
+          <a:off x="0" y="0"/>
+          <a:ext cx="0" cy="0"/>
+          <a:chOff x="0" y="0"/>
+          <a:chExt cx="0" cy="0"/>
+        </a:xfrm>
+      </p:grpSpPr>
+      <p:sp>
+        <p:nvSpPr>
           <p:cNvPr id="5" name="TextBox 4"/>
           <p:cNvSpPr txBox="1"/>
           <p:nvPr/>
@@ -2557,7 +3358,7 @@
 </p:sld>
 </file>
 
-<file path=ppt/slides/slide11.xml><?xml version="1.0" encoding="utf-8"?>
+<file path=ppt/slides/slide14.xml><?xml version="1.0" encoding="utf-8"?>
 <p:sld xmlns:a="http://schemas.openxmlformats.org/drawingml/2006/main" xmlns:r="http://schemas.openxmlformats.org/officeDocument/2006/relationships" xmlns:p="http://schemas.openxmlformats.org/presentationml/2006/main">
   <p:cSld>
     <p:spTree>
@@ -2958,7 +3759,7 @@
               </a14:hiddenLine>
             </a:ext>
             <a:ext uri="{FAA26D3D-D897-4be2-8F04-BA451C77F1D7}">
-              <ma14:placeholderFlag xmlns="" xmlns:ma14="http://schemas.microsoft.com/office/mac/drawingml/2011/main" val="1"/>
+              <ma14:placeholderFlag xmlns:ma14="http://schemas.microsoft.com/office/mac/drawingml/2011/main" xmlns="" val="1"/>
             </a:ext>
           </a:extLst>
         </p:spPr>
@@ -3521,192 +4322,138 @@
       </p:grpSpPr>
       <p:sp>
         <p:nvSpPr>
-          <p:cNvPr id="4" name="Rectangle 3"/>
-          <p:cNvSpPr/>
+          <p:cNvPr id="5" name="TextBox 4"/>
+          <p:cNvSpPr txBox="1"/>
           <p:nvPr/>
         </p:nvSpPr>
-        <p:spPr bwMode="auto">
+        <p:spPr>
           <a:xfrm>
-            <a:off x="564874" y="1203599"/>
-            <a:ext cx="3719094" cy="3715612"/>
+            <a:off x="107505" y="1203598"/>
+            <a:ext cx="8568951" cy="1841530"/>
           </a:xfrm>
           <a:prstGeom prst="rect">
             <a:avLst/>
           </a:prstGeom>
-          <a:solidFill>
-            <a:schemeClr val="bg1">
-              <a:alpha val="80000"/>
-            </a:schemeClr>
-          </a:solidFill>
-          <a:ln w="9525" cap="flat" cmpd="sng" algn="ctr">
-            <a:noFill/>
-            <a:prstDash val="solid"/>
-            <a:round/>
-            <a:headEnd type="none" w="med" len="med"/>
-            <a:tailEnd type="none" w="med" len="med"/>
-          </a:ln>
-          <a:effectLst/>
+          <a:noFill/>
         </p:spPr>
         <p:txBody>
-          <a:bodyPr vert="horz" wrap="square" lIns="91440" tIns="45720" rIns="91440" bIns="45720" numCol="1" rtlCol="0" anchor="t" anchorCtr="0" compatLnSpc="1">
-            <a:prstTxWarp prst="textNoShape">
-              <a:avLst/>
-            </a:prstTxWarp>
+          <a:bodyPr wrap="square" rtlCol="0">
+            <a:spAutoFit/>
           </a:bodyPr>
           <a:lstStyle/>
           <a:p>
-            <a:pPr marL="0" marR="0" indent="0" algn="l" defTabSz="914400" rtl="0" eaLnBrk="0" fontAlgn="base" latinLnBrk="0" hangingPunct="0">
-              <a:lnSpc>
-                <a:spcPct val="100000"/>
-              </a:lnSpc>
+            <a:r>
+              <a:rPr lang="en-GB" b="1" dirty="0" smtClean="0">
+                <a:solidFill>
+                  <a:srgbClr val="003560"/>
+                </a:solidFill>
+              </a:rPr>
+              <a:t>Aims of Project</a:t>
+            </a:r>
+            <a:endParaRPr lang="en-GB" sz="1400" dirty="0">
+              <a:solidFill>
+                <a:srgbClr val="003560"/>
+              </a:solidFill>
+            </a:endParaRPr>
+          </a:p>
+          <a:p>
+            <a:pPr marL="285750" indent="-285750">
               <a:spcBef>
-                <a:spcPct val="0"/>
+                <a:spcPts val="0"/>
               </a:spcBef>
               <a:spcAft>
-                <a:spcPct val="0"/>
+                <a:spcPts val="500"/>
               </a:spcAft>
-              <a:buClrTx/>
-              <a:buSzTx/>
-              <a:buFontTx/>
-              <a:buNone/>
-              <a:tabLst/>
+              <a:buFont typeface="Arial" charset="0"/>
+              <a:buChar char="•"/>
             </a:pPr>
-            <a:endParaRPr kumimoji="0" lang="en-US" sz="2400" b="0" i="0" u="none" strike="noStrike" cap="none" normalizeH="0" baseline="0">
-              <a:ln>
-                <a:noFill/>
-              </a:ln>
+            <a:endParaRPr lang="en-GB" sz="1400" dirty="0">
               <a:solidFill>
-                <a:schemeClr val="tx1"/>
+                <a:srgbClr val="003560"/>
               </a:solidFill>
-              <a:effectLst/>
-              <a:latin typeface="Arial" charset="0"/>
-              <a:ea typeface="ＭＳ Ｐゴシック" charset="-128"/>
-              <a:cs typeface="ＭＳ Ｐゴシック" charset="-128"/>
             </a:endParaRPr>
           </a:p>
-        </p:txBody>
-      </p:sp>
-      <p:sp>
-        <p:nvSpPr>
-          <p:cNvPr id="5" name="Title 1"/>
-          <p:cNvSpPr>
-            <a:spLocks noGrp="1"/>
-          </p:cNvSpPr>
-          <p:nvPr>
-            <p:ph type="title"/>
-          </p:nvPr>
-        </p:nvSpPr>
-        <p:spPr>
-          <a:xfrm>
-            <a:off x="539551" y="1203599"/>
-            <a:ext cx="4104457" cy="504055"/>
-          </a:xfrm>
-          <a:prstGeom prst="rect">
-            <a:avLst/>
-          </a:prstGeom>
-        </p:spPr>
-        <p:txBody>
-          <a:bodyPr/>
-          <a:lstStyle/>
-          <a:p>
-            <a:r>
-              <a:rPr lang="en-US" sz="2400" dirty="0" smtClean="0"/>
-              <a:t>Exploratory Data Analysis</a:t>
-            </a:r>
-            <a:endParaRPr lang="en-US" sz="2400" dirty="0"/>
-          </a:p>
-        </p:txBody>
-      </p:sp>
-      <p:sp>
-        <p:nvSpPr>
-          <p:cNvPr id="6" name="Content Placeholder 2"/>
-          <p:cNvSpPr>
-            <a:spLocks noGrp="1"/>
-          </p:cNvSpPr>
-          <p:nvPr>
-            <p:ph idx="4294967295"/>
-          </p:nvPr>
-        </p:nvSpPr>
-        <p:spPr>
-          <a:xfrm>
-            <a:off x="539551" y="1851671"/>
-            <a:ext cx="3744417" cy="3096343"/>
-          </a:xfrm>
-          <a:prstGeom prst="rect">
-            <a:avLst/>
-          </a:prstGeom>
-        </p:spPr>
-        <p:txBody>
-          <a:bodyPr/>
-          <a:lstStyle/>
-          <a:p>
-            <a:pPr marL="285750" indent="-285750">
+          <a:p>
+            <a:pPr marL="342900" indent="-342900">
+              <a:spcAft>
+                <a:spcPts val="500"/>
+              </a:spcAft>
               <a:buFont typeface="Arial" panose="020B0604020202020204" pitchFamily="34" charset="0"/>
               <a:buChar char="•"/>
             </a:pPr>
             <a:r>
-              <a:rPr lang="en-US" dirty="0">
-                <a:latin typeface="Arial" charset="0"/>
-                <a:ea typeface="Arial" charset="0"/>
-                <a:cs typeface="Arial" charset="0"/>
-              </a:rPr>
-              <a:t>Your body text should be minimum size 16. </a:t>
-            </a:r>
-          </a:p>
-          <a:p>
-            <a:pPr marL="285750" indent="-285750">
+              <a:rPr lang="en-GB" sz="1600" dirty="0" smtClean="0"/>
+              <a:t>Can </a:t>
+            </a:r>
+            <a:r>
+              <a:rPr lang="en-GB" sz="1600" dirty="0" err="1" smtClean="0"/>
+              <a:t>PreECMO</a:t>
+            </a:r>
+            <a:r>
+              <a:rPr lang="en-GB" sz="1600" dirty="0" smtClean="0"/>
+              <a:t> biomedical markers be used to accurately predict ECMO survival?</a:t>
+            </a:r>
+            <a:endParaRPr lang="en-GB" sz="1600" dirty="0"/>
+          </a:p>
+          <a:p>
+            <a:pPr marL="342900" indent="-342900">
+              <a:spcAft>
+                <a:spcPts val="500"/>
+              </a:spcAft>
               <a:buFont typeface="Arial" panose="020B0604020202020204" pitchFamily="34" charset="0"/>
               <a:buChar char="•"/>
             </a:pPr>
             <a:r>
-              <a:rPr lang="en-US" dirty="0">
-                <a:latin typeface="Arial" charset="0"/>
-                <a:ea typeface="Arial" charset="0"/>
-                <a:cs typeface="Arial" charset="0"/>
-              </a:rPr>
-              <a:t>We recommend that you use headings or bullet points</a:t>
-            </a:r>
-          </a:p>
-          <a:p>
-            <a:pPr marL="285750" indent="-285750">
+              <a:rPr lang="en-GB" sz="1600" dirty="0" smtClean="0"/>
+              <a:t>Do we need all </a:t>
+            </a:r>
+            <a:r>
+              <a:rPr lang="en-GB" sz="1600" dirty="0" err="1" smtClean="0"/>
+              <a:t>PreECMO</a:t>
+            </a:r>
+            <a:r>
+              <a:rPr lang="en-GB" sz="1600" dirty="0" smtClean="0"/>
+              <a:t> variables or just a subset to make accurate predictions?</a:t>
+            </a:r>
+            <a:endParaRPr lang="en-GB" sz="1600" dirty="0" smtClean="0"/>
+          </a:p>
+          <a:p>
+            <a:pPr marL="342900" indent="-342900">
+              <a:spcAft>
+                <a:spcPts val="500"/>
+              </a:spcAft>
               <a:buFont typeface="Arial" panose="020B0604020202020204" pitchFamily="34" charset="0"/>
               <a:buChar char="•"/>
             </a:pPr>
             <a:r>
-              <a:rPr lang="en-US" dirty="0">
-                <a:latin typeface="Arial" charset="0"/>
-                <a:ea typeface="Arial" charset="0"/>
-                <a:cs typeface="Arial" charset="0"/>
-              </a:rPr>
-              <a:t>Your audience want to hear and see you present not read from a slide.</a:t>
-            </a:r>
-          </a:p>
-          <a:p>
-            <a:pPr marL="292100" indent="-285750">
-              <a:buFont typeface="Arial" charset="0"/>
+              <a:rPr lang="en-GB" sz="1600" dirty="0" smtClean="0"/>
+              <a:t>What is the expected performance of future predictions?</a:t>
+            </a:r>
+            <a:endParaRPr lang="en-GB" sz="1600" dirty="0">
+              <a:solidFill>
+                <a:srgbClr val="003560"/>
+              </a:solidFill>
+            </a:endParaRPr>
+          </a:p>
+          <a:p>
+            <a:pPr marL="342900" indent="-342900">
+              <a:buFont typeface="Arial" panose="020B0604020202020204" pitchFamily="34" charset="0"/>
               <a:buChar char="•"/>
             </a:pPr>
-            <a:r>
-              <a:rPr lang="en-US" dirty="0">
-                <a:latin typeface="Arial" charset="0"/>
-                <a:ea typeface="Arial" charset="0"/>
-                <a:cs typeface="Arial" charset="0"/>
-              </a:rPr>
-              <a:t>To insert an image, right-click (ctrl + click Mac) and select ‘send to back’, to place it behind the University marque at the top. </a:t>
-            </a:r>
+            <a:endParaRPr lang="en-GB" sz="1100" dirty="0"/>
           </a:p>
         </p:txBody>
       </p:sp>
       <p:pic>
         <p:nvPicPr>
-          <p:cNvPr id="7" name="Picture 6"/>
+          <p:cNvPr id="8" name="Picture 7"/>
           <p:cNvPicPr>
             <a:picLocks noChangeAspect="1"/>
           </p:cNvPicPr>
           <p:nvPr/>
         </p:nvPicPr>
         <p:blipFill>
-          <a:blip r:embed="rId2">
+          <a:blip r:embed="rId3">
             <a:extLst>
               <a:ext uri="{28A0092B-C50C-407E-A947-70E740481C1C}">
                 <a14:useLocalDpi xmlns:a14="http://schemas.microsoft.com/office/drawing/2010/main" val="0"/>
@@ -3730,7 +4477,7 @@
     </p:spTree>
     <p:extLst>
       <p:ext uri="{BB962C8B-B14F-4D97-AF65-F5344CB8AC3E}">
-        <p14:creationId xmlns:p14="http://schemas.microsoft.com/office/powerpoint/2010/main" val="2060812485"/>
+        <p14:creationId xmlns:p14="http://schemas.microsoft.com/office/powerpoint/2010/main" val="2575358949"/>
       </p:ext>
     </p:extLst>
   </p:cSld>
@@ -3849,7 +4596,7 @@
           <a:p>
             <a:r>
               <a:rPr lang="en-US" sz="2400" dirty="0" smtClean="0"/>
-              <a:t>Logistic Regression</a:t>
+              <a:t>Exploratory Data Analysis</a:t>
             </a:r>
             <a:endParaRPr lang="en-US" sz="2400" dirty="0"/>
           </a:p>
@@ -3968,7 +4715,7 @@
     </p:spTree>
     <p:extLst>
       <p:ext uri="{BB962C8B-B14F-4D97-AF65-F5344CB8AC3E}">
-        <p14:creationId xmlns:p14="http://schemas.microsoft.com/office/powerpoint/2010/main" val="3149348495"/>
+        <p14:creationId xmlns:p14="http://schemas.microsoft.com/office/powerpoint/2010/main" val="2060812485"/>
       </p:ext>
     </p:extLst>
   </p:cSld>
@@ -4087,7 +4834,7 @@
           <a:p>
             <a:r>
               <a:rPr lang="en-US" sz="2400" dirty="0" smtClean="0"/>
-              <a:t>LDA/QDA</a:t>
+              <a:t>Logistic Regression</a:t>
             </a:r>
             <a:endParaRPr lang="en-US" sz="2400" dirty="0"/>
           </a:p>
@@ -4206,7 +4953,7 @@
     </p:spTree>
     <p:extLst>
       <p:ext uri="{BB962C8B-B14F-4D97-AF65-F5344CB8AC3E}">
-        <p14:creationId xmlns:p14="http://schemas.microsoft.com/office/powerpoint/2010/main" val="98188770"/>
+        <p14:creationId xmlns:p14="http://schemas.microsoft.com/office/powerpoint/2010/main" val="3149348495"/>
       </p:ext>
     </p:extLst>
   </p:cSld>
@@ -4325,11 +5072,11 @@
           <a:p>
             <a:r>
               <a:rPr lang="en-US" sz="2400" dirty="0" smtClean="0"/>
-              <a:t>Trees / Random </a:t>
+              <a:t>K-Nearest </a:t>
             </a:r>
             <a:r>
               <a:rPr lang="en-US" sz="2400" dirty="0" err="1" smtClean="0"/>
-              <a:t>Forrests</a:t>
+              <a:t>Neighbours</a:t>
             </a:r>
             <a:endParaRPr lang="en-US" sz="2400" dirty="0"/>
           </a:p>
@@ -4363,55 +5110,18 @@
               <a:buChar char="•"/>
             </a:pPr>
             <a:r>
-              <a:rPr lang="en-US" dirty="0">
+              <a:rPr lang="en-US" dirty="0" smtClean="0">
                 <a:latin typeface="Arial" charset="0"/>
                 <a:ea typeface="Arial" charset="0"/>
                 <a:cs typeface="Arial" charset="0"/>
               </a:rPr>
-              <a:t>Your body text should be minimum size 16. </a:t>
-            </a:r>
-          </a:p>
-          <a:p>
-            <a:pPr marL="285750" indent="-285750">
-              <a:buFont typeface="Arial" panose="020B0604020202020204" pitchFamily="34" charset="0"/>
-              <a:buChar char="•"/>
-            </a:pPr>
-            <a:r>
-              <a:rPr lang="en-US" dirty="0">
-                <a:latin typeface="Arial" charset="0"/>
-                <a:ea typeface="Arial" charset="0"/>
-                <a:cs typeface="Arial" charset="0"/>
-              </a:rPr>
-              <a:t>We recommend that you use headings or bullet points</a:t>
-            </a:r>
-          </a:p>
-          <a:p>
-            <a:pPr marL="285750" indent="-285750">
-              <a:buFont typeface="Arial" panose="020B0604020202020204" pitchFamily="34" charset="0"/>
-              <a:buChar char="•"/>
-            </a:pPr>
-            <a:r>
-              <a:rPr lang="en-US" dirty="0">
-                <a:latin typeface="Arial" charset="0"/>
-                <a:ea typeface="Arial" charset="0"/>
-                <a:cs typeface="Arial" charset="0"/>
-              </a:rPr>
-              <a:t>Your audience want to hear and see you present not read from a slide.</a:t>
-            </a:r>
-          </a:p>
-          <a:p>
-            <a:pPr marL="292100" indent="-285750">
-              <a:buFont typeface="Arial" charset="0"/>
-              <a:buChar char="•"/>
-            </a:pPr>
-            <a:r>
-              <a:rPr lang="en-US" dirty="0">
-                <a:latin typeface="Arial" charset="0"/>
-                <a:ea typeface="Arial" charset="0"/>
-                <a:cs typeface="Arial" charset="0"/>
-              </a:rPr>
-              <a:t>To insert an image, right-click (ctrl + click Mac) and select ‘send to back’, to place it behind the University marque at the top. </a:t>
-            </a:r>
+              <a:t>Only for continuous variables</a:t>
+            </a:r>
+            <a:endParaRPr lang="en-US" dirty="0">
+              <a:latin typeface="Arial" charset="0"/>
+              <a:ea typeface="Arial" charset="0"/>
+              <a:cs typeface="Arial" charset="0"/>
+            </a:endParaRPr>
           </a:p>
         </p:txBody>
       </p:sp>
@@ -4448,7 +5158,7 @@
     </p:spTree>
     <p:extLst>
       <p:ext uri="{BB962C8B-B14F-4D97-AF65-F5344CB8AC3E}">
-        <p14:creationId xmlns:p14="http://schemas.microsoft.com/office/powerpoint/2010/main" val="2149969440"/>
+        <p14:creationId xmlns:p14="http://schemas.microsoft.com/office/powerpoint/2010/main" val="98188770"/>
       </p:ext>
     </p:extLst>
   </p:cSld>
@@ -4567,7 +5277,7 @@
           <a:p>
             <a:r>
               <a:rPr lang="en-US" sz="2400" dirty="0" smtClean="0"/>
-              <a:t>Support Vector Machines</a:t>
+              <a:t>LDA/QDA</a:t>
             </a:r>
             <a:endParaRPr lang="en-US" sz="2400" dirty="0"/>
           </a:p>
@@ -4601,55 +5311,18 @@
               <a:buChar char="•"/>
             </a:pPr>
             <a:r>
-              <a:rPr lang="en-US" dirty="0">
+              <a:rPr lang="en-US" dirty="0" smtClean="0">
                 <a:latin typeface="Arial" charset="0"/>
                 <a:ea typeface="Arial" charset="0"/>
                 <a:cs typeface="Arial" charset="0"/>
               </a:rPr>
-              <a:t>Your body text should be minimum size 16. </a:t>
-            </a:r>
-          </a:p>
-          <a:p>
-            <a:pPr marL="285750" indent="-285750">
-              <a:buFont typeface="Arial" panose="020B0604020202020204" pitchFamily="34" charset="0"/>
-              <a:buChar char="•"/>
-            </a:pPr>
-            <a:r>
-              <a:rPr lang="en-US" dirty="0">
-                <a:latin typeface="Arial" charset="0"/>
-                <a:ea typeface="Arial" charset="0"/>
-                <a:cs typeface="Arial" charset="0"/>
-              </a:rPr>
-              <a:t>We recommend that you use headings or bullet points</a:t>
-            </a:r>
-          </a:p>
-          <a:p>
-            <a:pPr marL="285750" indent="-285750">
-              <a:buFont typeface="Arial" panose="020B0604020202020204" pitchFamily="34" charset="0"/>
-              <a:buChar char="•"/>
-            </a:pPr>
-            <a:r>
-              <a:rPr lang="en-US" dirty="0">
-                <a:latin typeface="Arial" charset="0"/>
-                <a:ea typeface="Arial" charset="0"/>
-                <a:cs typeface="Arial" charset="0"/>
-              </a:rPr>
-              <a:t>Your audience want to hear and see you present not read from a slide.</a:t>
-            </a:r>
-          </a:p>
-          <a:p>
-            <a:pPr marL="292100" indent="-285750">
-              <a:buFont typeface="Arial" charset="0"/>
-              <a:buChar char="•"/>
-            </a:pPr>
-            <a:r>
-              <a:rPr lang="en-US" dirty="0">
-                <a:latin typeface="Arial" charset="0"/>
-                <a:ea typeface="Arial" charset="0"/>
-                <a:cs typeface="Arial" charset="0"/>
-              </a:rPr>
-              <a:t>To insert an image, right-click (ctrl + click Mac) and select ‘send to back’, to place it behind the University marque at the top. </a:t>
-            </a:r>
+              <a:t>Only for continuous variables</a:t>
+            </a:r>
+            <a:endParaRPr lang="en-US" dirty="0">
+              <a:latin typeface="Arial" charset="0"/>
+              <a:ea typeface="Arial" charset="0"/>
+              <a:cs typeface="Arial" charset="0"/>
+            </a:endParaRPr>
           </a:p>
         </p:txBody>
       </p:sp>
@@ -4686,7 +5359,7 @@
     </p:spTree>
     <p:extLst>
       <p:ext uri="{BB962C8B-B14F-4D97-AF65-F5344CB8AC3E}">
-        <p14:creationId xmlns:p14="http://schemas.microsoft.com/office/powerpoint/2010/main" val="3974367294"/>
+        <p14:creationId xmlns:p14="http://schemas.microsoft.com/office/powerpoint/2010/main" val="2224238787"/>
       </p:ext>
     </p:extLst>
   </p:cSld>
@@ -4793,7 +5466,7 @@
         <p:spPr>
           <a:xfrm>
             <a:off x="539551" y="1203599"/>
-            <a:ext cx="4680521" cy="504055"/>
+            <a:ext cx="4104457" cy="504055"/>
           </a:xfrm>
           <a:prstGeom prst="rect">
             <a:avLst/>
@@ -4805,7 +5478,11 @@
           <a:p>
             <a:r>
               <a:rPr lang="en-US" sz="2400" dirty="0" smtClean="0"/>
-              <a:t>Advanced Section: Imputation</a:t>
+              <a:t>Trees / Random </a:t>
+            </a:r>
+            <a:r>
+              <a:rPr lang="en-US" sz="2400" dirty="0" err="1" smtClean="0"/>
+              <a:t>Forrests</a:t>
             </a:r>
             <a:endParaRPr lang="en-US" sz="2400" dirty="0"/>
           </a:p>
@@ -4924,7 +5601,7 @@
     </p:spTree>
     <p:extLst>
       <p:ext uri="{BB962C8B-B14F-4D97-AF65-F5344CB8AC3E}">
-        <p14:creationId xmlns:p14="http://schemas.microsoft.com/office/powerpoint/2010/main" val="160934926"/>
+        <p14:creationId xmlns:p14="http://schemas.microsoft.com/office/powerpoint/2010/main" val="2149969440"/>
       </p:ext>
     </p:extLst>
   </p:cSld>

--- a/viva/viva_2416963E.pptx
+++ b/viva/viva_2416963E.pptx
@@ -5,23 +5,24 @@
     <p:sldMasterId id="2147483648" r:id="rId1"/>
   </p:sldMasterIdLst>
   <p:notesMasterIdLst>
-    <p:notesMasterId r:id="rId16"/>
+    <p:notesMasterId r:id="rId17"/>
   </p:notesMasterIdLst>
   <p:sldIdLst>
     <p:sldId id="270" r:id="rId2"/>
     <p:sldId id="406" r:id="rId3"/>
     <p:sldId id="439" r:id="rId4"/>
-    <p:sldId id="444" r:id="rId5"/>
-    <p:sldId id="407" r:id="rId6"/>
-    <p:sldId id="437" r:id="rId7"/>
-    <p:sldId id="438" r:id="rId8"/>
-    <p:sldId id="445" r:id="rId9"/>
-    <p:sldId id="440" r:id="rId10"/>
-    <p:sldId id="441" r:id="rId11"/>
-    <p:sldId id="446" r:id="rId12"/>
-    <p:sldId id="442" r:id="rId13"/>
-    <p:sldId id="443" r:id="rId14"/>
-    <p:sldId id="436" r:id="rId15"/>
+    <p:sldId id="447" r:id="rId5"/>
+    <p:sldId id="444" r:id="rId6"/>
+    <p:sldId id="407" r:id="rId7"/>
+    <p:sldId id="437" r:id="rId8"/>
+    <p:sldId id="438" r:id="rId9"/>
+    <p:sldId id="445" r:id="rId10"/>
+    <p:sldId id="440" r:id="rId11"/>
+    <p:sldId id="441" r:id="rId12"/>
+    <p:sldId id="446" r:id="rId13"/>
+    <p:sldId id="442" r:id="rId14"/>
+    <p:sldId id="443" r:id="rId15"/>
+    <p:sldId id="436" r:id="rId16"/>
   </p:sldIdLst>
   <p:sldSz cx="9144000" cy="5143500" type="screen16x9"/>
   <p:notesSz cx="6858000" cy="9144000"/>
@@ -240,7 +241,7 @@
           <a:p>
             <a:fld id="{127433B5-D728-E146-B948-C37A5EC05FB8}" type="datetimeFigureOut">
               <a:rPr lang="en-US" smtClean="0"/>
-              <a:t>7/24/2019</a:t>
+              <a:t>7/29/2019</a:t>
             </a:fld>
             <a:endParaRPr lang="en-US"/>
           </a:p>
@@ -720,6 +721,12 @@
           <a:bodyPr/>
           <a:lstStyle/>
           <a:p>
+            <a:r>
+              <a:rPr lang="en-GB" dirty="0" smtClean="0">
+                <a:hlinkClick r:id="rId3"/>
+              </a:rPr>
+              <a:t>https://www.nhs.uk/conditions/acute-respiratory-distress-syndrome/</a:t>
+            </a:r>
             <a:endParaRPr lang="en-US" dirty="0"/>
           </a:p>
         </p:txBody>
@@ -804,6 +811,381 @@
           <a:bodyPr/>
           <a:lstStyle/>
           <a:p>
+            <a:r>
+              <a:rPr lang="en-GB" sz="1200" b="0" i="0" kern="1200" dirty="0" smtClean="0">
+                <a:solidFill>
+                  <a:schemeClr val="tx1"/>
+                </a:solidFill>
+                <a:effectLst/>
+                <a:latin typeface="+mn-lt"/>
+                <a:ea typeface="+mn-ea"/>
+                <a:cs typeface="+mn-cs"/>
+              </a:rPr>
+              <a:t>Early studies had shown survival benefit with use of ECMO for people in acute respiratory failure especially in the setting of </a:t>
+            </a:r>
+            <a:r>
+              <a:rPr lang="en-GB" sz="1200" b="0" i="0" u="none" strike="noStrike" kern="1200" dirty="0" smtClean="0">
+                <a:solidFill>
+                  <a:schemeClr val="tx1"/>
+                </a:solidFill>
+                <a:effectLst/>
+                <a:latin typeface="+mn-lt"/>
+                <a:ea typeface="+mn-ea"/>
+                <a:cs typeface="+mn-cs"/>
+                <a:hlinkClick r:id="rId3" tooltip="Acute respiratory distress syndrome"/>
+              </a:rPr>
+              <a:t>acute respiratory distress syndrome</a:t>
+            </a:r>
+            <a:r>
+              <a:rPr lang="en-GB" sz="1200" b="0" i="0" kern="1200" dirty="0" smtClean="0">
+                <a:solidFill>
+                  <a:schemeClr val="tx1"/>
+                </a:solidFill>
+                <a:effectLst/>
+                <a:latin typeface="+mn-lt"/>
+                <a:ea typeface="+mn-ea"/>
+                <a:cs typeface="+mn-cs"/>
+              </a:rPr>
+              <a:t>.</a:t>
+            </a:r>
+            <a:r>
+              <a:rPr lang="en-GB" sz="1200" b="0" i="0" u="none" strike="noStrike" kern="1200" baseline="30000" dirty="0" smtClean="0">
+                <a:solidFill>
+                  <a:schemeClr val="tx1"/>
+                </a:solidFill>
+                <a:effectLst/>
+                <a:latin typeface="+mn-lt"/>
+                <a:ea typeface="+mn-ea"/>
+                <a:cs typeface="+mn-cs"/>
+                <a:hlinkClick r:id="rId4"/>
+              </a:rPr>
+              <a:t>[6]</a:t>
+            </a:r>
+            <a:r>
+              <a:rPr lang="en-GB" sz="1200" b="0" i="0" u="none" strike="noStrike" kern="1200" baseline="30000" dirty="0" smtClean="0">
+                <a:solidFill>
+                  <a:schemeClr val="tx1"/>
+                </a:solidFill>
+                <a:effectLst/>
+                <a:latin typeface="+mn-lt"/>
+                <a:ea typeface="+mn-ea"/>
+                <a:cs typeface="+mn-cs"/>
+                <a:hlinkClick r:id="rId5"/>
+              </a:rPr>
+              <a:t>[7]</a:t>
+            </a:r>
+            <a:endParaRPr lang="en-GB" sz="1200" b="0" i="0" u="none" strike="noStrike" kern="1200" baseline="30000" dirty="0" smtClean="0">
+              <a:solidFill>
+                <a:schemeClr val="tx1"/>
+              </a:solidFill>
+              <a:effectLst/>
+              <a:latin typeface="+mn-lt"/>
+              <a:ea typeface="+mn-ea"/>
+              <a:cs typeface="+mn-cs"/>
+            </a:endParaRPr>
+          </a:p>
+          <a:p>
+            <a:pPr marL="171450" indent="-171450">
+              <a:buFont typeface="Arial" panose="020B0604020202020204" pitchFamily="34" charset="0"/>
+              <a:buChar char="•"/>
+            </a:pPr>
+            <a:r>
+              <a:rPr lang="en-GB" sz="1200" b="0" i="0" kern="1200" dirty="0" smtClean="0">
+                <a:solidFill>
+                  <a:schemeClr val="tx1"/>
+                </a:solidFill>
+                <a:effectLst/>
+                <a:latin typeface="+mn-lt"/>
+                <a:ea typeface="+mn-ea"/>
+                <a:cs typeface="+mn-cs"/>
+              </a:rPr>
+              <a:t>Peek, GJ; Moore, HM; Moore, N; </a:t>
+            </a:r>
+            <a:r>
+              <a:rPr lang="en-GB" sz="1200" b="0" i="0" kern="1200" dirty="0" err="1" smtClean="0">
+                <a:solidFill>
+                  <a:schemeClr val="tx1"/>
+                </a:solidFill>
+                <a:effectLst/>
+                <a:latin typeface="+mn-lt"/>
+                <a:ea typeface="+mn-ea"/>
+                <a:cs typeface="+mn-cs"/>
+              </a:rPr>
+              <a:t>Sosnowski</a:t>
+            </a:r>
+            <a:r>
+              <a:rPr lang="en-GB" sz="1200" b="0" i="0" kern="1200" dirty="0" smtClean="0">
+                <a:solidFill>
+                  <a:schemeClr val="tx1"/>
+                </a:solidFill>
+                <a:effectLst/>
+                <a:latin typeface="+mn-lt"/>
+                <a:ea typeface="+mn-ea"/>
+                <a:cs typeface="+mn-cs"/>
+              </a:rPr>
+              <a:t>, AW; </a:t>
+            </a:r>
+            <a:r>
+              <a:rPr lang="en-GB" sz="1200" b="0" i="0" kern="1200" dirty="0" err="1" smtClean="0">
+                <a:solidFill>
+                  <a:schemeClr val="tx1"/>
+                </a:solidFill>
+                <a:effectLst/>
+                <a:latin typeface="+mn-lt"/>
+                <a:ea typeface="+mn-ea"/>
+                <a:cs typeface="+mn-cs"/>
+              </a:rPr>
+              <a:t>Firmin</a:t>
+            </a:r>
+            <a:r>
+              <a:rPr lang="en-GB" sz="1200" b="0" i="0" kern="1200" dirty="0" smtClean="0">
+                <a:solidFill>
+                  <a:schemeClr val="tx1"/>
+                </a:solidFill>
+                <a:effectLst/>
+                <a:latin typeface="+mn-lt"/>
+                <a:ea typeface="+mn-ea"/>
+                <a:cs typeface="+mn-cs"/>
+              </a:rPr>
+              <a:t>, RK (1997). "Extracorporeal membrane oxygenation for adult respiratory failure". </a:t>
+            </a:r>
+            <a:r>
+              <a:rPr lang="en-GB" sz="1200" b="0" i="1" kern="1200" dirty="0" smtClean="0">
+                <a:solidFill>
+                  <a:schemeClr val="tx1"/>
+                </a:solidFill>
+                <a:effectLst/>
+                <a:latin typeface="+mn-lt"/>
+                <a:ea typeface="+mn-ea"/>
+                <a:cs typeface="+mn-cs"/>
+              </a:rPr>
+              <a:t>Chest</a:t>
+            </a:r>
+            <a:r>
+              <a:rPr lang="en-GB" sz="1200" b="0" i="0" kern="1200" dirty="0" smtClean="0">
+                <a:solidFill>
+                  <a:schemeClr val="tx1"/>
+                </a:solidFill>
+                <a:effectLst/>
+                <a:latin typeface="+mn-lt"/>
+                <a:ea typeface="+mn-ea"/>
+                <a:cs typeface="+mn-cs"/>
+              </a:rPr>
+              <a:t>. </a:t>
+            </a:r>
+          </a:p>
+          <a:p>
+            <a:pPr marL="171450" indent="-171450">
+              <a:buFont typeface="Arial" panose="020B0604020202020204" pitchFamily="34" charset="0"/>
+              <a:buChar char="•"/>
+            </a:pPr>
+            <a:r>
+              <a:rPr lang="en-GB" sz="1200" b="0" i="0" kern="1200" dirty="0" smtClean="0">
+                <a:solidFill>
+                  <a:schemeClr val="tx1"/>
+                </a:solidFill>
+                <a:effectLst/>
+                <a:latin typeface="+mn-lt"/>
+                <a:ea typeface="+mn-ea"/>
+                <a:cs typeface="+mn-cs"/>
+              </a:rPr>
+              <a:t>Lewandowski, K.; </a:t>
+            </a:r>
+            <a:r>
+              <a:rPr lang="en-GB" sz="1200" b="0" i="0" kern="1200" dirty="0" err="1" smtClean="0">
+                <a:solidFill>
+                  <a:schemeClr val="tx1"/>
+                </a:solidFill>
+                <a:effectLst/>
+                <a:latin typeface="+mn-lt"/>
+                <a:ea typeface="+mn-ea"/>
+                <a:cs typeface="+mn-cs"/>
+              </a:rPr>
+              <a:t>Rossaint</a:t>
+            </a:r>
+            <a:r>
+              <a:rPr lang="en-GB" sz="1200" b="0" i="0" kern="1200" dirty="0" smtClean="0">
+                <a:solidFill>
+                  <a:schemeClr val="tx1"/>
+                </a:solidFill>
+                <a:effectLst/>
+                <a:latin typeface="+mn-lt"/>
+                <a:ea typeface="+mn-ea"/>
+                <a:cs typeface="+mn-cs"/>
+              </a:rPr>
+              <a:t>, R.; </a:t>
+            </a:r>
+            <a:r>
+              <a:rPr lang="en-GB" sz="1200" b="0" i="0" kern="1200" dirty="0" err="1" smtClean="0">
+                <a:solidFill>
+                  <a:schemeClr val="tx1"/>
+                </a:solidFill>
+                <a:effectLst/>
+                <a:latin typeface="+mn-lt"/>
+                <a:ea typeface="+mn-ea"/>
+                <a:cs typeface="+mn-cs"/>
+              </a:rPr>
+              <a:t>Pappert</a:t>
+            </a:r>
+            <a:r>
+              <a:rPr lang="en-GB" sz="1200" b="0" i="0" kern="1200" dirty="0" smtClean="0">
+                <a:solidFill>
+                  <a:schemeClr val="tx1"/>
+                </a:solidFill>
+                <a:effectLst/>
+                <a:latin typeface="+mn-lt"/>
+                <a:ea typeface="+mn-ea"/>
+                <a:cs typeface="+mn-cs"/>
+              </a:rPr>
+              <a:t>, D.; </a:t>
+            </a:r>
+            <a:r>
+              <a:rPr lang="en-GB" sz="1200" b="0" i="0" kern="1200" dirty="0" err="1" smtClean="0">
+                <a:solidFill>
+                  <a:schemeClr val="tx1"/>
+                </a:solidFill>
+                <a:effectLst/>
+                <a:latin typeface="+mn-lt"/>
+                <a:ea typeface="+mn-ea"/>
+                <a:cs typeface="+mn-cs"/>
+              </a:rPr>
+              <a:t>Gerlach</a:t>
+            </a:r>
+            <a:r>
+              <a:rPr lang="en-GB" sz="1200" b="0" i="0" kern="1200" dirty="0" smtClean="0">
+                <a:solidFill>
+                  <a:schemeClr val="tx1"/>
+                </a:solidFill>
+                <a:effectLst/>
+                <a:latin typeface="+mn-lt"/>
+                <a:ea typeface="+mn-ea"/>
+                <a:cs typeface="+mn-cs"/>
+              </a:rPr>
+              <a:t>, H.; </a:t>
+            </a:r>
+            <a:r>
+              <a:rPr lang="en-GB" sz="1200" b="0" i="0" kern="1200" dirty="0" err="1" smtClean="0">
+                <a:solidFill>
+                  <a:schemeClr val="tx1"/>
+                </a:solidFill>
+                <a:effectLst/>
+                <a:latin typeface="+mn-lt"/>
+                <a:ea typeface="+mn-ea"/>
+                <a:cs typeface="+mn-cs"/>
+              </a:rPr>
+              <a:t>Slama</a:t>
+            </a:r>
+            <a:r>
+              <a:rPr lang="en-GB" sz="1200" b="0" i="0" kern="1200" dirty="0" smtClean="0">
+                <a:solidFill>
+                  <a:schemeClr val="tx1"/>
+                </a:solidFill>
+                <a:effectLst/>
+                <a:latin typeface="+mn-lt"/>
+                <a:ea typeface="+mn-ea"/>
+                <a:cs typeface="+mn-cs"/>
+              </a:rPr>
+              <a:t>, K.-J.; </a:t>
+            </a:r>
+            <a:r>
+              <a:rPr lang="en-GB" sz="1200" b="0" i="0" kern="1200" dirty="0" err="1" smtClean="0">
+                <a:solidFill>
+                  <a:schemeClr val="tx1"/>
+                </a:solidFill>
+                <a:effectLst/>
+                <a:latin typeface="+mn-lt"/>
+                <a:ea typeface="+mn-ea"/>
+                <a:cs typeface="+mn-cs"/>
+              </a:rPr>
+              <a:t>Weidemann</a:t>
+            </a:r>
+            <a:r>
+              <a:rPr lang="en-GB" sz="1200" b="0" i="0" kern="1200" dirty="0" smtClean="0">
+                <a:solidFill>
+                  <a:schemeClr val="tx1"/>
+                </a:solidFill>
+                <a:effectLst/>
+                <a:latin typeface="+mn-lt"/>
+                <a:ea typeface="+mn-ea"/>
+                <a:cs typeface="+mn-cs"/>
+              </a:rPr>
+              <a:t>, H.; Frey, D. J. M.; Hoffmann, O.; </a:t>
+            </a:r>
+            <a:r>
+              <a:rPr lang="en-GB" sz="1200" b="0" i="0" kern="1200" dirty="0" err="1" smtClean="0">
+                <a:solidFill>
+                  <a:schemeClr val="tx1"/>
+                </a:solidFill>
+                <a:effectLst/>
+                <a:latin typeface="+mn-lt"/>
+                <a:ea typeface="+mn-ea"/>
+                <a:cs typeface="+mn-cs"/>
+              </a:rPr>
+              <a:t>Keske</a:t>
+            </a:r>
+            <a:r>
+              <a:rPr lang="en-GB" sz="1200" b="0" i="0" kern="1200" dirty="0" smtClean="0">
+                <a:solidFill>
+                  <a:schemeClr val="tx1"/>
+                </a:solidFill>
+                <a:effectLst/>
+                <a:latin typeface="+mn-lt"/>
+                <a:ea typeface="+mn-ea"/>
+                <a:cs typeface="+mn-cs"/>
+              </a:rPr>
+              <a:t>, U. (1997). "High survival rate in 122 ARDS patients managed according to a clinical algorithm including extracorporeal membrane oxygenation". </a:t>
+            </a:r>
+            <a:r>
+              <a:rPr lang="en-GB" sz="1200" b="0" i="1" kern="1200" dirty="0" smtClean="0">
+                <a:solidFill>
+                  <a:schemeClr val="tx1"/>
+                </a:solidFill>
+                <a:effectLst/>
+                <a:latin typeface="+mn-lt"/>
+                <a:ea typeface="+mn-ea"/>
+                <a:cs typeface="+mn-cs"/>
+              </a:rPr>
+              <a:t>Intensive Care Medicine</a:t>
+            </a:r>
+            <a:r>
+              <a:rPr lang="en-GB" sz="1200" b="0" i="0" kern="1200" dirty="0" smtClean="0">
+                <a:solidFill>
+                  <a:schemeClr val="tx1"/>
+                </a:solidFill>
+                <a:effectLst/>
+                <a:latin typeface="+mn-lt"/>
+                <a:ea typeface="+mn-ea"/>
+                <a:cs typeface="+mn-cs"/>
+              </a:rPr>
+              <a:t>.</a:t>
+            </a:r>
+          </a:p>
+          <a:p>
+            <a:pPr marL="171450" indent="-171450">
+              <a:buFont typeface="Arial" panose="020B0604020202020204" pitchFamily="34" charset="0"/>
+              <a:buChar char="•"/>
+            </a:pPr>
+            <a:endParaRPr lang="en-GB" sz="1200" b="0" i="0" kern="1200" dirty="0" smtClean="0">
+              <a:solidFill>
+                <a:schemeClr val="tx1"/>
+              </a:solidFill>
+              <a:effectLst/>
+              <a:latin typeface="+mn-lt"/>
+              <a:ea typeface="+mn-ea"/>
+              <a:cs typeface="+mn-cs"/>
+            </a:endParaRPr>
+          </a:p>
+          <a:p>
+            <a:pPr marL="0" indent="0">
+              <a:buFont typeface="Arial" panose="020B0604020202020204" pitchFamily="34" charset="0"/>
+              <a:buNone/>
+            </a:pPr>
+            <a:r>
+              <a:rPr lang="en-GB" dirty="0" smtClean="0">
+                <a:hlinkClick r:id="rId6"/>
+              </a:rPr>
+              <a:t>https://www.semanticscholar.org/paper/Fifty-Years-of-Research-in-ARDS.-Is-Extracorporeal-Leprince-Pesenti/ca0ada0ed074e8c7c09fe0fdfe2f084be0758563</a:t>
+            </a:r>
             <a:endParaRPr lang="en-US" dirty="0"/>
           </a:p>
         </p:txBody>
@@ -834,7 +1216,7 @@
     </p:spTree>
     <p:extLst>
       <p:ext uri="{BB962C8B-B14F-4D97-AF65-F5344CB8AC3E}">
-        <p14:creationId xmlns:p14="http://schemas.microsoft.com/office/powerpoint/2010/main" val="4093145691"/>
+        <p14:creationId xmlns:p14="http://schemas.microsoft.com/office/powerpoint/2010/main" val="2861626134"/>
       </p:ext>
     </p:extLst>
   </p:cSld>
@@ -909,7 +1291,7 @@
           <a:p>
             <a:fld id="{34A02F00-C535-204F-B4B5-528FB2DC4FE2}" type="slidenum">
               <a:rPr lang="en-US" smtClean="0"/>
-              <a:t>13</a:t>
+              <a:t>5</a:t>
             </a:fld>
             <a:endParaRPr lang="en-US"/>
           </a:p>
@@ -918,7 +1300,7 @@
     </p:spTree>
     <p:extLst>
       <p:ext uri="{BB962C8B-B14F-4D97-AF65-F5344CB8AC3E}">
-        <p14:creationId xmlns:p14="http://schemas.microsoft.com/office/powerpoint/2010/main" val="884742870"/>
+        <p14:creationId xmlns:p14="http://schemas.microsoft.com/office/powerpoint/2010/main" val="4093145691"/>
       </p:ext>
     </p:extLst>
   </p:cSld>
@@ -994,6 +1376,90 @@
             <a:fld id="{34A02F00-C535-204F-B4B5-528FB2DC4FE2}" type="slidenum">
               <a:rPr lang="en-US" smtClean="0"/>
               <a:t>14</a:t>
+            </a:fld>
+            <a:endParaRPr lang="en-US"/>
+          </a:p>
+        </p:txBody>
+      </p:sp>
+    </p:spTree>
+    <p:extLst>
+      <p:ext uri="{BB962C8B-B14F-4D97-AF65-F5344CB8AC3E}">
+        <p14:creationId xmlns:p14="http://schemas.microsoft.com/office/powerpoint/2010/main" val="884742870"/>
+      </p:ext>
+    </p:extLst>
+  </p:cSld>
+  <p:clrMapOvr>
+    <a:masterClrMapping/>
+  </p:clrMapOvr>
+</p:notes>
+</file>
+
+<file path=ppt/notesSlides/notesSlide7.xml><?xml version="1.0" encoding="utf-8"?>
+<p:notes xmlns:a="http://schemas.openxmlformats.org/drawingml/2006/main" xmlns:r="http://schemas.openxmlformats.org/officeDocument/2006/relationships" xmlns:p="http://schemas.openxmlformats.org/presentationml/2006/main">
+  <p:cSld>
+    <p:spTree>
+      <p:nvGrpSpPr>
+        <p:cNvPr id="1" name=""/>
+        <p:cNvGrpSpPr/>
+        <p:nvPr/>
+      </p:nvGrpSpPr>
+      <p:grpSpPr>
+        <a:xfrm>
+          <a:off x="0" y="0"/>
+          <a:ext cx="0" cy="0"/>
+          <a:chOff x="0" y="0"/>
+          <a:chExt cx="0" cy="0"/>
+        </a:xfrm>
+      </p:grpSpPr>
+      <p:sp>
+        <p:nvSpPr>
+          <p:cNvPr id="2" name="Slide Image Placeholder 1"/>
+          <p:cNvSpPr>
+            <a:spLocks noGrp="1" noRot="1" noChangeAspect="1"/>
+          </p:cNvSpPr>
+          <p:nvPr>
+            <p:ph type="sldImg"/>
+          </p:nvPr>
+        </p:nvSpPr>
+        <p:spPr/>
+      </p:sp>
+      <p:sp>
+        <p:nvSpPr>
+          <p:cNvPr id="3" name="Notes Placeholder 2"/>
+          <p:cNvSpPr>
+            <a:spLocks noGrp="1"/>
+          </p:cNvSpPr>
+          <p:nvPr>
+            <p:ph type="body" idx="1"/>
+          </p:nvPr>
+        </p:nvSpPr>
+        <p:spPr/>
+        <p:txBody>
+          <a:bodyPr/>
+          <a:lstStyle/>
+          <a:p>
+            <a:endParaRPr lang="en-US" dirty="0"/>
+          </a:p>
+        </p:txBody>
+      </p:sp>
+      <p:sp>
+        <p:nvSpPr>
+          <p:cNvPr id="4" name="Slide Number Placeholder 3"/>
+          <p:cNvSpPr>
+            <a:spLocks noGrp="1"/>
+          </p:cNvSpPr>
+          <p:nvPr>
+            <p:ph type="sldNum" sz="quarter" idx="10"/>
+          </p:nvPr>
+        </p:nvSpPr>
+        <p:spPr/>
+        <p:txBody>
+          <a:bodyPr/>
+          <a:lstStyle/>
+          <a:p>
+            <a:fld id="{34A02F00-C535-204F-B4B5-528FB2DC4FE2}" type="slidenum">
+              <a:rPr lang="en-US" smtClean="0"/>
+              <a:t>15</a:t>
             </a:fld>
             <a:endParaRPr lang="en-US"/>
           </a:p>
@@ -1970,7 +2436,7 @@
           <p:cNvPr id="2" name="Picture 1" descr="The tower of the main building with the city in the background">
             <a:extLst>
               <a:ext uri="{C183D7F6-B498-43B3-948B-1728B52AA6E4}">
-                <adec:decorative xmlns="" xmlns:adec="http://schemas.microsoft.com/office/drawing/2017/decorative" val="0"/>
+                <adec:decorative xmlns:adec="http://schemas.microsoft.com/office/drawing/2017/decorative" xmlns="" val="0"/>
               </a:ext>
             </a:extLst>
           </p:cNvPr>
@@ -2147,7 +2613,7 @@
               </a14:hiddenLine>
             </a:ext>
             <a:ext uri="{FAA26D3D-D897-4be2-8F04-BA451C77F1D7}">
-              <ma14:placeholderFlag xmlns:ma14="http://schemas.microsoft.com/office/mac/drawingml/2011/main" xmlns="" val="1"/>
+              <ma14:placeholderFlag xmlns="" xmlns:ma14="http://schemas.microsoft.com/office/mac/drawingml/2011/main" val="1"/>
             </a:ext>
           </a:extLst>
         </p:spPr>
@@ -2440,7 +2906,11 @@
           <a:p>
             <a:r>
               <a:rPr lang="en-US" sz="2400" dirty="0" smtClean="0"/>
-              <a:t>Support Vector Machines</a:t>
+              <a:t>Trees / Random </a:t>
+            </a:r>
+            <a:r>
+              <a:rPr lang="en-US" sz="2400" dirty="0" err="1" smtClean="0"/>
+              <a:t>Forrests</a:t>
             </a:r>
             <a:endParaRPr lang="en-US" sz="2400" dirty="0"/>
           </a:p>
@@ -2559,7 +3029,7 @@
     </p:spTree>
     <p:extLst>
       <p:ext uri="{BB962C8B-B14F-4D97-AF65-F5344CB8AC3E}">
-        <p14:creationId xmlns:p14="http://schemas.microsoft.com/office/powerpoint/2010/main" val="3974367294"/>
+        <p14:creationId xmlns:p14="http://schemas.microsoft.com/office/powerpoint/2010/main" val="2149969440"/>
       </p:ext>
     </p:extLst>
   </p:cSld>
@@ -2678,7 +3148,7 @@
           <a:p>
             <a:r>
               <a:rPr lang="en-US" sz="2400" dirty="0" smtClean="0"/>
-              <a:t>Comparison of Methods</a:t>
+              <a:t>Support Vector Machines</a:t>
             </a:r>
             <a:endParaRPr lang="en-US" sz="2400" dirty="0"/>
           </a:p>
@@ -2797,7 +3267,7 @@
     </p:spTree>
     <p:extLst>
       <p:ext uri="{BB962C8B-B14F-4D97-AF65-F5344CB8AC3E}">
-        <p14:creationId xmlns:p14="http://schemas.microsoft.com/office/powerpoint/2010/main" val="2729839798"/>
+        <p14:creationId xmlns:p14="http://schemas.microsoft.com/office/powerpoint/2010/main" val="3974367294"/>
       </p:ext>
     </p:extLst>
   </p:cSld>
@@ -2904,6 +3374,235 @@
         <p:spPr>
           <a:xfrm>
             <a:off x="539551" y="1203599"/>
+            <a:ext cx="4104457" cy="504055"/>
+          </a:xfrm>
+          <a:prstGeom prst="rect">
+            <a:avLst/>
+          </a:prstGeom>
+        </p:spPr>
+        <p:txBody>
+          <a:bodyPr/>
+          <a:lstStyle/>
+          <a:p>
+            <a:r>
+              <a:rPr lang="en-US" sz="2400" dirty="0" smtClean="0"/>
+              <a:t>Comparison of Methods</a:t>
+            </a:r>
+            <a:endParaRPr lang="en-US" sz="2400" dirty="0"/>
+          </a:p>
+        </p:txBody>
+      </p:sp>
+      <p:sp>
+        <p:nvSpPr>
+          <p:cNvPr id="6" name="Content Placeholder 2"/>
+          <p:cNvSpPr>
+            <a:spLocks noGrp="1"/>
+          </p:cNvSpPr>
+          <p:nvPr>
+            <p:ph idx="4294967295"/>
+          </p:nvPr>
+        </p:nvSpPr>
+        <p:spPr>
+          <a:xfrm>
+            <a:off x="539551" y="1851671"/>
+            <a:ext cx="3744417" cy="3096343"/>
+          </a:xfrm>
+          <a:prstGeom prst="rect">
+            <a:avLst/>
+          </a:prstGeom>
+        </p:spPr>
+        <p:txBody>
+          <a:bodyPr/>
+          <a:lstStyle/>
+          <a:p>
+            <a:pPr marL="285750" indent="-285750">
+              <a:buFont typeface="Arial" panose="020B0604020202020204" pitchFamily="34" charset="0"/>
+              <a:buChar char="•"/>
+            </a:pPr>
+            <a:r>
+              <a:rPr lang="en-US" dirty="0" smtClean="0">
+                <a:latin typeface="Arial" charset="0"/>
+                <a:ea typeface="Arial" charset="0"/>
+                <a:cs typeface="Arial" charset="0"/>
+              </a:rPr>
+              <a:t>ROC</a:t>
+            </a:r>
+          </a:p>
+          <a:p>
+            <a:pPr marL="285750" indent="-285750">
+              <a:buFont typeface="Arial" panose="020B0604020202020204" pitchFamily="34" charset="0"/>
+              <a:buChar char="•"/>
+            </a:pPr>
+            <a:r>
+              <a:rPr lang="en-US" dirty="0" smtClean="0">
+                <a:latin typeface="Arial" charset="0"/>
+                <a:ea typeface="Arial" charset="0"/>
+                <a:cs typeface="Arial" charset="0"/>
+              </a:rPr>
+              <a:t>AUC</a:t>
+            </a:r>
+          </a:p>
+          <a:p>
+            <a:pPr marL="285750" indent="-285750">
+              <a:buFont typeface="Arial" panose="020B0604020202020204" pitchFamily="34" charset="0"/>
+              <a:buChar char="•"/>
+            </a:pPr>
+            <a:r>
+              <a:rPr lang="en-US" dirty="0" smtClean="0">
+                <a:latin typeface="Arial" charset="0"/>
+                <a:ea typeface="Arial" charset="0"/>
+                <a:cs typeface="Arial" charset="0"/>
+              </a:rPr>
+              <a:t>F1 Score</a:t>
+            </a:r>
+            <a:endParaRPr lang="en-US" dirty="0">
+              <a:latin typeface="Arial" charset="0"/>
+              <a:ea typeface="Arial" charset="0"/>
+              <a:cs typeface="Arial" charset="0"/>
+            </a:endParaRPr>
+          </a:p>
+        </p:txBody>
+      </p:sp>
+      <p:pic>
+        <p:nvPicPr>
+          <p:cNvPr id="7" name="Picture 6"/>
+          <p:cNvPicPr>
+            <a:picLocks noChangeAspect="1"/>
+          </p:cNvPicPr>
+          <p:nvPr/>
+        </p:nvPicPr>
+        <p:blipFill>
+          <a:blip r:embed="rId2">
+            <a:extLst>
+              <a:ext uri="{28A0092B-C50C-407E-A947-70E740481C1C}">
+                <a14:useLocalDpi xmlns:a14="http://schemas.microsoft.com/office/drawing/2010/main" val="0"/>
+              </a:ext>
+            </a:extLst>
+          </a:blip>
+          <a:stretch>
+            <a:fillRect/>
+          </a:stretch>
+        </p:blipFill>
+        <p:spPr>
+          <a:xfrm>
+            <a:off x="0" y="0"/>
+            <a:ext cx="9144000" cy="1352550"/>
+          </a:xfrm>
+          <a:prstGeom prst="rect">
+            <a:avLst/>
+          </a:prstGeom>
+        </p:spPr>
+      </p:pic>
+    </p:spTree>
+    <p:extLst>
+      <p:ext uri="{BB962C8B-B14F-4D97-AF65-F5344CB8AC3E}">
+        <p14:creationId xmlns:p14="http://schemas.microsoft.com/office/powerpoint/2010/main" val="2729839798"/>
+      </p:ext>
+    </p:extLst>
+  </p:cSld>
+  <p:clrMapOvr>
+    <a:masterClrMapping/>
+  </p:clrMapOvr>
+</p:sld>
+</file>
+
+<file path=ppt/slides/slide13.xml><?xml version="1.0" encoding="utf-8"?>
+<p:sld xmlns:a="http://schemas.openxmlformats.org/drawingml/2006/main" xmlns:r="http://schemas.openxmlformats.org/officeDocument/2006/relationships" xmlns:p="http://schemas.openxmlformats.org/presentationml/2006/main">
+  <p:cSld>
+    <p:spTree>
+      <p:nvGrpSpPr>
+        <p:cNvPr id="1" name=""/>
+        <p:cNvGrpSpPr/>
+        <p:nvPr/>
+      </p:nvGrpSpPr>
+      <p:grpSpPr>
+        <a:xfrm>
+          <a:off x="0" y="0"/>
+          <a:ext cx="0" cy="0"/>
+          <a:chOff x="0" y="0"/>
+          <a:chExt cx="0" cy="0"/>
+        </a:xfrm>
+      </p:grpSpPr>
+      <p:sp>
+        <p:nvSpPr>
+          <p:cNvPr id="4" name="Rectangle 3"/>
+          <p:cNvSpPr/>
+          <p:nvPr/>
+        </p:nvSpPr>
+        <p:spPr bwMode="auto">
+          <a:xfrm>
+            <a:off x="564874" y="1203599"/>
+            <a:ext cx="3719094" cy="3715612"/>
+          </a:xfrm>
+          <a:prstGeom prst="rect">
+            <a:avLst/>
+          </a:prstGeom>
+          <a:solidFill>
+            <a:schemeClr val="bg1">
+              <a:alpha val="80000"/>
+            </a:schemeClr>
+          </a:solidFill>
+          <a:ln w="9525" cap="flat" cmpd="sng" algn="ctr">
+            <a:noFill/>
+            <a:prstDash val="solid"/>
+            <a:round/>
+            <a:headEnd type="none" w="med" len="med"/>
+            <a:tailEnd type="none" w="med" len="med"/>
+          </a:ln>
+          <a:effectLst/>
+        </p:spPr>
+        <p:txBody>
+          <a:bodyPr vert="horz" wrap="square" lIns="91440" tIns="45720" rIns="91440" bIns="45720" numCol="1" rtlCol="0" anchor="t" anchorCtr="0" compatLnSpc="1">
+            <a:prstTxWarp prst="textNoShape">
+              <a:avLst/>
+            </a:prstTxWarp>
+          </a:bodyPr>
+          <a:lstStyle/>
+          <a:p>
+            <a:pPr marL="0" marR="0" indent="0" algn="l" defTabSz="914400" rtl="0" eaLnBrk="0" fontAlgn="base" latinLnBrk="0" hangingPunct="0">
+              <a:lnSpc>
+                <a:spcPct val="100000"/>
+              </a:lnSpc>
+              <a:spcBef>
+                <a:spcPct val="0"/>
+              </a:spcBef>
+              <a:spcAft>
+                <a:spcPct val="0"/>
+              </a:spcAft>
+              <a:buClrTx/>
+              <a:buSzTx/>
+              <a:buFontTx/>
+              <a:buNone/>
+              <a:tabLst/>
+            </a:pPr>
+            <a:endParaRPr kumimoji="0" lang="en-US" sz="2400" b="0" i="0" u="none" strike="noStrike" cap="none" normalizeH="0" baseline="0">
+              <a:ln>
+                <a:noFill/>
+              </a:ln>
+              <a:solidFill>
+                <a:schemeClr val="tx1"/>
+              </a:solidFill>
+              <a:effectLst/>
+              <a:latin typeface="Arial" charset="0"/>
+              <a:ea typeface="ＭＳ Ｐゴシック" charset="-128"/>
+              <a:cs typeface="ＭＳ Ｐゴシック" charset="-128"/>
+            </a:endParaRPr>
+          </a:p>
+        </p:txBody>
+      </p:sp>
+      <p:sp>
+        <p:nvSpPr>
+          <p:cNvPr id="5" name="Title 1"/>
+          <p:cNvSpPr>
+            <a:spLocks noGrp="1"/>
+          </p:cNvSpPr>
+          <p:nvPr>
+            <p:ph type="title"/>
+          </p:nvPr>
+        </p:nvSpPr>
+        <p:spPr>
+          <a:xfrm>
+            <a:off x="539551" y="1203599"/>
             <a:ext cx="4680521" cy="504055"/>
           </a:xfrm>
           <a:prstGeom prst="rect">
@@ -3045,7 +3744,7 @@
 </p:sld>
 </file>
 
-<file path=ppt/slides/slide13.xml><?xml version="1.0" encoding="utf-8"?>
+<file path=ppt/slides/slide14.xml><?xml version="1.0" encoding="utf-8"?>
 <p:sld xmlns:a="http://schemas.openxmlformats.org/drawingml/2006/main" xmlns:r="http://schemas.openxmlformats.org/officeDocument/2006/relationships" xmlns:p="http://schemas.openxmlformats.org/presentationml/2006/main">
   <p:cSld>
     <p:spTree>
@@ -3358,7 +4057,7 @@
 </p:sld>
 </file>
 
-<file path=ppt/slides/slide14.xml><?xml version="1.0" encoding="utf-8"?>
+<file path=ppt/slides/slide15.xml><?xml version="1.0" encoding="utf-8"?>
 <p:sld xmlns:a="http://schemas.openxmlformats.org/drawingml/2006/main" xmlns:r="http://schemas.openxmlformats.org/officeDocument/2006/relationships" xmlns:p="http://schemas.openxmlformats.org/presentationml/2006/main">
   <p:cSld>
     <p:spTree>
@@ -3759,7 +4458,7 @@
               </a14:hiddenLine>
             </a:ext>
             <a:ext uri="{FAA26D3D-D897-4be2-8F04-BA451C77F1D7}">
-              <ma14:placeholderFlag xmlns:ma14="http://schemas.microsoft.com/office/mac/drawingml/2011/main" xmlns="" val="1"/>
+              <ma14:placeholderFlag xmlns="" xmlns:ma14="http://schemas.microsoft.com/office/mac/drawingml/2011/main" val="1"/>
             </a:ext>
           </a:extLst>
         </p:spPr>
@@ -4173,7 +4872,7 @@
                   <a:srgbClr val="003560"/>
                 </a:solidFill>
               </a:rPr>
-              <a:t>Explanation of Background</a:t>
+              <a:t>Acute Respiratory Distress Syndrome</a:t>
             </a:r>
             <a:endParaRPr lang="en-GB" sz="1400" dirty="0">
               <a:solidFill>
@@ -4320,6 +5019,36 @@
           <a:chExt cx="0" cy="0"/>
         </a:xfrm>
       </p:grpSpPr>
+      <p:pic>
+        <p:nvPicPr>
+          <p:cNvPr id="2" name="Picture 1"/>
+          <p:cNvPicPr>
+            <a:picLocks noChangeAspect="1"/>
+          </p:cNvPicPr>
+          <p:nvPr/>
+        </p:nvPicPr>
+        <p:blipFill>
+          <a:blip r:embed="rId3">
+            <a:extLst>
+              <a:ext uri="{28A0092B-C50C-407E-A947-70E740481C1C}">
+                <a14:useLocalDpi xmlns:a14="http://schemas.microsoft.com/office/drawing/2010/main" val="0"/>
+              </a:ext>
+            </a:extLst>
+          </a:blip>
+          <a:stretch>
+            <a:fillRect/>
+          </a:stretch>
+        </p:blipFill>
+        <p:spPr>
+          <a:xfrm>
+            <a:off x="5706575" y="38100"/>
+            <a:ext cx="3437425" cy="5143500"/>
+          </a:xfrm>
+          <a:prstGeom prst="rect">
+            <a:avLst/>
+          </a:prstGeom>
+        </p:spPr>
+      </p:pic>
       <p:sp>
         <p:nvSpPr>
           <p:cNvPr id="5" name="TextBox 4"/>
@@ -4348,7 +5077,186 @@
                   <a:srgbClr val="003560"/>
                 </a:solidFill>
               </a:rPr>
-              <a:t>Aims of Project</a:t>
+              <a:t>Extracorporeal Membrane Oxygenation (ECMO)</a:t>
+            </a:r>
+            <a:endParaRPr lang="en-GB" sz="1400" dirty="0" smtClean="0">
+              <a:solidFill>
+                <a:srgbClr val="003560"/>
+              </a:solidFill>
+            </a:endParaRPr>
+          </a:p>
+          <a:p>
+            <a:pPr marL="285750" indent="-285750">
+              <a:spcBef>
+                <a:spcPts val="0"/>
+              </a:spcBef>
+              <a:spcAft>
+                <a:spcPts val="500"/>
+              </a:spcAft>
+              <a:buFont typeface="Arial" charset="0"/>
+              <a:buChar char="•"/>
+            </a:pPr>
+            <a:endParaRPr lang="en-GB" sz="1400" dirty="0" smtClean="0">
+              <a:solidFill>
+                <a:srgbClr val="003560"/>
+              </a:solidFill>
+            </a:endParaRPr>
+          </a:p>
+          <a:p>
+            <a:pPr marL="342900" indent="-342900">
+              <a:spcAft>
+                <a:spcPts val="500"/>
+              </a:spcAft>
+              <a:buFont typeface="Arial" panose="020B0604020202020204" pitchFamily="34" charset="0"/>
+              <a:buChar char="•"/>
+            </a:pPr>
+            <a:r>
+              <a:rPr lang="en-GB" sz="1600" dirty="0" smtClean="0"/>
+              <a:t>Project </a:t>
+            </a:r>
+            <a:r>
+              <a:rPr lang="en-GB" sz="1600" dirty="0"/>
+              <a:t>background </a:t>
+            </a:r>
+          </a:p>
+          <a:p>
+            <a:pPr marL="342900" indent="-342900">
+              <a:spcAft>
+                <a:spcPts val="500"/>
+              </a:spcAft>
+              <a:buFont typeface="Arial" panose="020B0604020202020204" pitchFamily="34" charset="0"/>
+              <a:buChar char="•"/>
+            </a:pPr>
+            <a:r>
+              <a:rPr lang="en-GB" sz="1600" dirty="0" smtClean="0"/>
+              <a:t>Aims </a:t>
+            </a:r>
+            <a:r>
+              <a:rPr lang="en-GB" sz="1600" dirty="0"/>
+              <a:t>of the project </a:t>
+            </a:r>
+            <a:endParaRPr lang="en-GB" sz="1600" dirty="0" smtClean="0"/>
+          </a:p>
+          <a:p>
+            <a:pPr marL="342900" indent="-342900">
+              <a:spcAft>
+                <a:spcPts val="500"/>
+              </a:spcAft>
+              <a:buFont typeface="Arial" panose="020B0604020202020204" pitchFamily="34" charset="0"/>
+              <a:buChar char="•"/>
+            </a:pPr>
+            <a:r>
+              <a:rPr lang="en-GB" sz="1600" dirty="0" smtClean="0"/>
+              <a:t>Data </a:t>
+            </a:r>
+            <a:r>
+              <a:rPr lang="en-GB" sz="1600" dirty="0"/>
+              <a:t>description</a:t>
+            </a:r>
+            <a:endParaRPr lang="en-GB" sz="1600" dirty="0">
+              <a:solidFill>
+                <a:srgbClr val="003560"/>
+              </a:solidFill>
+            </a:endParaRPr>
+          </a:p>
+          <a:p>
+            <a:pPr marL="342900" indent="-342900">
+              <a:buFont typeface="Arial" panose="020B0604020202020204" pitchFamily="34" charset="0"/>
+              <a:buChar char="•"/>
+            </a:pPr>
+            <a:endParaRPr lang="en-GB" sz="1100" dirty="0"/>
+          </a:p>
+        </p:txBody>
+      </p:sp>
+      <p:pic>
+        <p:nvPicPr>
+          <p:cNvPr id="8" name="Picture 7"/>
+          <p:cNvPicPr>
+            <a:picLocks noChangeAspect="1"/>
+          </p:cNvPicPr>
+          <p:nvPr/>
+        </p:nvPicPr>
+        <p:blipFill>
+          <a:blip r:embed="rId4">
+            <a:extLst>
+              <a:ext uri="{28A0092B-C50C-407E-A947-70E740481C1C}">
+                <a14:useLocalDpi xmlns:a14="http://schemas.microsoft.com/office/drawing/2010/main" val="0"/>
+              </a:ext>
+            </a:extLst>
+          </a:blip>
+          <a:stretch>
+            <a:fillRect/>
+          </a:stretch>
+        </p:blipFill>
+        <p:spPr>
+          <a:xfrm>
+            <a:off x="0" y="0"/>
+            <a:ext cx="9144000" cy="1352550"/>
+          </a:xfrm>
+          <a:prstGeom prst="rect">
+            <a:avLst/>
+          </a:prstGeom>
+        </p:spPr>
+      </p:pic>
+    </p:spTree>
+    <p:extLst>
+      <p:ext uri="{BB962C8B-B14F-4D97-AF65-F5344CB8AC3E}">
+        <p14:creationId xmlns:p14="http://schemas.microsoft.com/office/powerpoint/2010/main" val="1925587919"/>
+      </p:ext>
+    </p:extLst>
+  </p:cSld>
+  <p:clrMapOvr>
+    <a:masterClrMapping/>
+  </p:clrMapOvr>
+</p:sld>
+</file>
+
+<file path=ppt/slides/slide5.xml><?xml version="1.0" encoding="utf-8"?>
+<p:sld xmlns:a="http://schemas.openxmlformats.org/drawingml/2006/main" xmlns:r="http://schemas.openxmlformats.org/officeDocument/2006/relationships" xmlns:p="http://schemas.openxmlformats.org/presentationml/2006/main">
+  <p:cSld>
+    <p:spTree>
+      <p:nvGrpSpPr>
+        <p:cNvPr id="1" name=""/>
+        <p:cNvGrpSpPr/>
+        <p:nvPr/>
+      </p:nvGrpSpPr>
+      <p:grpSpPr>
+        <a:xfrm>
+          <a:off x="0" y="0"/>
+          <a:ext cx="0" cy="0"/>
+          <a:chOff x="0" y="0"/>
+          <a:chExt cx="0" cy="0"/>
+        </a:xfrm>
+      </p:grpSpPr>
+      <p:sp>
+        <p:nvSpPr>
+          <p:cNvPr id="5" name="TextBox 4"/>
+          <p:cNvSpPr txBox="1"/>
+          <p:nvPr/>
+        </p:nvSpPr>
+        <p:spPr>
+          <a:xfrm>
+            <a:off x="107505" y="1203598"/>
+            <a:ext cx="8568951" cy="1841530"/>
+          </a:xfrm>
+          <a:prstGeom prst="rect">
+            <a:avLst/>
+          </a:prstGeom>
+          <a:noFill/>
+        </p:spPr>
+        <p:txBody>
+          <a:bodyPr wrap="square" rtlCol="0">
+            <a:spAutoFit/>
+          </a:bodyPr>
+          <a:lstStyle/>
+          <a:p>
+            <a:r>
+              <a:rPr lang="en-GB" b="1" dirty="0" smtClean="0">
+                <a:solidFill>
+                  <a:srgbClr val="003560"/>
+                </a:solidFill>
+              </a:rPr>
+              <a:t>Questions of Interest</a:t>
             </a:r>
             <a:endParaRPr lang="en-GB" sz="1400" dirty="0">
               <a:solidFill>
@@ -4415,7 +5323,6 @@
               <a:rPr lang="en-GB" sz="1600" dirty="0" smtClean="0"/>
               <a:t> variables or just a subset to make accurate predictions?</a:t>
             </a:r>
-            <a:endParaRPr lang="en-GB" sz="1600" dirty="0" smtClean="0"/>
           </a:p>
           <a:p>
             <a:pPr marL="342900" indent="-342900">
@@ -4478,244 +5385,6 @@
     <p:extLst>
       <p:ext uri="{BB962C8B-B14F-4D97-AF65-F5344CB8AC3E}">
         <p14:creationId xmlns:p14="http://schemas.microsoft.com/office/powerpoint/2010/main" val="2575358949"/>
-      </p:ext>
-    </p:extLst>
-  </p:cSld>
-  <p:clrMapOvr>
-    <a:masterClrMapping/>
-  </p:clrMapOvr>
-</p:sld>
-</file>
-
-<file path=ppt/slides/slide5.xml><?xml version="1.0" encoding="utf-8"?>
-<p:sld xmlns:a="http://schemas.openxmlformats.org/drawingml/2006/main" xmlns:r="http://schemas.openxmlformats.org/officeDocument/2006/relationships" xmlns:p="http://schemas.openxmlformats.org/presentationml/2006/main">
-  <p:cSld>
-    <p:spTree>
-      <p:nvGrpSpPr>
-        <p:cNvPr id="1" name=""/>
-        <p:cNvGrpSpPr/>
-        <p:nvPr/>
-      </p:nvGrpSpPr>
-      <p:grpSpPr>
-        <a:xfrm>
-          <a:off x="0" y="0"/>
-          <a:ext cx="0" cy="0"/>
-          <a:chOff x="0" y="0"/>
-          <a:chExt cx="0" cy="0"/>
-        </a:xfrm>
-      </p:grpSpPr>
-      <p:sp>
-        <p:nvSpPr>
-          <p:cNvPr id="4" name="Rectangle 3"/>
-          <p:cNvSpPr/>
-          <p:nvPr/>
-        </p:nvSpPr>
-        <p:spPr bwMode="auto">
-          <a:xfrm>
-            <a:off x="564874" y="1203599"/>
-            <a:ext cx="3719094" cy="3715612"/>
-          </a:xfrm>
-          <a:prstGeom prst="rect">
-            <a:avLst/>
-          </a:prstGeom>
-          <a:solidFill>
-            <a:schemeClr val="bg1">
-              <a:alpha val="80000"/>
-            </a:schemeClr>
-          </a:solidFill>
-          <a:ln w="9525" cap="flat" cmpd="sng" algn="ctr">
-            <a:noFill/>
-            <a:prstDash val="solid"/>
-            <a:round/>
-            <a:headEnd type="none" w="med" len="med"/>
-            <a:tailEnd type="none" w="med" len="med"/>
-          </a:ln>
-          <a:effectLst/>
-        </p:spPr>
-        <p:txBody>
-          <a:bodyPr vert="horz" wrap="square" lIns="91440" tIns="45720" rIns="91440" bIns="45720" numCol="1" rtlCol="0" anchor="t" anchorCtr="0" compatLnSpc="1">
-            <a:prstTxWarp prst="textNoShape">
-              <a:avLst/>
-            </a:prstTxWarp>
-          </a:bodyPr>
-          <a:lstStyle/>
-          <a:p>
-            <a:pPr marL="0" marR="0" indent="0" algn="l" defTabSz="914400" rtl="0" eaLnBrk="0" fontAlgn="base" latinLnBrk="0" hangingPunct="0">
-              <a:lnSpc>
-                <a:spcPct val="100000"/>
-              </a:lnSpc>
-              <a:spcBef>
-                <a:spcPct val="0"/>
-              </a:spcBef>
-              <a:spcAft>
-                <a:spcPct val="0"/>
-              </a:spcAft>
-              <a:buClrTx/>
-              <a:buSzTx/>
-              <a:buFontTx/>
-              <a:buNone/>
-              <a:tabLst/>
-            </a:pPr>
-            <a:endParaRPr kumimoji="0" lang="en-US" sz="2400" b="0" i="0" u="none" strike="noStrike" cap="none" normalizeH="0" baseline="0">
-              <a:ln>
-                <a:noFill/>
-              </a:ln>
-              <a:solidFill>
-                <a:schemeClr val="tx1"/>
-              </a:solidFill>
-              <a:effectLst/>
-              <a:latin typeface="Arial" charset="0"/>
-              <a:ea typeface="ＭＳ Ｐゴシック" charset="-128"/>
-              <a:cs typeface="ＭＳ Ｐゴシック" charset="-128"/>
-            </a:endParaRPr>
-          </a:p>
-        </p:txBody>
-      </p:sp>
-      <p:sp>
-        <p:nvSpPr>
-          <p:cNvPr id="5" name="Title 1"/>
-          <p:cNvSpPr>
-            <a:spLocks noGrp="1"/>
-          </p:cNvSpPr>
-          <p:nvPr>
-            <p:ph type="title"/>
-          </p:nvPr>
-        </p:nvSpPr>
-        <p:spPr>
-          <a:xfrm>
-            <a:off x="539551" y="1203599"/>
-            <a:ext cx="4104457" cy="504055"/>
-          </a:xfrm>
-          <a:prstGeom prst="rect">
-            <a:avLst/>
-          </a:prstGeom>
-        </p:spPr>
-        <p:txBody>
-          <a:bodyPr/>
-          <a:lstStyle/>
-          <a:p>
-            <a:r>
-              <a:rPr lang="en-US" sz="2400" dirty="0" smtClean="0"/>
-              <a:t>Exploratory Data Analysis</a:t>
-            </a:r>
-            <a:endParaRPr lang="en-US" sz="2400" dirty="0"/>
-          </a:p>
-        </p:txBody>
-      </p:sp>
-      <p:sp>
-        <p:nvSpPr>
-          <p:cNvPr id="6" name="Content Placeholder 2"/>
-          <p:cNvSpPr>
-            <a:spLocks noGrp="1"/>
-          </p:cNvSpPr>
-          <p:nvPr>
-            <p:ph idx="4294967295"/>
-          </p:nvPr>
-        </p:nvSpPr>
-        <p:spPr>
-          <a:xfrm>
-            <a:off x="539551" y="1851671"/>
-            <a:ext cx="3744417" cy="3096343"/>
-          </a:xfrm>
-          <a:prstGeom prst="rect">
-            <a:avLst/>
-          </a:prstGeom>
-        </p:spPr>
-        <p:txBody>
-          <a:bodyPr/>
-          <a:lstStyle/>
-          <a:p>
-            <a:pPr marL="285750" indent="-285750">
-              <a:buFont typeface="Arial" panose="020B0604020202020204" pitchFamily="34" charset="0"/>
-              <a:buChar char="•"/>
-            </a:pPr>
-            <a:r>
-              <a:rPr lang="en-US" dirty="0">
-                <a:latin typeface="Arial" charset="0"/>
-                <a:ea typeface="Arial" charset="0"/>
-                <a:cs typeface="Arial" charset="0"/>
-              </a:rPr>
-              <a:t>Your body text should be minimum size 16. </a:t>
-            </a:r>
-          </a:p>
-          <a:p>
-            <a:pPr marL="285750" indent="-285750">
-              <a:buFont typeface="Arial" panose="020B0604020202020204" pitchFamily="34" charset="0"/>
-              <a:buChar char="•"/>
-            </a:pPr>
-            <a:r>
-              <a:rPr lang="en-US" dirty="0">
-                <a:latin typeface="Arial" charset="0"/>
-                <a:ea typeface="Arial" charset="0"/>
-                <a:cs typeface="Arial" charset="0"/>
-              </a:rPr>
-              <a:t>We recommend that you use headings or bullet points</a:t>
-            </a:r>
-          </a:p>
-          <a:p>
-            <a:pPr marL="285750" indent="-285750">
-              <a:buFont typeface="Arial" panose="020B0604020202020204" pitchFamily="34" charset="0"/>
-              <a:buChar char="•"/>
-            </a:pPr>
-            <a:r>
-              <a:rPr lang="en-US" dirty="0">
-                <a:latin typeface="Arial" charset="0"/>
-                <a:ea typeface="Arial" charset="0"/>
-                <a:cs typeface="Arial" charset="0"/>
-              </a:rPr>
-              <a:t>Your audience want to hear and see you present not read from a slide.</a:t>
-            </a:r>
-          </a:p>
-          <a:p>
-            <a:pPr marL="292100" indent="-285750">
-              <a:buFont typeface="Arial" charset="0"/>
-              <a:buChar char="•"/>
-            </a:pPr>
-            <a:r>
-              <a:rPr lang="en-US" dirty="0">
-                <a:latin typeface="Arial" charset="0"/>
-                <a:ea typeface="Arial" charset="0"/>
-                <a:cs typeface="Arial" charset="0"/>
-              </a:rPr>
-              <a:t>To insert an image, right-click (ctrl + click Mac) and select ‘send to back’, to place it behind the University marque at the top. </a:t>
-            </a:r>
-          </a:p>
-        </p:txBody>
-      </p:sp>
-      <p:pic>
-        <p:nvPicPr>
-          <p:cNvPr id="7" name="Picture 6"/>
-          <p:cNvPicPr>
-            <a:picLocks noChangeAspect="1"/>
-          </p:cNvPicPr>
-          <p:nvPr/>
-        </p:nvPicPr>
-        <p:blipFill>
-          <a:blip r:embed="rId2">
-            <a:extLst>
-              <a:ext uri="{28A0092B-C50C-407E-A947-70E740481C1C}">
-                <a14:useLocalDpi xmlns:a14="http://schemas.microsoft.com/office/drawing/2010/main" val="0"/>
-              </a:ext>
-            </a:extLst>
-          </a:blip>
-          <a:stretch>
-            <a:fillRect/>
-          </a:stretch>
-        </p:blipFill>
-        <p:spPr>
-          <a:xfrm>
-            <a:off x="0" y="0"/>
-            <a:ext cx="9144000" cy="1352550"/>
-          </a:xfrm>
-          <a:prstGeom prst="rect">
-            <a:avLst/>
-          </a:prstGeom>
-        </p:spPr>
-      </p:pic>
-    </p:spTree>
-    <p:extLst>
-      <p:ext uri="{BB962C8B-B14F-4D97-AF65-F5344CB8AC3E}">
-        <p14:creationId xmlns:p14="http://schemas.microsoft.com/office/powerpoint/2010/main" val="2060812485"/>
       </p:ext>
     </p:extLst>
   </p:cSld>
@@ -4834,7 +5503,7 @@
           <a:p>
             <a:r>
               <a:rPr lang="en-US" sz="2400" dirty="0" smtClean="0"/>
-              <a:t>Logistic Regression</a:t>
+              <a:t>Exploratory Data Analysis</a:t>
             </a:r>
             <a:endParaRPr lang="en-US" sz="2400" dirty="0"/>
           </a:p>
@@ -4953,7 +5622,7 @@
     </p:spTree>
     <p:extLst>
       <p:ext uri="{BB962C8B-B14F-4D97-AF65-F5344CB8AC3E}">
-        <p14:creationId xmlns:p14="http://schemas.microsoft.com/office/powerpoint/2010/main" val="3149348495"/>
+        <p14:creationId xmlns:p14="http://schemas.microsoft.com/office/powerpoint/2010/main" val="2060812485"/>
       </p:ext>
     </p:extLst>
   </p:cSld>
@@ -5072,11 +5741,7 @@
           <a:p>
             <a:r>
               <a:rPr lang="en-US" sz="2400" dirty="0" smtClean="0"/>
-              <a:t>K-Nearest </a:t>
-            </a:r>
-            <a:r>
-              <a:rPr lang="en-US" sz="2400" dirty="0" err="1" smtClean="0"/>
-              <a:t>Neighbours</a:t>
+              <a:t>Logistic Regression</a:t>
             </a:r>
             <a:endParaRPr lang="en-US" sz="2400" dirty="0"/>
           </a:p>
@@ -5110,18 +5775,55 @@
               <a:buChar char="•"/>
             </a:pPr>
             <a:r>
-              <a:rPr lang="en-US" dirty="0" smtClean="0">
+              <a:rPr lang="en-US" dirty="0">
                 <a:latin typeface="Arial" charset="0"/>
                 <a:ea typeface="Arial" charset="0"/>
                 <a:cs typeface="Arial" charset="0"/>
               </a:rPr>
-              <a:t>Only for continuous variables</a:t>
-            </a:r>
-            <a:endParaRPr lang="en-US" dirty="0">
-              <a:latin typeface="Arial" charset="0"/>
-              <a:ea typeface="Arial" charset="0"/>
-              <a:cs typeface="Arial" charset="0"/>
-            </a:endParaRPr>
+              <a:t>Your body text should be minimum size 16. </a:t>
+            </a:r>
+          </a:p>
+          <a:p>
+            <a:pPr marL="285750" indent="-285750">
+              <a:buFont typeface="Arial" panose="020B0604020202020204" pitchFamily="34" charset="0"/>
+              <a:buChar char="•"/>
+            </a:pPr>
+            <a:r>
+              <a:rPr lang="en-US" dirty="0">
+                <a:latin typeface="Arial" charset="0"/>
+                <a:ea typeface="Arial" charset="0"/>
+                <a:cs typeface="Arial" charset="0"/>
+              </a:rPr>
+              <a:t>We recommend that you use headings or bullet points</a:t>
+            </a:r>
+          </a:p>
+          <a:p>
+            <a:pPr marL="285750" indent="-285750">
+              <a:buFont typeface="Arial" panose="020B0604020202020204" pitchFamily="34" charset="0"/>
+              <a:buChar char="•"/>
+            </a:pPr>
+            <a:r>
+              <a:rPr lang="en-US" dirty="0">
+                <a:latin typeface="Arial" charset="0"/>
+                <a:ea typeface="Arial" charset="0"/>
+                <a:cs typeface="Arial" charset="0"/>
+              </a:rPr>
+              <a:t>Your audience want to hear and see you present not read from a slide.</a:t>
+            </a:r>
+          </a:p>
+          <a:p>
+            <a:pPr marL="292100" indent="-285750">
+              <a:buFont typeface="Arial" charset="0"/>
+              <a:buChar char="•"/>
+            </a:pPr>
+            <a:r>
+              <a:rPr lang="en-US" dirty="0">
+                <a:latin typeface="Arial" charset="0"/>
+                <a:ea typeface="Arial" charset="0"/>
+                <a:cs typeface="Arial" charset="0"/>
+              </a:rPr>
+              <a:t>To insert an image, right-click (ctrl + click Mac) and select ‘send to back’, to place it behind the University marque at the top. </a:t>
+            </a:r>
           </a:p>
         </p:txBody>
       </p:sp>
@@ -5158,7 +5860,7 @@
     </p:spTree>
     <p:extLst>
       <p:ext uri="{BB962C8B-B14F-4D97-AF65-F5344CB8AC3E}">
-        <p14:creationId xmlns:p14="http://schemas.microsoft.com/office/powerpoint/2010/main" val="98188770"/>
+        <p14:creationId xmlns:p14="http://schemas.microsoft.com/office/powerpoint/2010/main" val="3149348495"/>
       </p:ext>
     </p:extLst>
   </p:cSld>
@@ -5277,7 +5979,11 @@
           <a:p>
             <a:r>
               <a:rPr lang="en-US" sz="2400" dirty="0" smtClean="0"/>
-              <a:t>LDA/QDA</a:t>
+              <a:t>K-Nearest </a:t>
+            </a:r>
+            <a:r>
+              <a:rPr lang="en-US" sz="2400" dirty="0" err="1" smtClean="0"/>
+              <a:t>Neighbours</a:t>
             </a:r>
             <a:endParaRPr lang="en-US" sz="2400" dirty="0"/>
           </a:p>
@@ -5359,7 +6065,7 @@
     </p:spTree>
     <p:extLst>
       <p:ext uri="{BB962C8B-B14F-4D97-AF65-F5344CB8AC3E}">
-        <p14:creationId xmlns:p14="http://schemas.microsoft.com/office/powerpoint/2010/main" val="2224238787"/>
+        <p14:creationId xmlns:p14="http://schemas.microsoft.com/office/powerpoint/2010/main" val="98188770"/>
       </p:ext>
     </p:extLst>
   </p:cSld>
@@ -5478,11 +6184,7 @@
           <a:p>
             <a:r>
               <a:rPr lang="en-US" sz="2400" dirty="0" smtClean="0"/>
-              <a:t>Trees / Random </a:t>
-            </a:r>
-            <a:r>
-              <a:rPr lang="en-US" sz="2400" dirty="0" err="1" smtClean="0"/>
-              <a:t>Forrests</a:t>
+              <a:t>LDA/QDA</a:t>
             </a:r>
             <a:endParaRPr lang="en-US" sz="2400" dirty="0"/>
           </a:p>
@@ -5516,55 +6218,18 @@
               <a:buChar char="•"/>
             </a:pPr>
             <a:r>
-              <a:rPr lang="en-US" dirty="0">
+              <a:rPr lang="en-US" dirty="0" smtClean="0">
                 <a:latin typeface="Arial" charset="0"/>
                 <a:ea typeface="Arial" charset="0"/>
                 <a:cs typeface="Arial" charset="0"/>
               </a:rPr>
-              <a:t>Your body text should be minimum size 16. </a:t>
-            </a:r>
-          </a:p>
-          <a:p>
-            <a:pPr marL="285750" indent="-285750">
-              <a:buFont typeface="Arial" panose="020B0604020202020204" pitchFamily="34" charset="0"/>
-              <a:buChar char="•"/>
-            </a:pPr>
-            <a:r>
-              <a:rPr lang="en-US" dirty="0">
-                <a:latin typeface="Arial" charset="0"/>
-                <a:ea typeface="Arial" charset="0"/>
-                <a:cs typeface="Arial" charset="0"/>
-              </a:rPr>
-              <a:t>We recommend that you use headings or bullet points</a:t>
-            </a:r>
-          </a:p>
-          <a:p>
-            <a:pPr marL="285750" indent="-285750">
-              <a:buFont typeface="Arial" panose="020B0604020202020204" pitchFamily="34" charset="0"/>
-              <a:buChar char="•"/>
-            </a:pPr>
-            <a:r>
-              <a:rPr lang="en-US" dirty="0">
-                <a:latin typeface="Arial" charset="0"/>
-                <a:ea typeface="Arial" charset="0"/>
-                <a:cs typeface="Arial" charset="0"/>
-              </a:rPr>
-              <a:t>Your audience want to hear and see you present not read from a slide.</a:t>
-            </a:r>
-          </a:p>
-          <a:p>
-            <a:pPr marL="292100" indent="-285750">
-              <a:buFont typeface="Arial" charset="0"/>
-              <a:buChar char="•"/>
-            </a:pPr>
-            <a:r>
-              <a:rPr lang="en-US" dirty="0">
-                <a:latin typeface="Arial" charset="0"/>
-                <a:ea typeface="Arial" charset="0"/>
-                <a:cs typeface="Arial" charset="0"/>
-              </a:rPr>
-              <a:t>To insert an image, right-click (ctrl + click Mac) and select ‘send to back’, to place it behind the University marque at the top. </a:t>
-            </a:r>
+              <a:t>Only for continuous variables</a:t>
+            </a:r>
+            <a:endParaRPr lang="en-US" dirty="0">
+              <a:latin typeface="Arial" charset="0"/>
+              <a:ea typeface="Arial" charset="0"/>
+              <a:cs typeface="Arial" charset="0"/>
+            </a:endParaRPr>
           </a:p>
         </p:txBody>
       </p:sp>
@@ -5601,7 +6266,7 @@
     </p:spTree>
     <p:extLst>
       <p:ext uri="{BB962C8B-B14F-4D97-AF65-F5344CB8AC3E}">
-        <p14:creationId xmlns:p14="http://schemas.microsoft.com/office/powerpoint/2010/main" val="2149969440"/>
+        <p14:creationId xmlns:p14="http://schemas.microsoft.com/office/powerpoint/2010/main" val="2224238787"/>
       </p:ext>
     </p:extLst>
   </p:cSld>

--- a/viva/viva_2416963E.pptx
+++ b/viva/viva_2416963E.pptx
@@ -9,20 +9,20 @@
   </p:notesMasterIdLst>
   <p:sldIdLst>
     <p:sldId id="270" r:id="rId2"/>
-    <p:sldId id="406" r:id="rId3"/>
-    <p:sldId id="439" r:id="rId4"/>
+    <p:sldId id="439" r:id="rId3"/>
+    <p:sldId id="450" r:id="rId4"/>
     <p:sldId id="447" r:id="rId5"/>
     <p:sldId id="444" r:id="rId6"/>
     <p:sldId id="407" r:id="rId7"/>
-    <p:sldId id="437" r:id="rId8"/>
-    <p:sldId id="438" r:id="rId9"/>
-    <p:sldId id="445" r:id="rId10"/>
-    <p:sldId id="440" r:id="rId11"/>
-    <p:sldId id="441" r:id="rId12"/>
-    <p:sldId id="446" r:id="rId13"/>
-    <p:sldId id="442" r:id="rId14"/>
-    <p:sldId id="443" r:id="rId15"/>
-    <p:sldId id="436" r:id="rId16"/>
+    <p:sldId id="453" r:id="rId8"/>
+    <p:sldId id="452" r:id="rId9"/>
+    <p:sldId id="437" r:id="rId10"/>
+    <p:sldId id="446" r:id="rId11"/>
+    <p:sldId id="442" r:id="rId12"/>
+    <p:sldId id="454" r:id="rId13"/>
+    <p:sldId id="436" r:id="rId14"/>
+    <p:sldId id="455" r:id="rId15"/>
+    <p:sldId id="456" r:id="rId16"/>
   </p:sldIdLst>
   <p:sldSz cx="9144000" cy="5143500" type="screen16x9"/>
   <p:notesSz cx="6858000" cy="9144000"/>
@@ -153,7 +153,13 @@
   </p:defaultTextStyle>
   <p:extLst>
     <p:ext uri="{EFAFB233-063F-42B5-8137-9DF3F51BA10A}">
-      <p15:sldGuideLst xmlns:p15="http://schemas.microsoft.com/office/powerpoint/2012/main"/>
+      <p15:sldGuideLst xmlns:p15="http://schemas.microsoft.com/office/powerpoint/2012/main">
+        <p15:guide id="1" orient="horz" pos="1620" userDrawn="1">
+          <p15:clr>
+            <a:srgbClr val="A4A3A4"/>
+          </p15:clr>
+        </p15:guide>
+      </p15:sldGuideLst>
     </p:ext>
   </p:extLst>
 </p:presentation>
@@ -241,7 +247,7 @@
           <a:p>
             <a:fld id="{127433B5-D728-E146-B948-C37A5EC05FB8}" type="datetimeFigureOut">
               <a:rPr lang="en-US" smtClean="0"/>
-              <a:t>7/29/2019</a:t>
+              <a:t>7/30/2019</a:t>
             </a:fld>
             <a:endParaRPr lang="en-US"/>
           </a:p>
@@ -637,6 +643,36 @@
           <a:bodyPr/>
           <a:lstStyle/>
           <a:p>
+            <a:pPr marL="0" indent="0">
+              <a:buFont typeface="Arial" panose="020B0604020202020204" pitchFamily="34" charset="0"/>
+              <a:buNone/>
+            </a:pPr>
+            <a:endParaRPr lang="en-GB" sz="1200" b="0" i="0" kern="1200" dirty="0" smtClean="0">
+              <a:solidFill>
+                <a:schemeClr val="tx1"/>
+              </a:solidFill>
+              <a:effectLst/>
+              <a:latin typeface="+mn-lt"/>
+              <a:ea typeface="+mn-ea"/>
+              <a:cs typeface="+mn-cs"/>
+            </a:endParaRPr>
+          </a:p>
+          <a:p>
+            <a:pPr marL="0" indent="0">
+              <a:buFont typeface="Arial" panose="020B0604020202020204" pitchFamily="34" charset="0"/>
+              <a:buNone/>
+            </a:pPr>
+            <a:endParaRPr lang="en-GB" sz="1200" b="0" i="0" kern="1200" dirty="0" smtClean="0">
+              <a:solidFill>
+                <a:schemeClr val="tx1"/>
+              </a:solidFill>
+              <a:effectLst/>
+              <a:latin typeface="+mn-lt"/>
+              <a:ea typeface="+mn-ea"/>
+              <a:cs typeface="+mn-cs"/>
+            </a:endParaRPr>
+          </a:p>
+          <a:p>
             <a:endParaRPr lang="en-US" dirty="0"/>
           </a:p>
         </p:txBody>
@@ -667,7 +703,7 @@
     </p:spTree>
     <p:extLst>
       <p:ext uri="{BB962C8B-B14F-4D97-AF65-F5344CB8AC3E}">
-        <p14:creationId xmlns:p14="http://schemas.microsoft.com/office/powerpoint/2010/main" val="643232428"/>
+        <p14:creationId xmlns:p14="http://schemas.microsoft.com/office/powerpoint/2010/main" val="3709290195"/>
       </p:ext>
     </p:extLst>
   </p:cSld>
@@ -725,8 +761,191 @@
               <a:rPr lang="en-GB" dirty="0" smtClean="0">
                 <a:hlinkClick r:id="rId3"/>
               </a:rPr>
-              <a:t>https://www.nhs.uk/conditions/acute-respiratory-distress-syndrome/</a:t>
-            </a:r>
+              <a:t>https://</a:t>
+            </a:r>
+            <a:r>
+              <a:rPr lang="en-GB" dirty="0" smtClean="0">
+                <a:hlinkClick r:id="rId3"/>
+              </a:rPr>
+              <a:t>www.nhs.uk/conditions/acute-respiratory-distress-syndrome/</a:t>
+            </a:r>
+            <a:endParaRPr lang="en-GB" dirty="0" smtClean="0"/>
+          </a:p>
+          <a:p>
+            <a:endParaRPr lang="en-GB" dirty="0" smtClean="0"/>
+          </a:p>
+          <a:p>
+            <a:endParaRPr lang="en-GB" dirty="0" smtClean="0"/>
+          </a:p>
+          <a:p>
+            <a:pPr marL="171450" indent="-171450">
+              <a:buFont typeface="Arial" panose="020B0604020202020204" pitchFamily="34" charset="0"/>
+              <a:buChar char="•"/>
+            </a:pPr>
+            <a:r>
+              <a:rPr lang="en-GB" sz="1200" b="1" i="0" kern="1200" dirty="0" smtClean="0">
+                <a:solidFill>
+                  <a:schemeClr val="tx1"/>
+                </a:solidFill>
+                <a:effectLst/>
+                <a:latin typeface="+mn-lt"/>
+                <a:ea typeface="+mn-ea"/>
+                <a:cs typeface="+mn-cs"/>
+              </a:rPr>
+              <a:t>Acute respiratory distress syndrome (ARDS) is a life-threatening condition where the lungs can't provide the body's vital organs with enough oxygen.</a:t>
+            </a:r>
+            <a:endParaRPr lang="en-GB" sz="1200" b="0" i="0" kern="1200" dirty="0" smtClean="0">
+              <a:solidFill>
+                <a:schemeClr val="tx1"/>
+              </a:solidFill>
+              <a:effectLst/>
+              <a:latin typeface="+mn-lt"/>
+              <a:ea typeface="+mn-ea"/>
+              <a:cs typeface="+mn-cs"/>
+            </a:endParaRPr>
+          </a:p>
+          <a:p>
+            <a:pPr marL="171450" indent="-171450">
+              <a:buFont typeface="Arial" panose="020B0604020202020204" pitchFamily="34" charset="0"/>
+              <a:buChar char="•"/>
+            </a:pPr>
+            <a:r>
+              <a:rPr lang="en-GB" sz="1200" b="0" i="0" kern="1200" dirty="0" smtClean="0">
+                <a:solidFill>
+                  <a:schemeClr val="tx1"/>
+                </a:solidFill>
+                <a:effectLst/>
+                <a:latin typeface="+mn-lt"/>
+                <a:ea typeface="+mn-ea"/>
+                <a:cs typeface="+mn-cs"/>
+              </a:rPr>
+              <a:t>It's usually a complication of a serious existing health condition. Most people have therefore already been admitted to hospital by the time they develop ARDS.</a:t>
+            </a:r>
+          </a:p>
+          <a:p>
+            <a:pPr marL="0" indent="0">
+              <a:buFont typeface="Arial" panose="020B0604020202020204" pitchFamily="34" charset="0"/>
+              <a:buNone/>
+            </a:pPr>
+            <a:endParaRPr lang="en-GB" sz="1200" b="0" i="0" kern="1200" dirty="0" smtClean="0">
+              <a:solidFill>
+                <a:schemeClr val="tx1"/>
+              </a:solidFill>
+              <a:effectLst/>
+              <a:latin typeface="+mn-lt"/>
+              <a:ea typeface="+mn-ea"/>
+              <a:cs typeface="+mn-cs"/>
+            </a:endParaRPr>
+          </a:p>
+          <a:p>
+            <a:r>
+              <a:rPr lang="en-GB" sz="1200" b="0" i="0" kern="1200" dirty="0" smtClean="0">
+                <a:solidFill>
+                  <a:schemeClr val="tx1"/>
+                </a:solidFill>
+                <a:effectLst/>
+                <a:latin typeface="+mn-lt"/>
+                <a:ea typeface="+mn-ea"/>
+                <a:cs typeface="+mn-cs"/>
+              </a:rPr>
+              <a:t>Symptoms of ARDS can include:</a:t>
+            </a:r>
+          </a:p>
+          <a:p>
+            <a:pPr marL="171450" indent="-171450">
+              <a:buFont typeface="Arial" panose="020B0604020202020204" pitchFamily="34" charset="0"/>
+              <a:buChar char="•"/>
+            </a:pPr>
+            <a:r>
+              <a:rPr lang="en-GB" sz="1200" b="0" i="0" kern="1200" dirty="0" smtClean="0">
+                <a:solidFill>
+                  <a:schemeClr val="tx1"/>
+                </a:solidFill>
+                <a:effectLst/>
+                <a:latin typeface="+mn-lt"/>
+                <a:ea typeface="+mn-ea"/>
+                <a:cs typeface="+mn-cs"/>
+              </a:rPr>
+              <a:t>severe </a:t>
+            </a:r>
+            <a:r>
+              <a:rPr lang="en-GB" sz="1200" b="0" i="0" kern="1200" dirty="0" smtClean="0">
+                <a:solidFill>
+                  <a:schemeClr val="tx1"/>
+                </a:solidFill>
+                <a:effectLst/>
+                <a:latin typeface="+mn-lt"/>
+                <a:ea typeface="+mn-ea"/>
+                <a:cs typeface="+mn-cs"/>
+                <a:hlinkClick r:id="rId4"/>
+              </a:rPr>
+              <a:t>shortness of breath</a:t>
+            </a:r>
+            <a:endParaRPr lang="en-GB" sz="1200" b="0" i="0" kern="1200" dirty="0" smtClean="0">
+              <a:solidFill>
+                <a:schemeClr val="tx1"/>
+              </a:solidFill>
+              <a:effectLst/>
+              <a:latin typeface="+mn-lt"/>
+              <a:ea typeface="+mn-ea"/>
+              <a:cs typeface="+mn-cs"/>
+            </a:endParaRPr>
+          </a:p>
+          <a:p>
+            <a:pPr marL="171450" indent="-171450">
+              <a:buFont typeface="Arial" panose="020B0604020202020204" pitchFamily="34" charset="0"/>
+              <a:buChar char="•"/>
+            </a:pPr>
+            <a:r>
+              <a:rPr lang="en-GB" sz="1200" b="0" i="0" kern="1200" dirty="0" smtClean="0">
+                <a:solidFill>
+                  <a:schemeClr val="tx1"/>
+                </a:solidFill>
+                <a:effectLst/>
+                <a:latin typeface="+mn-lt"/>
+                <a:ea typeface="+mn-ea"/>
+                <a:cs typeface="+mn-cs"/>
+              </a:rPr>
+              <a:t>rapid, shallow breathing</a:t>
+            </a:r>
+          </a:p>
+          <a:p>
+            <a:pPr marL="171450" indent="-171450">
+              <a:buFont typeface="Arial" panose="020B0604020202020204" pitchFamily="34" charset="0"/>
+              <a:buChar char="•"/>
+            </a:pPr>
+            <a:r>
+              <a:rPr lang="en-GB" sz="1200" b="0" i="0" kern="1200" dirty="0" smtClean="0">
+                <a:solidFill>
+                  <a:schemeClr val="tx1"/>
+                </a:solidFill>
+                <a:effectLst/>
+                <a:latin typeface="+mn-lt"/>
+                <a:ea typeface="+mn-ea"/>
+                <a:cs typeface="+mn-cs"/>
+              </a:rPr>
+              <a:t>tiredness, drowsiness or confusion</a:t>
+            </a:r>
+          </a:p>
+          <a:p>
+            <a:pPr marL="171450" indent="-171450">
+              <a:buFont typeface="Arial" panose="020B0604020202020204" pitchFamily="34" charset="0"/>
+              <a:buChar char="•"/>
+            </a:pPr>
+            <a:r>
+              <a:rPr lang="en-GB" sz="1200" b="0" i="0" kern="1200" dirty="0" smtClean="0">
+                <a:solidFill>
+                  <a:schemeClr val="tx1"/>
+                </a:solidFill>
+                <a:effectLst/>
+                <a:latin typeface="+mn-lt"/>
+                <a:ea typeface="+mn-ea"/>
+                <a:cs typeface="+mn-cs"/>
+              </a:rPr>
+              <a:t>feeling faint</a:t>
+            </a:r>
+          </a:p>
+          <a:p>
             <a:endParaRPr lang="en-US" dirty="0"/>
           </a:p>
         </p:txBody>
@@ -757,7 +976,7 @@
     </p:spTree>
     <p:extLst>
       <p:ext uri="{BB962C8B-B14F-4D97-AF65-F5344CB8AC3E}">
-        <p14:creationId xmlns:p14="http://schemas.microsoft.com/office/powerpoint/2010/main" val="3709290195"/>
+        <p14:creationId xmlns:p14="http://schemas.microsoft.com/office/powerpoint/2010/main" val="1230032964"/>
       </p:ext>
     </p:extLst>
   </p:cSld>
@@ -1375,7 +1594,7 @@
           <a:p>
             <a:fld id="{34A02F00-C535-204F-B4B5-528FB2DC4FE2}" type="slidenum">
               <a:rPr lang="en-US" smtClean="0"/>
-              <a:t>14</a:t>
+              <a:t>13</a:t>
             </a:fld>
             <a:endParaRPr lang="en-US"/>
           </a:p>
@@ -1384,7 +1603,7 @@
     </p:spTree>
     <p:extLst>
       <p:ext uri="{BB962C8B-B14F-4D97-AF65-F5344CB8AC3E}">
-        <p14:creationId xmlns:p14="http://schemas.microsoft.com/office/powerpoint/2010/main" val="884742870"/>
+        <p14:creationId xmlns:p14="http://schemas.microsoft.com/office/powerpoint/2010/main" val="715961933"/>
       </p:ext>
     </p:extLst>
   </p:cSld>
@@ -1438,7 +1657,7 @@
           <a:bodyPr/>
           <a:lstStyle/>
           <a:p>
-            <a:endParaRPr lang="en-US" dirty="0"/>
+            <a:endParaRPr lang="en-GB"/>
           </a:p>
         </p:txBody>
       </p:sp>
@@ -1468,7 +1687,7 @@
     </p:spTree>
     <p:extLst>
       <p:ext uri="{BB962C8B-B14F-4D97-AF65-F5344CB8AC3E}">
-        <p14:creationId xmlns:p14="http://schemas.microsoft.com/office/powerpoint/2010/main" val="715961933"/>
+        <p14:creationId xmlns:p14="http://schemas.microsoft.com/office/powerpoint/2010/main" val="3470982118"/>
       </p:ext>
     </p:extLst>
   </p:cSld>
@@ -2007,6 +2226,7 @@
     <p:sldLayoutId id="2147483865" r:id="rId1"/>
     <p:sldLayoutId id="2147483866" r:id="rId2"/>
   </p:sldLayoutIdLst>
+  <p:hf sldNum="0" hdr="0" dt="0"/>
   <p:txStyles>
     <p:titleStyle>
       <a:lvl1pPr algn="l" rtl="0" eaLnBrk="1" fontAlgn="base" hangingPunct="1">
@@ -2436,7 +2656,7 @@
           <p:cNvPr id="2" name="Picture 1" descr="The tower of the main building with the city in the background">
             <a:extLst>
               <a:ext uri="{C183D7F6-B498-43B3-948B-1728B52AA6E4}">
-                <adec:decorative xmlns:adec="http://schemas.microsoft.com/office/drawing/2017/decorative" xmlns="" val="0"/>
+                <adec:decorative xmlns="" xmlns:adec="http://schemas.microsoft.com/office/drawing/2017/decorative" val="0"/>
               </a:ext>
             </a:extLst>
           </p:cNvPr>
@@ -2613,7 +2833,7 @@
               </a14:hiddenLine>
             </a:ext>
             <a:ext uri="{FAA26D3D-D897-4be2-8F04-BA451C77F1D7}">
-              <ma14:placeholderFlag xmlns="" xmlns:ma14="http://schemas.microsoft.com/office/mac/drawingml/2011/main" val="1"/>
+              <ma14:placeholderFlag xmlns:ma14="http://schemas.microsoft.com/office/mac/drawingml/2011/main" xmlns="" val="1"/>
             </a:ext>
           </a:extLst>
         </p:spPr>
@@ -2894,7 +3114,7 @@
         <p:spPr>
           <a:xfrm>
             <a:off x="539551" y="1203599"/>
-            <a:ext cx="4104457" cy="504055"/>
+            <a:ext cx="4608513" cy="504055"/>
           </a:xfrm>
           <a:prstGeom prst="rect">
             <a:avLst/>
@@ -2906,11 +3126,7 @@
           <a:p>
             <a:r>
               <a:rPr lang="en-US" sz="2400" dirty="0" smtClean="0"/>
-              <a:t>Trees / Random </a:t>
-            </a:r>
-            <a:r>
-              <a:rPr lang="en-US" sz="2400" dirty="0" err="1" smtClean="0"/>
-              <a:t>Forrests</a:t>
+              <a:t>Methods:  Model Evaluation</a:t>
             </a:r>
             <a:endParaRPr lang="en-US" sz="2400" dirty="0"/>
           </a:p>
@@ -2944,12 +3160,12 @@
               <a:buChar char="•"/>
             </a:pPr>
             <a:r>
-              <a:rPr lang="en-US" dirty="0">
+              <a:rPr lang="en-US" dirty="0" smtClean="0">
                 <a:latin typeface="Arial" charset="0"/>
                 <a:ea typeface="Arial" charset="0"/>
                 <a:cs typeface="Arial" charset="0"/>
               </a:rPr>
-              <a:t>Your body text should be minimum size 16. </a:t>
+              <a:t>ROC</a:t>
             </a:r>
           </a:p>
           <a:p>
@@ -2958,12 +3174,12 @@
               <a:buChar char="•"/>
             </a:pPr>
             <a:r>
-              <a:rPr lang="en-US" dirty="0">
+              <a:rPr lang="en-US" dirty="0" smtClean="0">
                 <a:latin typeface="Arial" charset="0"/>
                 <a:ea typeface="Arial" charset="0"/>
                 <a:cs typeface="Arial" charset="0"/>
               </a:rPr>
-              <a:t>We recommend that you use headings or bullet points</a:t>
+              <a:t>AUC</a:t>
             </a:r>
           </a:p>
           <a:p>
@@ -2972,27 +3188,18 @@
               <a:buChar char="•"/>
             </a:pPr>
             <a:r>
-              <a:rPr lang="en-US" dirty="0">
+              <a:rPr lang="en-US" dirty="0" smtClean="0">
                 <a:latin typeface="Arial" charset="0"/>
                 <a:ea typeface="Arial" charset="0"/>
                 <a:cs typeface="Arial" charset="0"/>
               </a:rPr>
-              <a:t>Your audience want to hear and see you present not read from a slide.</a:t>
-            </a:r>
-          </a:p>
-          <a:p>
-            <a:pPr marL="292100" indent="-285750">
-              <a:buFont typeface="Arial" charset="0"/>
-              <a:buChar char="•"/>
-            </a:pPr>
-            <a:r>
-              <a:rPr lang="en-US" dirty="0">
-                <a:latin typeface="Arial" charset="0"/>
-                <a:ea typeface="Arial" charset="0"/>
-                <a:cs typeface="Arial" charset="0"/>
-              </a:rPr>
-              <a:t>To insert an image, right-click (ctrl + click Mac) and select ‘send to back’, to place it behind the University marque at the top. </a:t>
-            </a:r>
+              <a:t>F1 Score</a:t>
+            </a:r>
+            <a:endParaRPr lang="en-US" dirty="0">
+              <a:latin typeface="Arial" charset="0"/>
+              <a:ea typeface="Arial" charset="0"/>
+              <a:cs typeface="Arial" charset="0"/>
+            </a:endParaRPr>
           </a:p>
         </p:txBody>
       </p:sp>
@@ -3029,13 +3236,20 @@
     </p:spTree>
     <p:extLst>
       <p:ext uri="{BB962C8B-B14F-4D97-AF65-F5344CB8AC3E}">
-        <p14:creationId xmlns:p14="http://schemas.microsoft.com/office/powerpoint/2010/main" val="2149969440"/>
+        <p14:creationId xmlns:p14="http://schemas.microsoft.com/office/powerpoint/2010/main" val="2729839798"/>
       </p:ext>
     </p:extLst>
   </p:cSld>
   <p:clrMapOvr>
     <a:masterClrMapping/>
   </p:clrMapOvr>
+  <p:timing>
+    <p:tnLst>
+      <p:par>
+        <p:cTn id="1" dur="indefinite" restart="never" nodeType="tmRoot"/>
+      </p:par>
+    </p:tnLst>
+  </p:timing>
 </p:sld>
 </file>
 
@@ -3136,7 +3350,7 @@
         <p:spPr>
           <a:xfrm>
             <a:off x="539551" y="1203599"/>
-            <a:ext cx="4104457" cy="504055"/>
+            <a:ext cx="4680521" cy="504055"/>
           </a:xfrm>
           <a:prstGeom prst="rect">
             <a:avLst/>
@@ -3148,7 +3362,7 @@
           <a:p>
             <a:r>
               <a:rPr lang="en-US" sz="2400" dirty="0" smtClean="0"/>
-              <a:t>Support Vector Machines</a:t>
+              <a:t>Advanced Section: Imputation</a:t>
             </a:r>
             <a:endParaRPr lang="en-US" sz="2400" dirty="0"/>
           </a:p>
@@ -3182,55 +3396,18 @@
               <a:buChar char="•"/>
             </a:pPr>
             <a:r>
-              <a:rPr lang="en-US" dirty="0">
+              <a:rPr lang="en-US" dirty="0" smtClean="0">
                 <a:latin typeface="Arial" charset="0"/>
                 <a:ea typeface="Arial" charset="0"/>
                 <a:cs typeface="Arial" charset="0"/>
               </a:rPr>
-              <a:t>Your body text should be minimum size 16. </a:t>
-            </a:r>
-          </a:p>
-          <a:p>
-            <a:pPr marL="285750" indent="-285750">
-              <a:buFont typeface="Arial" panose="020B0604020202020204" pitchFamily="34" charset="0"/>
-              <a:buChar char="•"/>
-            </a:pPr>
-            <a:r>
-              <a:rPr lang="en-US" dirty="0">
-                <a:latin typeface="Arial" charset="0"/>
-                <a:ea typeface="Arial" charset="0"/>
-                <a:cs typeface="Arial" charset="0"/>
-              </a:rPr>
-              <a:t>We recommend that you use headings or bullet points</a:t>
-            </a:r>
-          </a:p>
-          <a:p>
-            <a:pPr marL="285750" indent="-285750">
-              <a:buFont typeface="Arial" panose="020B0604020202020204" pitchFamily="34" charset="0"/>
-              <a:buChar char="•"/>
-            </a:pPr>
-            <a:r>
-              <a:rPr lang="en-US" dirty="0">
-                <a:latin typeface="Arial" charset="0"/>
-                <a:ea typeface="Arial" charset="0"/>
-                <a:cs typeface="Arial" charset="0"/>
-              </a:rPr>
-              <a:t>Your audience want to hear and see you present not read from a slide.</a:t>
-            </a:r>
-          </a:p>
-          <a:p>
-            <a:pPr marL="292100" indent="-285750">
-              <a:buFont typeface="Arial" charset="0"/>
-              <a:buChar char="•"/>
-            </a:pPr>
-            <a:r>
-              <a:rPr lang="en-US" dirty="0">
-                <a:latin typeface="Arial" charset="0"/>
-                <a:ea typeface="Arial" charset="0"/>
-                <a:cs typeface="Arial" charset="0"/>
-              </a:rPr>
-              <a:t>To insert an image, right-click (ctrl + click Mac) and select ‘send to back’, to place it behind the University marque at the top. </a:t>
-            </a:r>
+              <a:t>Tables of full data vs missing data in list-wise deletion</a:t>
+            </a:r>
+            <a:endParaRPr lang="en-US" dirty="0">
+              <a:latin typeface="Arial" charset="0"/>
+              <a:ea typeface="Arial" charset="0"/>
+              <a:cs typeface="Arial" charset="0"/>
+            </a:endParaRPr>
           </a:p>
         </p:txBody>
       </p:sp>
@@ -3267,13 +3444,20 @@
     </p:spTree>
     <p:extLst>
       <p:ext uri="{BB962C8B-B14F-4D97-AF65-F5344CB8AC3E}">
-        <p14:creationId xmlns:p14="http://schemas.microsoft.com/office/powerpoint/2010/main" val="3974367294"/>
+        <p14:creationId xmlns:p14="http://schemas.microsoft.com/office/powerpoint/2010/main" val="160934926"/>
       </p:ext>
     </p:extLst>
   </p:cSld>
   <p:clrMapOvr>
     <a:masterClrMapping/>
   </p:clrMapOvr>
+  <p:timing>
+    <p:tnLst>
+      <p:par>
+        <p:cTn id="1" dur="indefinite" restart="never" nodeType="tmRoot"/>
+      </p:par>
+    </p:tnLst>
+  </p:timing>
 </p:sld>
 </file>
 
@@ -3374,7 +3558,7 @@
         <p:spPr>
           <a:xfrm>
             <a:off x="539551" y="1203599"/>
-            <a:ext cx="4104457" cy="504055"/>
+            <a:ext cx="4680521" cy="504055"/>
           </a:xfrm>
           <a:prstGeom prst="rect">
             <a:avLst/>
@@ -3386,7 +3570,7 @@
           <a:p>
             <a:r>
               <a:rPr lang="en-US" sz="2400" dirty="0" smtClean="0"/>
-              <a:t>Comparison of Methods</a:t>
+              <a:t>Advanced Section: Imputation</a:t>
             </a:r>
             <a:endParaRPr lang="en-US" sz="2400" dirty="0"/>
           </a:p>
@@ -3425,7 +3609,7 @@
                 <a:ea typeface="Arial" charset="0"/>
                 <a:cs typeface="Arial" charset="0"/>
               </a:rPr>
-              <a:t>ROC</a:t>
+              <a:t>List-wise deletion</a:t>
             </a:r>
           </a:p>
           <a:p>
@@ -3439,7 +3623,7 @@
                 <a:ea typeface="Arial" charset="0"/>
                 <a:cs typeface="Arial" charset="0"/>
               </a:rPr>
-              <a:t>AUC</a:t>
+              <a:t>Mean imputation</a:t>
             </a:r>
           </a:p>
           <a:p>
@@ -3453,7 +3637,21 @@
                 <a:ea typeface="Arial" charset="0"/>
                 <a:cs typeface="Arial" charset="0"/>
               </a:rPr>
-              <a:t>F1 Score</a:t>
+              <a:t>MICE</a:t>
+            </a:r>
+          </a:p>
+          <a:p>
+            <a:pPr marL="285750" indent="-285750">
+              <a:buFont typeface="Arial" panose="020B0604020202020204" pitchFamily="34" charset="0"/>
+              <a:buChar char="•"/>
+            </a:pPr>
+            <a:r>
+              <a:rPr lang="en-US" dirty="0" smtClean="0">
+                <a:latin typeface="Arial" charset="0"/>
+                <a:ea typeface="Arial" charset="0"/>
+                <a:cs typeface="Arial" charset="0"/>
+              </a:rPr>
+              <a:t>Other?</a:t>
             </a:r>
             <a:endParaRPr lang="en-US" dirty="0">
               <a:latin typeface="Arial" charset="0"/>
@@ -3496,17 +3694,237 @@
     </p:spTree>
     <p:extLst>
       <p:ext uri="{BB962C8B-B14F-4D97-AF65-F5344CB8AC3E}">
-        <p14:creationId xmlns:p14="http://schemas.microsoft.com/office/powerpoint/2010/main" val="2729839798"/>
+        <p14:creationId xmlns:p14="http://schemas.microsoft.com/office/powerpoint/2010/main" val="2569440856"/>
       </p:ext>
     </p:extLst>
   </p:cSld>
   <p:clrMapOvr>
     <a:masterClrMapping/>
   </p:clrMapOvr>
+  <p:timing>
+    <p:tnLst>
+      <p:par>
+        <p:cTn id="1" dur="indefinite" restart="never" nodeType="tmRoot"/>
+      </p:par>
+    </p:tnLst>
+  </p:timing>
 </p:sld>
 </file>
 
 <file path=ppt/slides/slide13.xml><?xml version="1.0" encoding="utf-8"?>
+<p:sld xmlns:a="http://schemas.openxmlformats.org/drawingml/2006/main" xmlns:r="http://schemas.openxmlformats.org/officeDocument/2006/relationships" xmlns:p="http://schemas.openxmlformats.org/presentationml/2006/main">
+  <p:cSld>
+    <p:spTree>
+      <p:nvGrpSpPr>
+        <p:cNvPr id="1" name=""/>
+        <p:cNvGrpSpPr/>
+        <p:nvPr/>
+      </p:nvGrpSpPr>
+      <p:grpSpPr>
+        <a:xfrm>
+          <a:off x="0" y="0"/>
+          <a:ext cx="0" cy="0"/>
+          <a:chOff x="0" y="0"/>
+          <a:chExt cx="0" cy="0"/>
+        </a:xfrm>
+      </p:grpSpPr>
+      <p:pic>
+        <p:nvPicPr>
+          <p:cNvPr id="4" name="Picture 3" descr="The main building of the University looking South"/>
+          <p:cNvPicPr>
+            <a:picLocks noChangeAspect="1"/>
+          </p:cNvPicPr>
+          <p:nvPr/>
+        </p:nvPicPr>
+        <p:blipFill>
+          <a:blip r:embed="rId3">
+            <a:extLst>
+              <a:ext uri="{28A0092B-C50C-407E-A947-70E740481C1C}">
+                <a14:useLocalDpi xmlns:a14="http://schemas.microsoft.com/office/drawing/2010/main" val="0"/>
+              </a:ext>
+            </a:extLst>
+          </a:blip>
+          <a:stretch>
+            <a:fillRect/>
+          </a:stretch>
+        </p:blipFill>
+        <p:spPr>
+          <a:xfrm>
+            <a:off x="0" y="0"/>
+            <a:ext cx="9144000" cy="5143500"/>
+          </a:xfrm>
+          <a:prstGeom prst="rect">
+            <a:avLst/>
+          </a:prstGeom>
+        </p:spPr>
+      </p:pic>
+      <p:sp>
+        <p:nvSpPr>
+          <p:cNvPr id="39" name="TextBox 38"/>
+          <p:cNvSpPr txBox="1"/>
+          <p:nvPr/>
+        </p:nvSpPr>
+        <p:spPr>
+          <a:xfrm>
+            <a:off x="6804248" y="4713989"/>
+            <a:ext cx="2055855" cy="246221"/>
+          </a:xfrm>
+          <a:prstGeom prst="rect">
+            <a:avLst/>
+          </a:prstGeom>
+          <a:noFill/>
+        </p:spPr>
+        <p:txBody>
+          <a:bodyPr wrap="square" rtlCol="0">
+            <a:spAutoFit/>
+          </a:bodyPr>
+          <a:lstStyle/>
+          <a:p>
+            <a:r>
+              <a:rPr lang="en-US" sz="1000" b="1" dirty="0" smtClean="0">
+                <a:solidFill>
+                  <a:schemeClr val="bg1"/>
+                </a:solidFill>
+                <a:ea typeface="Arial" charset="0"/>
+                <a:cs typeface="Arial" charset="0"/>
+              </a:rPr>
+              <a:t>2416963E@student.gla.ac.uk</a:t>
+            </a:r>
+            <a:endParaRPr lang="en-US" sz="1000" b="1" dirty="0">
+              <a:solidFill>
+                <a:schemeClr val="bg1"/>
+              </a:solidFill>
+              <a:ea typeface="Arial" charset="0"/>
+              <a:cs typeface="Arial" charset="0"/>
+            </a:endParaRPr>
+          </a:p>
+        </p:txBody>
+      </p:sp>
+      <p:sp>
+        <p:nvSpPr>
+          <p:cNvPr id="15" name="Title 1"/>
+          <p:cNvSpPr>
+            <a:spLocks noGrp="1"/>
+          </p:cNvSpPr>
+          <p:nvPr>
+            <p:ph type="title"/>
+          </p:nvPr>
+        </p:nvSpPr>
+        <p:spPr>
+          <a:xfrm>
+            <a:off x="395536" y="1220108"/>
+            <a:ext cx="5184775" cy="487546"/>
+          </a:xfrm>
+          <a:prstGeom prst="rect">
+            <a:avLst/>
+          </a:prstGeom>
+        </p:spPr>
+        <p:txBody>
+          <a:bodyPr/>
+          <a:lstStyle/>
+          <a:p>
+            <a:pPr>
+              <a:defRPr/>
+            </a:pPr>
+            <a:r>
+              <a:rPr lang="en-US" dirty="0" smtClean="0">
+                <a:solidFill>
+                  <a:srgbClr val="002D4A"/>
+                </a:solidFill>
+              </a:rPr>
+              <a:t>Thank you</a:t>
+            </a:r>
+            <a:endParaRPr lang="en-US" dirty="0">
+              <a:solidFill>
+                <a:srgbClr val="002D4A"/>
+              </a:solidFill>
+              <a:ea typeface="+mj-ea"/>
+            </a:endParaRPr>
+          </a:p>
+        </p:txBody>
+      </p:sp>
+      <p:sp>
+        <p:nvSpPr>
+          <p:cNvPr id="16" name="Content Placeholder 2"/>
+          <p:cNvSpPr>
+            <a:spLocks noGrp="1"/>
+          </p:cNvSpPr>
+          <p:nvPr>
+            <p:ph idx="4294967295"/>
+          </p:nvPr>
+        </p:nvSpPr>
+        <p:spPr bwMode="auto">
+          <a:xfrm>
+            <a:off x="467544" y="1707654"/>
+            <a:ext cx="5400675" cy="1008062"/>
+          </a:xfrm>
+          <a:prstGeom prst="rect">
+            <a:avLst/>
+          </a:prstGeom>
+          <a:noFill/>
+          <a:extLst>
+            <a:ext uri="{909E8E84-426E-40DD-AFC4-6F175D3DCCD1}">
+              <a14:hiddenFill xmlns:a14="http://schemas.microsoft.com/office/drawing/2010/main">
+                <a:solidFill>
+                  <a:srgbClr val="FFFFFF"/>
+                </a:solidFill>
+              </a14:hiddenFill>
+            </a:ext>
+            <a:ext uri="{91240B29-F687-4F45-9708-019B960494DF}">
+              <a14:hiddenLine xmlns:a14="http://schemas.microsoft.com/office/drawing/2010/main" w="9525">
+                <a:solidFill>
+                  <a:srgbClr val="000000"/>
+                </a:solidFill>
+                <a:miter lim="800000"/>
+                <a:headEnd/>
+                <a:tailEnd/>
+              </a14:hiddenLine>
+            </a:ext>
+            <a:ext uri="{FAA26D3D-D897-4be2-8F04-BA451C77F1D7}">
+              <ma14:placeholderFlag xmlns:ma14="http://schemas.microsoft.com/office/mac/drawingml/2011/main" xmlns="" val="1"/>
+            </a:ext>
+          </a:extLst>
+        </p:spPr>
+        <p:txBody>
+          <a:bodyPr vert="horz" wrap="square" lIns="91440" tIns="45720" rIns="91440" bIns="45720" numCol="1" anchor="t" anchorCtr="0" compatLnSpc="1">
+            <a:prstTxWarp prst="textNoShape">
+              <a:avLst/>
+            </a:prstTxWarp>
+          </a:bodyPr>
+          <a:lstStyle/>
+          <a:p>
+            <a:endParaRPr lang="en-US" altLang="en-US" dirty="0">
+              <a:solidFill>
+                <a:schemeClr val="bg1"/>
+              </a:solidFill>
+              <a:latin typeface="Arial" charset="0"/>
+              <a:ea typeface="ヒラギノ角ゴ Pro W3" charset="-128"/>
+              <a:cs typeface="ヒラギノ角ゴ Pro W3" charset="-128"/>
+            </a:endParaRPr>
+          </a:p>
+        </p:txBody>
+      </p:sp>
+    </p:spTree>
+    <p:extLst>
+      <p:ext uri="{BB962C8B-B14F-4D97-AF65-F5344CB8AC3E}">
+        <p14:creationId xmlns:p14="http://schemas.microsoft.com/office/powerpoint/2010/main" val="2083895208"/>
+      </p:ext>
+    </p:extLst>
+  </p:cSld>
+  <p:clrMapOvr>
+    <a:masterClrMapping/>
+  </p:clrMapOvr>
+  <p:timing>
+    <p:tnLst>
+      <p:par>
+        <p:cTn id="1" dur="indefinite" restart="never" nodeType="tmRoot"/>
+      </p:par>
+    </p:tnLst>
+  </p:timing>
+</p:sld>
+</file>
+
+<file path=ppt/slides/slide14.xml><?xml version="1.0" encoding="utf-8"?>
 <p:sld xmlns:a="http://schemas.openxmlformats.org/drawingml/2006/main" xmlns:r="http://schemas.openxmlformats.org/officeDocument/2006/relationships" xmlns:p="http://schemas.openxmlformats.org/presentationml/2006/main">
   <p:cSld>
     <p:spTree>
@@ -3603,7 +4021,7 @@
         <p:spPr>
           <a:xfrm>
             <a:off x="539551" y="1203599"/>
-            <a:ext cx="4680521" cy="504055"/>
+            <a:ext cx="4104457" cy="504055"/>
           </a:xfrm>
           <a:prstGeom prst="rect">
             <a:avLst/>
@@ -3615,7 +4033,7 @@
           <a:p>
             <a:r>
               <a:rPr lang="en-US" sz="2400" dirty="0" smtClean="0"/>
-              <a:t>Advanced Section: Imputation</a:t>
+              <a:t>Supplementary Slides</a:t>
             </a:r>
             <a:endParaRPr lang="en-US" sz="2400" dirty="0"/>
           </a:p>
@@ -3648,56 +4066,11 @@
               <a:buFont typeface="Arial" panose="020B0604020202020204" pitchFamily="34" charset="0"/>
               <a:buChar char="•"/>
             </a:pPr>
-            <a:r>
-              <a:rPr lang="en-US" dirty="0">
-                <a:latin typeface="Arial" charset="0"/>
-                <a:ea typeface="Arial" charset="0"/>
-                <a:cs typeface="Arial" charset="0"/>
-              </a:rPr>
-              <a:t>Your body text should be minimum size 16. </a:t>
-            </a:r>
-          </a:p>
-          <a:p>
-            <a:pPr marL="285750" indent="-285750">
-              <a:buFont typeface="Arial" panose="020B0604020202020204" pitchFamily="34" charset="0"/>
-              <a:buChar char="•"/>
-            </a:pPr>
-            <a:r>
-              <a:rPr lang="en-US" dirty="0">
-                <a:latin typeface="Arial" charset="0"/>
-                <a:ea typeface="Arial" charset="0"/>
-                <a:cs typeface="Arial" charset="0"/>
-              </a:rPr>
-              <a:t>We recommend that you use headings or bullet points</a:t>
-            </a:r>
-          </a:p>
-          <a:p>
-            <a:pPr marL="285750" indent="-285750">
-              <a:buFont typeface="Arial" panose="020B0604020202020204" pitchFamily="34" charset="0"/>
-              <a:buChar char="•"/>
-            </a:pPr>
-            <a:r>
-              <a:rPr lang="en-US" dirty="0">
-                <a:latin typeface="Arial" charset="0"/>
-                <a:ea typeface="Arial" charset="0"/>
-                <a:cs typeface="Arial" charset="0"/>
-              </a:rPr>
-              <a:t>Your audience want to hear and see you present not read from a slide.</a:t>
-            </a:r>
-          </a:p>
-          <a:p>
-            <a:pPr marL="292100" indent="-285750">
-              <a:buFont typeface="Arial" charset="0"/>
-              <a:buChar char="•"/>
-            </a:pPr>
-            <a:r>
-              <a:rPr lang="en-US" dirty="0">
-                <a:latin typeface="Arial" charset="0"/>
-                <a:ea typeface="Arial" charset="0"/>
-                <a:cs typeface="Arial" charset="0"/>
-              </a:rPr>
-              <a:t>To insert an image, right-click (ctrl + click Mac) and select ‘send to back’, to place it behind the University marque at the top. </a:t>
-            </a:r>
+            <a:endParaRPr lang="en-US" dirty="0">
+              <a:latin typeface="Arial" charset="0"/>
+              <a:ea typeface="Arial" charset="0"/>
+              <a:cs typeface="Arial" charset="0"/>
+            </a:endParaRPr>
           </a:p>
         </p:txBody>
       </p:sp>
@@ -3734,17 +4107,24 @@
     </p:spTree>
     <p:extLst>
       <p:ext uri="{BB962C8B-B14F-4D97-AF65-F5344CB8AC3E}">
-        <p14:creationId xmlns:p14="http://schemas.microsoft.com/office/powerpoint/2010/main" val="160934926"/>
+        <p14:creationId xmlns:p14="http://schemas.microsoft.com/office/powerpoint/2010/main" val="1585305202"/>
       </p:ext>
     </p:extLst>
   </p:cSld>
   <p:clrMapOvr>
     <a:masterClrMapping/>
   </p:clrMapOvr>
+  <p:timing>
+    <p:tnLst>
+      <p:par>
+        <p:cTn id="1" dur="indefinite" restart="never" nodeType="tmRoot"/>
+      </p:par>
+    </p:tnLst>
+  </p:timing>
 </p:sld>
 </file>
 
-<file path=ppt/slides/slide14.xml><?xml version="1.0" encoding="utf-8"?>
+<file path=ppt/slides/slide15.xml><?xml version="1.0" encoding="utf-8"?>
 <p:sld xmlns:a="http://schemas.openxmlformats.org/drawingml/2006/main" xmlns:r="http://schemas.openxmlformats.org/officeDocument/2006/relationships" xmlns:p="http://schemas.openxmlformats.org/presentationml/2006/main">
   <p:cSld>
     <p:spTree>
@@ -3763,267 +4143,147 @@
       </p:grpSpPr>
       <p:sp>
         <p:nvSpPr>
-          <p:cNvPr id="5" name="TextBox 4"/>
-          <p:cNvSpPr txBox="1"/>
+          <p:cNvPr id="4" name="Rectangle 3"/>
+          <p:cNvSpPr/>
           <p:nvPr/>
         </p:nvSpPr>
-        <p:spPr>
+        <p:spPr bwMode="auto">
           <a:xfrm>
-            <a:off x="107505" y="1203598"/>
-            <a:ext cx="8568951" cy="3480440"/>
+            <a:off x="564874" y="1203599"/>
+            <a:ext cx="3719094" cy="3715612"/>
           </a:xfrm>
           <a:prstGeom prst="rect">
             <a:avLst/>
           </a:prstGeom>
-          <a:noFill/>
+          <a:solidFill>
+            <a:schemeClr val="bg1">
+              <a:alpha val="80000"/>
+            </a:schemeClr>
+          </a:solidFill>
+          <a:ln w="9525" cap="flat" cmpd="sng" algn="ctr">
+            <a:noFill/>
+            <a:prstDash val="solid"/>
+            <a:round/>
+            <a:headEnd type="none" w="med" len="med"/>
+            <a:tailEnd type="none" w="med" len="med"/>
+          </a:ln>
+          <a:effectLst/>
         </p:spPr>
         <p:txBody>
-          <a:bodyPr wrap="square" rtlCol="0">
-            <a:spAutoFit/>
+          <a:bodyPr vert="horz" wrap="square" lIns="91440" tIns="45720" rIns="91440" bIns="45720" numCol="1" rtlCol="0" anchor="t" anchorCtr="0" compatLnSpc="1">
+            <a:prstTxWarp prst="textNoShape">
+              <a:avLst/>
+            </a:prstTxWarp>
           </a:bodyPr>
           <a:lstStyle/>
           <a:p>
-            <a:r>
-              <a:rPr lang="en-GB" b="1" dirty="0" smtClean="0">
-                <a:solidFill>
-                  <a:srgbClr val="003560"/>
-                </a:solidFill>
-              </a:rPr>
-              <a:t>Advanced Section: Imputation</a:t>
-            </a:r>
-            <a:endParaRPr lang="en-GB" sz="1400" dirty="0" smtClean="0">
-              <a:solidFill>
-                <a:srgbClr val="003560"/>
-              </a:solidFill>
-            </a:endParaRPr>
-          </a:p>
-          <a:p>
-            <a:pPr marL="285750" indent="-285750">
+            <a:pPr marL="0" marR="0" indent="0" algn="l" defTabSz="914400" rtl="0" eaLnBrk="0" fontAlgn="base" latinLnBrk="0" hangingPunct="0">
+              <a:lnSpc>
+                <a:spcPct val="100000"/>
+              </a:lnSpc>
               <a:spcBef>
-                <a:spcPts val="0"/>
+                <a:spcPct val="0"/>
               </a:spcBef>
               <a:spcAft>
-                <a:spcPts val="500"/>
+                <a:spcPct val="0"/>
               </a:spcAft>
-              <a:buFont typeface="Arial" charset="0"/>
-              <a:buChar char="•"/>
-            </a:pPr>
-            <a:endParaRPr lang="en-GB" sz="1400" dirty="0" smtClean="0">
+              <a:buClrTx/>
+              <a:buSzTx/>
+              <a:buFontTx/>
+              <a:buNone/>
+              <a:tabLst/>
+            </a:pPr>
+            <a:endParaRPr kumimoji="0" lang="en-US" sz="2400" b="0" i="0" u="none" strike="noStrike" cap="none" normalizeH="0" baseline="0">
+              <a:ln>
+                <a:noFill/>
+              </a:ln>
               <a:solidFill>
-                <a:srgbClr val="003560"/>
+                <a:schemeClr val="tx1"/>
               </a:solidFill>
+              <a:effectLst/>
+              <a:latin typeface="Arial" charset="0"/>
+              <a:ea typeface="ＭＳ Ｐゴシック" charset="-128"/>
+              <a:cs typeface="ＭＳ Ｐゴシック" charset="-128"/>
             </a:endParaRPr>
           </a:p>
+        </p:txBody>
+      </p:sp>
+      <p:sp>
+        <p:nvSpPr>
+          <p:cNvPr id="5" name="Title 1"/>
+          <p:cNvSpPr>
+            <a:spLocks noGrp="1"/>
+          </p:cNvSpPr>
+          <p:nvPr>
+            <p:ph type="title"/>
+          </p:nvPr>
+        </p:nvSpPr>
+        <p:spPr>
+          <a:xfrm>
+            <a:off x="539551" y="1203599"/>
+            <a:ext cx="4104457" cy="504055"/>
+          </a:xfrm>
+          <a:prstGeom prst="rect">
+            <a:avLst/>
+          </a:prstGeom>
+        </p:spPr>
+        <p:txBody>
+          <a:bodyPr/>
+          <a:lstStyle/>
+          <a:p>
+            <a:r>
+              <a:rPr lang="en-US" sz="2400" dirty="0" smtClean="0"/>
+              <a:t>Hypothesis Tests</a:t>
+            </a:r>
+            <a:endParaRPr lang="en-US" sz="2400" dirty="0"/>
+          </a:p>
+        </p:txBody>
+      </p:sp>
+      <p:sp>
+        <p:nvSpPr>
+          <p:cNvPr id="6" name="Content Placeholder 2"/>
+          <p:cNvSpPr>
+            <a:spLocks noGrp="1"/>
+          </p:cNvSpPr>
+          <p:nvPr>
+            <p:ph idx="4294967295"/>
+          </p:nvPr>
+        </p:nvSpPr>
+        <p:spPr>
+          <a:xfrm>
+            <a:off x="539551" y="1851671"/>
+            <a:ext cx="3744417" cy="3096343"/>
+          </a:xfrm>
+          <a:prstGeom prst="rect">
+            <a:avLst/>
+          </a:prstGeom>
+        </p:spPr>
+        <p:txBody>
+          <a:bodyPr/>
+          <a:lstStyle/>
           <a:p>
             <a:pPr marL="285750" indent="-285750">
-              <a:spcBef>
-                <a:spcPts val="0"/>
-              </a:spcBef>
-              <a:spcAft>
-                <a:spcPts val="500"/>
-              </a:spcAft>
-              <a:buFont typeface="Arial" charset="0"/>
-              <a:buChar char="•"/>
-            </a:pPr>
-            <a:r>
-              <a:rPr lang="en-GB" sz="1400" dirty="0" smtClean="0">
-                <a:solidFill>
-                  <a:srgbClr val="003560"/>
-                </a:solidFill>
-              </a:rPr>
-              <a:t>These </a:t>
-            </a:r>
-            <a:r>
-              <a:rPr lang="en-GB" sz="1400" dirty="0">
-                <a:solidFill>
-                  <a:srgbClr val="003560"/>
-                </a:solidFill>
-              </a:rPr>
-              <a:t>slides are intended to support staff who are making presentations about the University. If appropriate you may also use slides from the other University </a:t>
-            </a:r>
-            <a:r>
-              <a:rPr lang="en-GB" sz="1400" dirty="0" err="1">
-                <a:solidFill>
-                  <a:srgbClr val="003560"/>
-                </a:solidFill>
-              </a:rPr>
-              <a:t>Powerpoint</a:t>
-            </a:r>
-            <a:r>
-              <a:rPr lang="en-GB" sz="1400" dirty="0">
-                <a:solidFill>
-                  <a:srgbClr val="003560"/>
-                </a:solidFill>
-              </a:rPr>
-              <a:t> templates.</a:t>
-            </a:r>
-          </a:p>
-          <a:p>
-            <a:pPr marL="285750" indent="-285750">
-              <a:spcBef>
-                <a:spcPts val="0"/>
-              </a:spcBef>
-              <a:spcAft>
-                <a:spcPts val="500"/>
-              </a:spcAft>
-              <a:buFont typeface="Arial" charset="0"/>
-              <a:buChar char="•"/>
-            </a:pPr>
-            <a:r>
-              <a:rPr lang="en-GB" sz="1400" dirty="0">
-                <a:solidFill>
-                  <a:srgbClr val="003560"/>
-                </a:solidFill>
-              </a:rPr>
-              <a:t>Slides 3 and 4 are approved and non-editable.</a:t>
-            </a:r>
-            <a:endParaRPr lang="en-GB" sz="1400" b="1" dirty="0">
-              <a:solidFill>
-                <a:srgbClr val="003560"/>
-              </a:solidFill>
-            </a:endParaRPr>
-          </a:p>
-          <a:p>
-            <a:pPr marL="285750" indent="-285750">
-              <a:spcBef>
-                <a:spcPts val="0"/>
-              </a:spcBef>
-              <a:spcAft>
-                <a:spcPts val="500"/>
-              </a:spcAft>
-              <a:buFont typeface="Arial" charset="0"/>
-              <a:buChar char="•"/>
-            </a:pPr>
-            <a:r>
-              <a:rPr lang="en-GB" sz="1400" dirty="0">
-                <a:solidFill>
-                  <a:srgbClr val="003560"/>
-                </a:solidFill>
-              </a:rPr>
-              <a:t>Please do not put images on top of the full images in the template. If using your own images, diagrams or tables please use the blank slide (Slide 14).</a:t>
-            </a:r>
-          </a:p>
-          <a:p>
-            <a:pPr marL="285750" indent="-285750">
-              <a:spcBef>
-                <a:spcPts val="0"/>
-              </a:spcBef>
-              <a:spcAft>
-                <a:spcPts val="500"/>
-              </a:spcAft>
-              <a:buFont typeface="Arial" charset="0"/>
-              <a:buChar char="•"/>
-            </a:pPr>
-            <a:r>
-              <a:rPr lang="en-GB" sz="1400" dirty="0">
-                <a:solidFill>
-                  <a:srgbClr val="003560"/>
-                </a:solidFill>
-              </a:rPr>
-              <a:t>We recommend using the images supplied in this template where possible. If you require additional images the best resource is the University image bank at </a:t>
-            </a:r>
-            <a:r>
-              <a:rPr lang="en-GB" sz="1400" dirty="0">
-                <a:solidFill>
-                  <a:srgbClr val="003560"/>
-                </a:solidFill>
-                <a:hlinkClick r:id="rId3"/>
-              </a:rPr>
-              <a:t>www.glasgow.ac.uk/photo/restricted</a:t>
-            </a:r>
-            <a:r>
-              <a:rPr lang="en-GB" sz="1400" dirty="0">
-                <a:solidFill>
-                  <a:srgbClr val="003560"/>
-                </a:solidFill>
-              </a:rPr>
-              <a:t>. Contact </a:t>
-            </a:r>
-            <a:r>
-              <a:rPr lang="en-GB" sz="1400" dirty="0">
-                <a:solidFill>
-                  <a:srgbClr val="003560"/>
-                </a:solidFill>
-                <a:hlinkClick r:id="rId4"/>
-              </a:rPr>
-              <a:t>mrio-design@glasgow.ac.uk</a:t>
-            </a:r>
-            <a:r>
-              <a:rPr lang="en-GB" sz="1400" dirty="0">
-                <a:solidFill>
-                  <a:srgbClr val="003560"/>
-                </a:solidFill>
-              </a:rPr>
-              <a:t> for the password.</a:t>
-            </a:r>
-          </a:p>
-          <a:p>
-            <a:pPr marL="285750" indent="-285750">
-              <a:spcBef>
-                <a:spcPts val="0"/>
-              </a:spcBef>
-              <a:spcAft>
-                <a:spcPts val="500"/>
-              </a:spcAft>
-              <a:buFont typeface="Arial" charset="0"/>
-              <a:buChar char="•"/>
-            </a:pPr>
-            <a:r>
-              <a:rPr lang="en-GB" sz="1400" dirty="0">
-                <a:solidFill>
-                  <a:srgbClr val="003560"/>
-                </a:solidFill>
-              </a:rPr>
-              <a:t>If you require assistance or guidance, please email </a:t>
-            </a:r>
-            <a:r>
-              <a:rPr lang="en-GB" sz="1400" dirty="0">
-                <a:solidFill>
-                  <a:srgbClr val="003560"/>
-                </a:solidFill>
-                <a:hlinkClick r:id="rId5"/>
-              </a:rPr>
-              <a:t>marketing-brand@glasgow.ac.uk</a:t>
-            </a:r>
-            <a:endParaRPr lang="en-GB" sz="1400" dirty="0">
-              <a:solidFill>
-                <a:srgbClr val="003560"/>
-              </a:solidFill>
-            </a:endParaRPr>
-          </a:p>
-          <a:p>
-            <a:pPr marL="342900" indent="-342900">
-              <a:spcAft>
-                <a:spcPts val="500"/>
-              </a:spcAft>
               <a:buFont typeface="Arial" panose="020B0604020202020204" pitchFamily="34" charset="0"/>
               <a:buChar char="•"/>
             </a:pPr>
-            <a:endParaRPr lang="en-GB" sz="1600" dirty="0">
-              <a:solidFill>
-                <a:srgbClr val="003560"/>
-              </a:solidFill>
+            <a:endParaRPr lang="en-US" dirty="0">
+              <a:latin typeface="Arial" charset="0"/>
+              <a:ea typeface="Arial" charset="0"/>
+              <a:cs typeface="Arial" charset="0"/>
             </a:endParaRPr>
-          </a:p>
-          <a:p>
-            <a:pPr marL="342900" indent="-342900">
-              <a:buFont typeface="Arial" panose="020B0604020202020204" pitchFamily="34" charset="0"/>
-              <a:buChar char="•"/>
-            </a:pPr>
-            <a:endParaRPr lang="en-GB" sz="1100" dirty="0"/>
           </a:p>
         </p:txBody>
       </p:sp>
       <p:pic>
         <p:nvPicPr>
-          <p:cNvPr id="8" name="Picture 7"/>
+          <p:cNvPr id="7" name="Picture 6"/>
           <p:cNvPicPr>
             <a:picLocks noChangeAspect="1"/>
           </p:cNvPicPr>
           <p:nvPr/>
         </p:nvPicPr>
         <p:blipFill>
-          <a:blip r:embed="rId6">
+          <a:blip r:embed="rId3">
             <a:extLst>
               <a:ext uri="{28A0092B-C50C-407E-A947-70E740481C1C}">
                 <a14:useLocalDpi xmlns:a14="http://schemas.microsoft.com/office/drawing/2010/main" val="0"/>
@@ -4047,478 +4307,20 @@
     </p:spTree>
     <p:extLst>
       <p:ext uri="{BB962C8B-B14F-4D97-AF65-F5344CB8AC3E}">
-        <p14:creationId xmlns:p14="http://schemas.microsoft.com/office/powerpoint/2010/main" val="2807789804"/>
+        <p14:creationId xmlns:p14="http://schemas.microsoft.com/office/powerpoint/2010/main" val="3994831775"/>
       </p:ext>
     </p:extLst>
   </p:cSld>
   <p:clrMapOvr>
     <a:masterClrMapping/>
   </p:clrMapOvr>
-</p:sld>
-</file>
-
-<file path=ppt/slides/slide15.xml><?xml version="1.0" encoding="utf-8"?>
-<p:sld xmlns:a="http://schemas.openxmlformats.org/drawingml/2006/main" xmlns:r="http://schemas.openxmlformats.org/officeDocument/2006/relationships" xmlns:p="http://schemas.openxmlformats.org/presentationml/2006/main">
-  <p:cSld>
-    <p:spTree>
-      <p:nvGrpSpPr>
-        <p:cNvPr id="1" name=""/>
-        <p:cNvGrpSpPr/>
-        <p:nvPr/>
-      </p:nvGrpSpPr>
-      <p:grpSpPr>
-        <a:xfrm>
-          <a:off x="0" y="0"/>
-          <a:ext cx="0" cy="0"/>
-          <a:chOff x="0" y="0"/>
-          <a:chExt cx="0" cy="0"/>
-        </a:xfrm>
-      </p:grpSpPr>
-      <p:pic>
-        <p:nvPicPr>
-          <p:cNvPr id="4" name="Picture 3" descr="The main building of the University looking South"/>
-          <p:cNvPicPr>
-            <a:picLocks noChangeAspect="1"/>
-          </p:cNvPicPr>
-          <p:nvPr/>
-        </p:nvPicPr>
-        <p:blipFill>
-          <a:blip r:embed="rId3">
-            <a:extLst>
-              <a:ext uri="{28A0092B-C50C-407E-A947-70E740481C1C}">
-                <a14:useLocalDpi xmlns:a14="http://schemas.microsoft.com/office/drawing/2010/main" val="0"/>
-              </a:ext>
-            </a:extLst>
-          </a:blip>
-          <a:stretch>
-            <a:fillRect/>
-          </a:stretch>
-        </p:blipFill>
-        <p:spPr>
-          <a:xfrm>
-            <a:off x="0" y="0"/>
-            <a:ext cx="9144000" cy="5143500"/>
-          </a:xfrm>
-          <a:prstGeom prst="rect">
-            <a:avLst/>
-          </a:prstGeom>
-        </p:spPr>
-      </p:pic>
-      <p:grpSp>
-        <p:nvGrpSpPr>
-          <p:cNvPr id="36" name="Group 35"/>
-          <p:cNvGrpSpPr/>
-          <p:nvPr/>
-        </p:nvGrpSpPr>
-        <p:grpSpPr>
-          <a:xfrm>
-            <a:off x="6596152" y="4321035"/>
-            <a:ext cx="2584360" cy="639175"/>
-            <a:chOff x="6596152" y="4321035"/>
-            <a:chExt cx="2584360" cy="639175"/>
-          </a:xfrm>
-        </p:grpSpPr>
-        <p:sp>
-          <p:nvSpPr>
-            <p:cNvPr id="37" name="TextBox 36"/>
-            <p:cNvSpPr txBox="1"/>
-            <p:nvPr/>
-          </p:nvSpPr>
-          <p:spPr>
-            <a:xfrm>
-              <a:off x="6596152" y="4321035"/>
-              <a:ext cx="2584360" cy="369332"/>
-            </a:xfrm>
-            <a:prstGeom prst="rect">
-              <a:avLst/>
-            </a:prstGeom>
-            <a:noFill/>
-            <a:effectLst>
-              <a:outerShdw blurRad="1270000" dist="50800" dir="5400000" sx="200000" sy="200000" algn="ctr" rotWithShape="0">
-                <a:schemeClr val="tx1"/>
-              </a:outerShdw>
-            </a:effectLst>
-          </p:spPr>
-          <p:txBody>
-            <a:bodyPr wrap="square" rtlCol="0">
-              <a:spAutoFit/>
-            </a:bodyPr>
-            <a:lstStyle/>
-            <a:p>
-              <a:r>
-                <a:rPr lang="en-US" sz="1800" b="1" dirty="0">
-                  <a:solidFill>
-                    <a:schemeClr val="bg1"/>
-                  </a:solidFill>
-                </a:rPr>
-                <a:t>#</a:t>
-              </a:r>
-              <a:r>
-                <a:rPr lang="en-US" sz="1800" b="1" dirty="0" err="1">
-                  <a:solidFill>
-                    <a:schemeClr val="bg1"/>
-                  </a:solidFill>
-                </a:rPr>
-                <a:t>UofGWorldChangers</a:t>
-              </a:r>
-              <a:endParaRPr lang="en-US" sz="1800" b="1" dirty="0">
-                <a:solidFill>
-                  <a:schemeClr val="bg1"/>
-                </a:solidFill>
-              </a:endParaRPr>
-            </a:p>
-          </p:txBody>
-        </p:sp>
-        <p:grpSp>
-          <p:nvGrpSpPr>
-            <p:cNvPr id="38" name="Group 37"/>
-            <p:cNvGrpSpPr/>
-            <p:nvPr/>
-          </p:nvGrpSpPr>
-          <p:grpSpPr>
-            <a:xfrm>
-              <a:off x="6732240" y="4713989"/>
-              <a:ext cx="2127863" cy="246221"/>
-              <a:chOff x="6372200" y="4380462"/>
-              <a:chExt cx="2127863" cy="246221"/>
-            </a:xfrm>
-          </p:grpSpPr>
-          <p:sp>
-            <p:nvSpPr>
-              <p:cNvPr id="39" name="TextBox 38"/>
-              <p:cNvSpPr txBox="1"/>
-              <p:nvPr/>
-            </p:nvSpPr>
-            <p:spPr>
-              <a:xfrm>
-                <a:off x="7380312" y="4380462"/>
-                <a:ext cx="1119751" cy="246221"/>
-              </a:xfrm>
-              <a:prstGeom prst="rect">
-                <a:avLst/>
-              </a:prstGeom>
-              <a:noFill/>
-            </p:spPr>
-            <p:txBody>
-              <a:bodyPr wrap="square" rtlCol="0">
-                <a:spAutoFit/>
-              </a:bodyPr>
-              <a:lstStyle/>
-              <a:p>
-                <a:r>
-                  <a:rPr lang="en-US" sz="1000" b="1" dirty="0">
-                    <a:solidFill>
-                      <a:schemeClr val="bg1"/>
-                    </a:solidFill>
-                    <a:ea typeface="Arial" charset="0"/>
-                    <a:cs typeface="Arial" charset="0"/>
-                  </a:rPr>
-                  <a:t>@</a:t>
-                </a:r>
-                <a:r>
-                  <a:rPr lang="en-US" sz="1000" b="1" dirty="0" err="1">
-                    <a:solidFill>
-                      <a:schemeClr val="bg1"/>
-                    </a:solidFill>
-                    <a:ea typeface="Arial" charset="0"/>
-                    <a:cs typeface="Arial" charset="0"/>
-                  </a:rPr>
-                  <a:t>UofGlasgow</a:t>
-                </a:r>
-                <a:endParaRPr lang="en-US" sz="1000" b="1" dirty="0">
-                  <a:solidFill>
-                    <a:schemeClr val="bg1"/>
-                  </a:solidFill>
-                  <a:ea typeface="Arial" charset="0"/>
-                  <a:cs typeface="Arial" charset="0"/>
-                </a:endParaRPr>
-              </a:p>
-            </p:txBody>
-          </p:sp>
-          <p:grpSp>
-            <p:nvGrpSpPr>
-              <p:cNvPr id="40" name="Group 39"/>
-              <p:cNvGrpSpPr/>
-              <p:nvPr/>
-            </p:nvGrpSpPr>
-            <p:grpSpPr>
-              <a:xfrm>
-                <a:off x="6372200" y="4400085"/>
-                <a:ext cx="986878" cy="202182"/>
-                <a:chOff x="5868219" y="4773800"/>
-                <a:chExt cx="986878" cy="202182"/>
-              </a:xfrm>
-            </p:grpSpPr>
-            <p:pic>
-              <p:nvPicPr>
-                <p:cNvPr id="41" name="Picture 40"/>
-                <p:cNvPicPr>
-                  <a:picLocks noChangeAspect="1"/>
-                </p:cNvPicPr>
-                <p:nvPr/>
-              </p:nvPicPr>
-              <p:blipFill>
-                <a:blip r:embed="rId4"/>
-                <a:stretch>
-                  <a:fillRect/>
-                </a:stretch>
-              </p:blipFill>
-              <p:spPr>
-                <a:xfrm>
-                  <a:off x="6372200" y="4773800"/>
-                  <a:ext cx="242653" cy="201600"/>
-                </a:xfrm>
-                <a:prstGeom prst="rect">
-                  <a:avLst/>
-                </a:prstGeom>
-              </p:spPr>
-            </p:pic>
-            <p:pic>
-              <p:nvPicPr>
-                <p:cNvPr id="42" name="Picture 4" descr="C:\Users\am384c\Desktop\snapchat.png"/>
-                <p:cNvPicPr>
-                  <a:picLocks noChangeAspect="1" noChangeArrowheads="1"/>
-                </p:cNvPicPr>
-                <p:nvPr/>
-              </p:nvPicPr>
-              <p:blipFill>
-                <a:blip r:embed="rId5">
-                  <a:extLst>
-                    <a:ext uri="{28A0092B-C50C-407E-A947-70E740481C1C}">
-                      <a14:useLocalDpi xmlns:a14="http://schemas.microsoft.com/office/drawing/2010/main" val="0"/>
-                    </a:ext>
-                  </a:extLst>
-                </a:blip>
-                <a:srcRect/>
-                <a:stretch>
-                  <a:fillRect/>
-                </a:stretch>
-              </p:blipFill>
-              <p:spPr bwMode="auto">
-                <a:xfrm>
-                  <a:off x="6116326" y="4773800"/>
-                  <a:ext cx="202181" cy="202181"/>
-                </a:xfrm>
-                <a:prstGeom prst="rect">
-                  <a:avLst/>
-                </a:prstGeom>
-                <a:noFill/>
-                <a:extLst>
-                  <a:ext uri="{909E8E84-426E-40DD-AFC4-6F175D3DCCD1}">
-                    <a14:hiddenFill xmlns:a14="http://schemas.microsoft.com/office/drawing/2010/main">
-                      <a:solidFill>
-                        <a:srgbClr val="FFFFFF"/>
-                      </a:solidFill>
-                    </a14:hiddenFill>
-                  </a:ext>
-                </a:extLst>
-              </p:spPr>
-            </p:pic>
-            <p:pic>
-              <p:nvPicPr>
-                <p:cNvPr id="43" name="Picture 42"/>
-                <p:cNvPicPr>
-                  <a:picLocks noChangeAspect="1"/>
-                </p:cNvPicPr>
-                <p:nvPr/>
-              </p:nvPicPr>
-              <p:blipFill>
-                <a:blip r:embed="rId6">
-                  <a:extLst>
-                    <a:ext uri="{28A0092B-C50C-407E-A947-70E740481C1C}">
-                      <a14:useLocalDpi xmlns:a14="http://schemas.microsoft.com/office/drawing/2010/main" val="0"/>
-                    </a:ext>
-                  </a:extLst>
-                </a:blip>
-                <a:stretch>
-                  <a:fillRect/>
-                </a:stretch>
-              </p:blipFill>
-              <p:spPr>
-                <a:xfrm>
-                  <a:off x="6653497" y="4773800"/>
-                  <a:ext cx="201600" cy="201600"/>
-                </a:xfrm>
-                <a:prstGeom prst="rect">
-                  <a:avLst/>
-                </a:prstGeom>
-              </p:spPr>
-            </p:pic>
-            <p:pic>
-              <p:nvPicPr>
-                <p:cNvPr id="44" name="Picture 43"/>
-                <p:cNvPicPr>
-                  <a:picLocks noChangeAspect="1"/>
-                </p:cNvPicPr>
-                <p:nvPr/>
-              </p:nvPicPr>
-              <p:blipFill>
-                <a:blip r:embed="rId7">
-                  <a:extLst>
-                    <a:ext uri="{28A0092B-C50C-407E-A947-70E740481C1C}">
-                      <a14:useLocalDpi xmlns:a14="http://schemas.microsoft.com/office/drawing/2010/main" val="0"/>
-                    </a:ext>
-                  </a:extLst>
-                </a:blip>
-                <a:stretch>
-                  <a:fillRect/>
-                </a:stretch>
-              </p:blipFill>
-              <p:spPr>
-                <a:xfrm>
-                  <a:off x="5868219" y="4778594"/>
-                  <a:ext cx="197388" cy="197388"/>
-                </a:xfrm>
-                <a:prstGeom prst="rect">
-                  <a:avLst/>
-                </a:prstGeom>
-              </p:spPr>
-            </p:pic>
-          </p:grpSp>
-        </p:grpSp>
-      </p:grpSp>
-      <p:sp>
-        <p:nvSpPr>
-          <p:cNvPr id="15" name="Title 1"/>
-          <p:cNvSpPr>
-            <a:spLocks noGrp="1"/>
-          </p:cNvSpPr>
-          <p:nvPr>
-            <p:ph type="title"/>
-          </p:nvPr>
-        </p:nvSpPr>
-        <p:spPr>
-          <a:xfrm>
-            <a:off x="395536" y="1220108"/>
-            <a:ext cx="5184775" cy="487546"/>
-          </a:xfrm>
-          <a:prstGeom prst="rect">
-            <a:avLst/>
-          </a:prstGeom>
-        </p:spPr>
-        <p:txBody>
-          <a:bodyPr/>
-          <a:lstStyle/>
-          <a:p>
-            <a:pPr>
-              <a:defRPr/>
-            </a:pPr>
-            <a:r>
-              <a:rPr lang="en-US" dirty="0">
-                <a:solidFill>
-                  <a:srgbClr val="002D4A"/>
-                </a:solidFill>
-              </a:rPr>
-              <a:t>This is your closing slide </a:t>
-            </a:r>
-            <a:endParaRPr lang="en-US" dirty="0">
-              <a:solidFill>
-                <a:srgbClr val="002D4A"/>
-              </a:solidFill>
-              <a:ea typeface="+mj-ea"/>
-            </a:endParaRPr>
-          </a:p>
-        </p:txBody>
-      </p:sp>
-      <p:sp>
-        <p:nvSpPr>
-          <p:cNvPr id="16" name="Content Placeholder 2"/>
-          <p:cNvSpPr>
-            <a:spLocks noGrp="1"/>
-          </p:cNvSpPr>
-          <p:nvPr>
-            <p:ph idx="4294967295"/>
-          </p:nvPr>
-        </p:nvSpPr>
-        <p:spPr bwMode="auto">
-          <a:xfrm>
-            <a:off x="467544" y="1707654"/>
-            <a:ext cx="5400675" cy="1008062"/>
-          </a:xfrm>
-          <a:prstGeom prst="rect">
-            <a:avLst/>
-          </a:prstGeom>
-          <a:noFill/>
-          <a:extLst>
-            <a:ext uri="{909E8E84-426E-40DD-AFC4-6F175D3DCCD1}">
-              <a14:hiddenFill xmlns:a14="http://schemas.microsoft.com/office/drawing/2010/main">
-                <a:solidFill>
-                  <a:srgbClr val="FFFFFF"/>
-                </a:solidFill>
-              </a14:hiddenFill>
-            </a:ext>
-            <a:ext uri="{91240B29-F687-4F45-9708-019B960494DF}">
-              <a14:hiddenLine xmlns:a14="http://schemas.microsoft.com/office/drawing/2010/main" w="9525">
-                <a:solidFill>
-                  <a:srgbClr val="000000"/>
-                </a:solidFill>
-                <a:miter lim="800000"/>
-                <a:headEnd/>
-                <a:tailEnd/>
-              </a14:hiddenLine>
-            </a:ext>
-            <a:ext uri="{FAA26D3D-D897-4be2-8F04-BA451C77F1D7}">
-              <ma14:placeholderFlag xmlns="" xmlns:ma14="http://schemas.microsoft.com/office/mac/drawingml/2011/main" val="1"/>
-            </a:ext>
-          </a:extLst>
-        </p:spPr>
-        <p:txBody>
-          <a:bodyPr vert="horz" wrap="square" lIns="91440" tIns="45720" rIns="91440" bIns="45720" numCol="1" anchor="t" anchorCtr="0" compatLnSpc="1">
-            <a:prstTxWarp prst="textNoShape">
-              <a:avLst/>
-            </a:prstTxWarp>
-          </a:bodyPr>
-          <a:lstStyle/>
-          <a:p>
-            <a:pPr marL="0"/>
-            <a:r>
-              <a:rPr lang="en-US" altLang="en-US" dirty="0">
-                <a:solidFill>
-                  <a:srgbClr val="002D4A"/>
-                </a:solidFill>
-                <a:latin typeface="Arial" charset="0"/>
-                <a:ea typeface="ヒラギノ角ゴ Pro W3" charset="-128"/>
-                <a:cs typeface="ヒラギノ角ゴ Pro W3" charset="-128"/>
-              </a:rPr>
-              <a:t>You can add your contact details, a call to</a:t>
-            </a:r>
-          </a:p>
-          <a:p>
-            <a:pPr marL="0"/>
-            <a:r>
-              <a:rPr lang="en-US" altLang="en-US" dirty="0">
-                <a:solidFill>
-                  <a:srgbClr val="002D4A"/>
-                </a:solidFill>
-                <a:latin typeface="Arial" charset="0"/>
-                <a:ea typeface="ヒラギノ角ゴ Pro W3" charset="-128"/>
-                <a:cs typeface="ヒラギノ角ゴ Pro W3" charset="-128"/>
-              </a:rPr>
-              <a:t>action or a simple Thank you using this slide </a:t>
-            </a:r>
-          </a:p>
-          <a:p>
-            <a:endParaRPr lang="en-US" altLang="en-US" dirty="0">
-              <a:solidFill>
-                <a:schemeClr val="bg1"/>
-              </a:solidFill>
-              <a:latin typeface="Arial" charset="0"/>
-              <a:ea typeface="ヒラギノ角ゴ Pro W3" charset="-128"/>
-              <a:cs typeface="ヒラギノ角ゴ Pro W3" charset="-128"/>
-            </a:endParaRPr>
-          </a:p>
-        </p:txBody>
-      </p:sp>
-    </p:spTree>
-    <p:extLst>
-      <p:ext uri="{BB962C8B-B14F-4D97-AF65-F5344CB8AC3E}">
-        <p14:creationId xmlns:p14="http://schemas.microsoft.com/office/powerpoint/2010/main" val="2083895208"/>
-      </p:ext>
-    </p:extLst>
-  </p:cSld>
-  <p:clrMapOvr>
-    <a:masterClrMapping/>
-  </p:clrMapOvr>
+  <p:timing>
+    <p:tnLst>
+      <p:par>
+        <p:cTn id="1" dur="indefinite" restart="never" nodeType="tmRoot"/>
+      </p:par>
+    </p:tnLst>
+  </p:timing>
 </p:sld>
 </file>
 
@@ -4548,7 +4350,7 @@
         <p:spPr>
           <a:xfrm>
             <a:off x="107505" y="1203598"/>
-            <a:ext cx="8568951" cy="3480440"/>
+            <a:ext cx="8568951" cy="2462213"/>
           </a:xfrm>
           <a:prstGeom prst="rect">
             <a:avLst/>
@@ -4562,12 +4364,12 @@
           <a:lstStyle/>
           <a:p>
             <a:r>
-              <a:rPr lang="en-GB" b="1" dirty="0">
+              <a:rPr lang="en-GB" b="1" dirty="0" smtClean="0">
                 <a:solidFill>
                   <a:srgbClr val="003560"/>
                 </a:solidFill>
               </a:rPr>
-              <a:t>Guidance notes</a:t>
+              <a:t>Introduction</a:t>
             </a:r>
             <a:endParaRPr lang="en-GB" sz="1400" dirty="0">
               <a:solidFill>
@@ -4593,175 +4395,6 @@
             </a:endParaRPr>
           </a:p>
           <a:p>
-            <a:pPr marL="285750" indent="-285750">
-              <a:spcBef>
-                <a:spcPts val="0"/>
-              </a:spcBef>
-              <a:spcAft>
-                <a:spcPts val="500"/>
-              </a:spcAft>
-              <a:buFont typeface="Arial" charset="0"/>
-              <a:buChar char="•"/>
-            </a:pPr>
-            <a:r>
-              <a:rPr lang="en-GB" sz="1400" dirty="0">
-                <a:solidFill>
-                  <a:srgbClr val="003560"/>
-                </a:solidFill>
-              </a:rPr>
-              <a:t>These slides are intended to support staff who are making presentations about the University. If appropriate you may also use slides from the other University </a:t>
-            </a:r>
-            <a:r>
-              <a:rPr lang="en-GB" sz="1400" dirty="0" err="1">
-                <a:solidFill>
-                  <a:srgbClr val="003560"/>
-                </a:solidFill>
-              </a:rPr>
-              <a:t>Powerpoint</a:t>
-            </a:r>
-            <a:r>
-              <a:rPr lang="en-GB" sz="1400" dirty="0">
-                <a:solidFill>
-                  <a:srgbClr val="003560"/>
-                </a:solidFill>
-              </a:rPr>
-              <a:t> templates.</a:t>
-            </a:r>
-          </a:p>
-          <a:p>
-            <a:pPr marL="285750" indent="-285750">
-              <a:spcBef>
-                <a:spcPts val="0"/>
-              </a:spcBef>
-              <a:spcAft>
-                <a:spcPts val="500"/>
-              </a:spcAft>
-              <a:buFont typeface="Arial" charset="0"/>
-              <a:buChar char="•"/>
-            </a:pPr>
-            <a:r>
-              <a:rPr lang="en-GB" sz="1400" dirty="0">
-                <a:solidFill>
-                  <a:srgbClr val="003560"/>
-                </a:solidFill>
-              </a:rPr>
-              <a:t>Slides 3 and 4 are approved and non-editable.</a:t>
-            </a:r>
-            <a:endParaRPr lang="en-GB" sz="1400" b="1" dirty="0">
-              <a:solidFill>
-                <a:srgbClr val="003560"/>
-              </a:solidFill>
-            </a:endParaRPr>
-          </a:p>
-          <a:p>
-            <a:pPr marL="285750" indent="-285750">
-              <a:spcBef>
-                <a:spcPts val="0"/>
-              </a:spcBef>
-              <a:spcAft>
-                <a:spcPts val="500"/>
-              </a:spcAft>
-              <a:buFont typeface="Arial" charset="0"/>
-              <a:buChar char="•"/>
-            </a:pPr>
-            <a:r>
-              <a:rPr lang="en-GB" sz="1400" dirty="0">
-                <a:solidFill>
-                  <a:srgbClr val="003560"/>
-                </a:solidFill>
-              </a:rPr>
-              <a:t>Please do not put images on top of the full images in the template. If using your own images, diagrams or tables please use the blank slide (Slide 14).</a:t>
-            </a:r>
-          </a:p>
-          <a:p>
-            <a:pPr marL="285750" indent="-285750">
-              <a:spcBef>
-                <a:spcPts val="0"/>
-              </a:spcBef>
-              <a:spcAft>
-                <a:spcPts val="500"/>
-              </a:spcAft>
-              <a:buFont typeface="Arial" charset="0"/>
-              <a:buChar char="•"/>
-            </a:pPr>
-            <a:r>
-              <a:rPr lang="en-GB" sz="1400" dirty="0">
-                <a:solidFill>
-                  <a:srgbClr val="003560"/>
-                </a:solidFill>
-              </a:rPr>
-              <a:t>We recommend using the images supplied in this template where possible. If you require additional images the best resource is the University image bank at </a:t>
-            </a:r>
-            <a:r>
-              <a:rPr lang="en-GB" sz="1400" dirty="0">
-                <a:solidFill>
-                  <a:srgbClr val="003560"/>
-                </a:solidFill>
-                <a:hlinkClick r:id="rId3"/>
-              </a:rPr>
-              <a:t>www.glasgow.ac.uk/photo/restricted</a:t>
-            </a:r>
-            <a:r>
-              <a:rPr lang="en-GB" sz="1400" dirty="0">
-                <a:solidFill>
-                  <a:srgbClr val="003560"/>
-                </a:solidFill>
-              </a:rPr>
-              <a:t>. Contact </a:t>
-            </a:r>
-            <a:r>
-              <a:rPr lang="en-GB" sz="1400" dirty="0">
-                <a:solidFill>
-                  <a:srgbClr val="003560"/>
-                </a:solidFill>
-                <a:hlinkClick r:id="rId4"/>
-              </a:rPr>
-              <a:t>mrio-design@glasgow.ac.uk</a:t>
-            </a:r>
-            <a:r>
-              <a:rPr lang="en-GB" sz="1400" dirty="0">
-                <a:solidFill>
-                  <a:srgbClr val="003560"/>
-                </a:solidFill>
-              </a:rPr>
-              <a:t> for the password.</a:t>
-            </a:r>
-          </a:p>
-          <a:p>
-            <a:pPr marL="285750" indent="-285750">
-              <a:spcBef>
-                <a:spcPts val="0"/>
-              </a:spcBef>
-              <a:spcAft>
-                <a:spcPts val="500"/>
-              </a:spcAft>
-              <a:buFont typeface="Arial" charset="0"/>
-              <a:buChar char="•"/>
-            </a:pPr>
-            <a:r>
-              <a:rPr lang="en-GB" sz="1400" dirty="0">
-                <a:solidFill>
-                  <a:srgbClr val="003560"/>
-                </a:solidFill>
-              </a:rPr>
-              <a:t>If you require assistance or guidance, please email </a:t>
-            </a:r>
-            <a:r>
-              <a:rPr lang="en-GB" sz="1400" dirty="0">
-                <a:solidFill>
-                  <a:srgbClr val="003560"/>
-                </a:solidFill>
-                <a:hlinkClick r:id="rId5"/>
-              </a:rPr>
-              <a:t>marketing-brand@glasgow.ac.uk</a:t>
-            </a:r>
-            <a:endParaRPr lang="en-GB" sz="1400" dirty="0">
-              <a:solidFill>
-                <a:srgbClr val="003560"/>
-              </a:solidFill>
-            </a:endParaRPr>
-          </a:p>
-          <a:p>
             <a:pPr marL="342900" indent="-342900">
               <a:spcAft>
                 <a:spcPts val="500"/>
@@ -4769,133 +4402,10 @@
               <a:buFont typeface="Arial" panose="020B0604020202020204" pitchFamily="34" charset="0"/>
               <a:buChar char="•"/>
             </a:pPr>
-            <a:endParaRPr lang="en-GB" sz="1600" dirty="0">
-              <a:solidFill>
-                <a:srgbClr val="003560"/>
-              </a:solidFill>
-            </a:endParaRPr>
-          </a:p>
-          <a:p>
-            <a:pPr marL="342900" indent="-342900">
-              <a:buFont typeface="Arial" panose="020B0604020202020204" pitchFamily="34" charset="0"/>
-              <a:buChar char="•"/>
-            </a:pPr>
-            <a:endParaRPr lang="en-GB" sz="1100" dirty="0"/>
-          </a:p>
-        </p:txBody>
-      </p:sp>
-      <p:pic>
-        <p:nvPicPr>
-          <p:cNvPr id="8" name="Picture 7"/>
-          <p:cNvPicPr>
-            <a:picLocks noChangeAspect="1"/>
-          </p:cNvPicPr>
-          <p:nvPr/>
-        </p:nvPicPr>
-        <p:blipFill>
-          <a:blip r:embed="rId6">
-            <a:extLst>
-              <a:ext uri="{28A0092B-C50C-407E-A947-70E740481C1C}">
-                <a14:useLocalDpi xmlns:a14="http://schemas.microsoft.com/office/drawing/2010/main" val="0"/>
-              </a:ext>
-            </a:extLst>
-          </a:blip>
-          <a:stretch>
-            <a:fillRect/>
-          </a:stretch>
-        </p:blipFill>
-        <p:spPr>
-          <a:xfrm>
-            <a:off x="0" y="0"/>
-            <a:ext cx="9144000" cy="1352550"/>
-          </a:xfrm>
-          <a:prstGeom prst="rect">
-            <a:avLst/>
-          </a:prstGeom>
-        </p:spPr>
-      </p:pic>
-    </p:spTree>
-    <p:extLst>
-      <p:ext uri="{BB962C8B-B14F-4D97-AF65-F5344CB8AC3E}">
-        <p14:creationId xmlns:p14="http://schemas.microsoft.com/office/powerpoint/2010/main" val="1457163488"/>
-      </p:ext>
-    </p:extLst>
-  </p:cSld>
-  <p:clrMapOvr>
-    <a:masterClrMapping/>
-  </p:clrMapOvr>
-</p:sld>
-</file>
-
-<file path=ppt/slides/slide3.xml><?xml version="1.0" encoding="utf-8"?>
-<p:sld xmlns:a="http://schemas.openxmlformats.org/drawingml/2006/main" xmlns:r="http://schemas.openxmlformats.org/officeDocument/2006/relationships" xmlns:p="http://schemas.openxmlformats.org/presentationml/2006/main">
-  <p:cSld>
-    <p:spTree>
-      <p:nvGrpSpPr>
-        <p:cNvPr id="1" name=""/>
-        <p:cNvGrpSpPr/>
-        <p:nvPr/>
-      </p:nvGrpSpPr>
-      <p:grpSpPr>
-        <a:xfrm>
-          <a:off x="0" y="0"/>
-          <a:ext cx="0" cy="0"/>
-          <a:chOff x="0" y="0"/>
-          <a:chExt cx="0" cy="0"/>
-        </a:xfrm>
-      </p:grpSpPr>
-      <p:sp>
-        <p:nvSpPr>
-          <p:cNvPr id="5" name="TextBox 4"/>
-          <p:cNvSpPr txBox="1"/>
-          <p:nvPr/>
-        </p:nvSpPr>
-        <p:spPr>
-          <a:xfrm>
-            <a:off x="107505" y="1203598"/>
-            <a:ext cx="8568951" cy="1841530"/>
-          </a:xfrm>
-          <a:prstGeom prst="rect">
-            <a:avLst/>
-          </a:prstGeom>
-          <a:noFill/>
-        </p:spPr>
-        <p:txBody>
-          <a:bodyPr wrap="square" rtlCol="0">
-            <a:spAutoFit/>
-          </a:bodyPr>
-          <a:lstStyle/>
-          <a:p>
-            <a:r>
-              <a:rPr lang="en-GB" b="1" dirty="0" smtClean="0">
-                <a:solidFill>
-                  <a:srgbClr val="003560"/>
-                </a:solidFill>
-              </a:rPr>
-              <a:t>Acute Respiratory Distress Syndrome</a:t>
-            </a:r>
-            <a:endParaRPr lang="en-GB" sz="1400" dirty="0">
-              <a:solidFill>
-                <a:srgbClr val="003560"/>
-              </a:solidFill>
-            </a:endParaRPr>
-          </a:p>
-          <a:p>
-            <a:pPr marL="285750" indent="-285750">
-              <a:spcBef>
-                <a:spcPts val="0"/>
-              </a:spcBef>
-              <a:spcAft>
-                <a:spcPts val="500"/>
-              </a:spcAft>
-              <a:buFont typeface="Arial" charset="0"/>
-              <a:buChar char="•"/>
-            </a:pPr>
-            <a:endParaRPr lang="en-GB" sz="1400" dirty="0">
-              <a:solidFill>
-                <a:srgbClr val="003560"/>
-              </a:solidFill>
-            </a:endParaRPr>
+            <a:r>
+              <a:rPr lang="en-GB" sz="1600" dirty="0"/>
+              <a:t>Project background </a:t>
+            </a:r>
           </a:p>
           <a:p>
             <a:pPr marL="342900" indent="-342900">
@@ -4906,9 +4416,10 @@
               <a:buChar char="•"/>
             </a:pPr>
             <a:r>
-              <a:rPr lang="en-GB" sz="1600" dirty="0"/>
-              <a:t>Project background </a:t>
-            </a:r>
+              <a:rPr lang="en-GB" sz="1600" dirty="0" smtClean="0"/>
+              <a:t>Aims of the project </a:t>
+            </a:r>
+            <a:endParaRPr lang="en-GB" sz="1600" dirty="0" smtClean="0"/>
           </a:p>
           <a:p>
             <a:pPr marL="342900" indent="-342900">
@@ -4920,13 +4431,8 @@
             </a:pPr>
             <a:r>
               <a:rPr lang="en-GB" sz="1600" dirty="0" smtClean="0"/>
-              <a:t>Aims </a:t>
-            </a:r>
-            <a:r>
-              <a:rPr lang="en-GB" sz="1600" dirty="0"/>
-              <a:t>of the project </a:t>
-            </a:r>
-            <a:endParaRPr lang="en-GB" sz="1600" dirty="0" smtClean="0"/>
+              <a:t>Exploratory data analysis</a:t>
+            </a:r>
           </a:p>
           <a:p>
             <a:pPr marL="342900" indent="-342900">
@@ -4937,12 +4443,29 @@
               <a:buChar char="•"/>
             </a:pPr>
             <a:r>
-              <a:rPr lang="en-GB" sz="1600" dirty="0" smtClean="0"/>
-              <a:t>Data </a:t>
-            </a:r>
-            <a:r>
-              <a:rPr lang="en-GB" sz="1600" dirty="0"/>
-              <a:t>description</a:t>
+              <a:rPr lang="en-GB" sz="1600" dirty="0" smtClean="0">
+                <a:solidFill>
+                  <a:srgbClr val="003560"/>
+                </a:solidFill>
+              </a:rPr>
+              <a:t>Methods</a:t>
+            </a:r>
+          </a:p>
+          <a:p>
+            <a:pPr marL="342900" indent="-342900">
+              <a:spcAft>
+                <a:spcPts val="500"/>
+              </a:spcAft>
+              <a:buFont typeface="Arial" panose="020B0604020202020204" pitchFamily="34" charset="0"/>
+              <a:buChar char="•"/>
+            </a:pPr>
+            <a:r>
+              <a:rPr lang="en-GB" sz="1600" dirty="0" smtClean="0">
+                <a:solidFill>
+                  <a:srgbClr val="003560"/>
+                </a:solidFill>
+              </a:rPr>
+              <a:t>Advanced Section: Imputation</a:t>
             </a:r>
             <a:endParaRPr lang="en-GB" sz="1600" dirty="0">
               <a:solidFill>
@@ -4989,6 +4512,47 @@
           </a:prstGeom>
         </p:spPr>
       </p:pic>
+      <p:pic>
+        <p:nvPicPr>
+          <p:cNvPr id="1026" name="Picture 2" descr="New treatment for acute respiratory distress syndrome"/>
+          <p:cNvPicPr>
+            <a:picLocks noChangeAspect="1" noChangeArrowheads="1"/>
+          </p:cNvPicPr>
+          <p:nvPr/>
+        </p:nvPicPr>
+        <p:blipFill>
+          <a:blip r:embed="rId4">
+            <a:extLst>
+              <a:ext uri="{28A0092B-C50C-407E-A947-70E740481C1C}">
+                <a14:useLocalDpi xmlns:a14="http://schemas.microsoft.com/office/drawing/2010/main" val="0"/>
+              </a:ext>
+            </a:extLst>
+          </a:blip>
+          <a:srcRect/>
+          <a:stretch>
+            <a:fillRect/>
+          </a:stretch>
+        </p:blipFill>
+        <p:spPr bwMode="auto">
+          <a:xfrm>
+            <a:off x="3563888" y="915566"/>
+            <a:ext cx="5502706" cy="3672408"/>
+          </a:xfrm>
+          <a:prstGeom prst="rect">
+            <a:avLst/>
+          </a:prstGeom>
+          <a:noFill/>
+          <a:extLst>
+            <a:ext uri="{909E8E84-426E-40DD-AFC4-6F175D3DCCD1}">
+              <a14:hiddenFill xmlns:a14="http://schemas.microsoft.com/office/drawing/2010/main">
+                <a:solidFill>
+                  <a:srgbClr val="FFFFFF"/>
+                </a:solidFill>
+              </a14:hiddenFill>
+            </a:ext>
+          </a:extLst>
+        </p:spPr>
+      </p:pic>
     </p:spTree>
     <p:extLst>
       <p:ext uri="{BB962C8B-B14F-4D97-AF65-F5344CB8AC3E}">
@@ -4999,6 +4563,436 @@
   <p:clrMapOvr>
     <a:masterClrMapping/>
   </p:clrMapOvr>
+  <p:timing>
+    <p:tnLst>
+      <p:par>
+        <p:cTn id="1" dur="indefinite" restart="never" nodeType="tmRoot"/>
+      </p:par>
+    </p:tnLst>
+  </p:timing>
+</p:sld>
+</file>
+
+<file path=ppt/slides/slide3.xml><?xml version="1.0" encoding="utf-8"?>
+<p:sld xmlns:a="http://schemas.openxmlformats.org/drawingml/2006/main" xmlns:r="http://schemas.openxmlformats.org/officeDocument/2006/relationships" xmlns:p="http://schemas.openxmlformats.org/presentationml/2006/main">
+  <p:cSld>
+    <p:spTree>
+      <p:nvGrpSpPr>
+        <p:cNvPr id="1" name=""/>
+        <p:cNvGrpSpPr/>
+        <p:nvPr/>
+      </p:nvGrpSpPr>
+      <p:grpSpPr>
+        <a:xfrm>
+          <a:off x="0" y="0"/>
+          <a:ext cx="0" cy="0"/>
+          <a:chOff x="0" y="0"/>
+          <a:chExt cx="0" cy="0"/>
+        </a:xfrm>
+      </p:grpSpPr>
+      <p:sp>
+        <p:nvSpPr>
+          <p:cNvPr id="5" name="TextBox 4"/>
+          <p:cNvSpPr txBox="1"/>
+          <p:nvPr/>
+        </p:nvSpPr>
+        <p:spPr>
+          <a:xfrm>
+            <a:off x="107505" y="1203598"/>
+            <a:ext cx="8568951" cy="3393237"/>
+          </a:xfrm>
+          <a:prstGeom prst="rect">
+            <a:avLst/>
+          </a:prstGeom>
+          <a:noFill/>
+        </p:spPr>
+        <p:txBody>
+          <a:bodyPr wrap="square" rtlCol="0">
+            <a:spAutoFit/>
+          </a:bodyPr>
+          <a:lstStyle/>
+          <a:p>
+            <a:r>
+              <a:rPr lang="en-GB" b="1" dirty="0" smtClean="0">
+                <a:solidFill>
+                  <a:srgbClr val="003560"/>
+                </a:solidFill>
+              </a:rPr>
+              <a:t>Background:  ARDS</a:t>
+            </a:r>
+            <a:endParaRPr lang="en-GB" sz="1400" dirty="0" smtClean="0">
+              <a:solidFill>
+                <a:srgbClr val="003560"/>
+              </a:solidFill>
+            </a:endParaRPr>
+          </a:p>
+          <a:p>
+            <a:pPr marL="285750" indent="-285750">
+              <a:spcBef>
+                <a:spcPts val="0"/>
+              </a:spcBef>
+              <a:spcAft>
+                <a:spcPts val="500"/>
+              </a:spcAft>
+              <a:buFont typeface="Arial" charset="0"/>
+              <a:buChar char="•"/>
+            </a:pPr>
+            <a:endParaRPr lang="en-GB" sz="1400" dirty="0">
+              <a:solidFill>
+                <a:srgbClr val="003560"/>
+              </a:solidFill>
+            </a:endParaRPr>
+          </a:p>
+          <a:p>
+            <a:pPr marL="342900" indent="-342900">
+              <a:spcAft>
+                <a:spcPts val="500"/>
+              </a:spcAft>
+              <a:buFont typeface="Arial" panose="020B0604020202020204" pitchFamily="34" charset="0"/>
+              <a:buChar char="•"/>
+            </a:pPr>
+            <a:r>
+              <a:rPr lang="en-GB" sz="1600" b="1" dirty="0">
+                <a:solidFill>
+                  <a:srgbClr val="003560"/>
+                </a:solidFill>
+              </a:rPr>
+              <a:t>Acute Respiratory Distress Syndrome (ARDS</a:t>
+            </a:r>
+            <a:r>
+              <a:rPr lang="en-GB" sz="1600" b="1" dirty="0" smtClean="0">
+                <a:solidFill>
+                  <a:srgbClr val="003560"/>
+                </a:solidFill>
+              </a:rPr>
+              <a:t>)</a:t>
+            </a:r>
+            <a:endParaRPr lang="en-GB" sz="1600" dirty="0" smtClean="0"/>
+          </a:p>
+          <a:p>
+            <a:pPr marL="342900" indent="-342900">
+              <a:spcAft>
+                <a:spcPts val="500"/>
+              </a:spcAft>
+              <a:buFont typeface="Arial" panose="020B0604020202020204" pitchFamily="34" charset="0"/>
+              <a:buChar char="•"/>
+            </a:pPr>
+            <a:r>
+              <a:rPr lang="en-GB" sz="1600" dirty="0" smtClean="0"/>
+              <a:t>Common and often fatal cause of respiratory failure</a:t>
+            </a:r>
+          </a:p>
+          <a:p>
+            <a:pPr marL="342900" indent="-342900">
+              <a:spcAft>
+                <a:spcPts val="500"/>
+              </a:spcAft>
+              <a:buFont typeface="Arial" panose="020B0604020202020204" pitchFamily="34" charset="0"/>
+              <a:buChar char="•"/>
+            </a:pPr>
+            <a:r>
+              <a:rPr lang="en-GB" sz="1600" dirty="0" smtClean="0">
+                <a:solidFill>
+                  <a:srgbClr val="003560"/>
+                </a:solidFill>
+              </a:rPr>
+              <a:t>Prevalence of 10% among critically ill patients worldwide</a:t>
+            </a:r>
+            <a:r>
+              <a:rPr lang="en-GB" sz="1600" baseline="30000" dirty="0" smtClean="0">
+                <a:solidFill>
+                  <a:srgbClr val="003560"/>
+                </a:solidFill>
+              </a:rPr>
+              <a:t>1,2</a:t>
+            </a:r>
+            <a:endParaRPr lang="en-GB" sz="1600" dirty="0" smtClean="0">
+              <a:solidFill>
+                <a:srgbClr val="003560"/>
+              </a:solidFill>
+            </a:endParaRPr>
+          </a:p>
+          <a:p>
+            <a:pPr marL="342900" indent="-342900">
+              <a:spcAft>
+                <a:spcPts val="500"/>
+              </a:spcAft>
+              <a:buFont typeface="Arial" panose="020B0604020202020204" pitchFamily="34" charset="0"/>
+              <a:buChar char="•"/>
+            </a:pPr>
+            <a:r>
+              <a:rPr lang="en-GB" sz="1600" dirty="0" smtClean="0">
+                <a:solidFill>
+                  <a:srgbClr val="003560"/>
+                </a:solidFill>
+              </a:rPr>
+              <a:t>30-40% mortality</a:t>
+            </a:r>
+            <a:r>
+              <a:rPr lang="en-GB" sz="1600" baseline="30000" dirty="0" smtClean="0">
+                <a:solidFill>
+                  <a:srgbClr val="003560"/>
+                </a:solidFill>
+              </a:rPr>
+              <a:t>1,2</a:t>
+            </a:r>
+          </a:p>
+          <a:p>
+            <a:pPr marL="342900" indent="-342900">
+              <a:spcAft>
+                <a:spcPts val="500"/>
+              </a:spcAft>
+              <a:buFont typeface="Arial" panose="020B0604020202020204" pitchFamily="34" charset="0"/>
+              <a:buChar char="•"/>
+            </a:pPr>
+            <a:r>
+              <a:rPr lang="en-GB" sz="1600" dirty="0" smtClean="0">
+                <a:solidFill>
+                  <a:srgbClr val="003560"/>
+                </a:solidFill>
+              </a:rPr>
+              <a:t>Defined as: </a:t>
+            </a:r>
+          </a:p>
+          <a:p>
+            <a:pPr marL="800100" lvl="1" indent="-342900">
+              <a:spcAft>
+                <a:spcPts val="500"/>
+              </a:spcAft>
+              <a:buFont typeface="Arial" panose="020B0604020202020204" pitchFamily="34" charset="0"/>
+              <a:buChar char="•"/>
+            </a:pPr>
+            <a:r>
+              <a:rPr lang="en-GB" sz="1600" dirty="0" smtClean="0">
+                <a:solidFill>
+                  <a:srgbClr val="003560"/>
+                </a:solidFill>
+              </a:rPr>
+              <a:t>acute hypoxic respiratory failure (PaO</a:t>
+            </a:r>
+            <a:r>
+              <a:rPr lang="en-GB" sz="1600" baseline="-25000" dirty="0" smtClean="0">
+                <a:solidFill>
+                  <a:srgbClr val="003560"/>
+                </a:solidFill>
+              </a:rPr>
+              <a:t>2</a:t>
+            </a:r>
+            <a:r>
+              <a:rPr lang="en-GB" sz="1600" dirty="0" smtClean="0">
+                <a:solidFill>
+                  <a:srgbClr val="003560"/>
+                </a:solidFill>
+              </a:rPr>
+              <a:t>/FiO</a:t>
+            </a:r>
+            <a:r>
+              <a:rPr lang="en-GB" sz="1600" baseline="-25000" dirty="0" smtClean="0">
+                <a:solidFill>
+                  <a:srgbClr val="003560"/>
+                </a:solidFill>
+              </a:rPr>
+              <a:t>2</a:t>
+            </a:r>
+            <a:r>
+              <a:rPr lang="en-GB" sz="1600" dirty="0" smtClean="0">
+                <a:solidFill>
+                  <a:srgbClr val="003560"/>
+                </a:solidFill>
+              </a:rPr>
+              <a:t> &lt; 300 mmHg)</a:t>
+            </a:r>
+          </a:p>
+          <a:p>
+            <a:pPr marL="800100" lvl="1" indent="-342900">
+              <a:spcAft>
+                <a:spcPts val="500"/>
+              </a:spcAft>
+              <a:buFont typeface="Arial" panose="020B0604020202020204" pitchFamily="34" charset="0"/>
+              <a:buChar char="•"/>
+            </a:pPr>
+            <a:r>
+              <a:rPr lang="en-GB" sz="1600" dirty="0">
+                <a:solidFill>
+                  <a:srgbClr val="003560"/>
+                </a:solidFill>
+              </a:rPr>
+              <a:t>b</a:t>
+            </a:r>
+            <a:r>
+              <a:rPr lang="en-GB" sz="1600" dirty="0" smtClean="0">
+                <a:solidFill>
+                  <a:srgbClr val="003560"/>
+                </a:solidFill>
+              </a:rPr>
+              <a:t>ilateral chest infiltrates</a:t>
+            </a:r>
+          </a:p>
+          <a:p>
+            <a:pPr marL="800100" lvl="1" indent="-342900">
+              <a:spcAft>
+                <a:spcPts val="500"/>
+              </a:spcAft>
+              <a:buFont typeface="Arial" panose="020B0604020202020204" pitchFamily="34" charset="0"/>
+              <a:buChar char="•"/>
+            </a:pPr>
+            <a:r>
+              <a:rPr lang="en-GB" sz="1600" dirty="0">
+                <a:solidFill>
+                  <a:srgbClr val="003560"/>
+                </a:solidFill>
+              </a:rPr>
+              <a:t>a</a:t>
+            </a:r>
+            <a:r>
+              <a:rPr lang="en-GB" sz="1600" dirty="0" smtClean="0">
+                <a:solidFill>
+                  <a:srgbClr val="003560"/>
+                </a:solidFill>
+              </a:rPr>
+              <a:t>bsence of cardiac failure as primary diagnosis</a:t>
+            </a:r>
+            <a:endParaRPr lang="en-GB" sz="1600" dirty="0">
+              <a:solidFill>
+                <a:srgbClr val="003560"/>
+              </a:solidFill>
+            </a:endParaRPr>
+          </a:p>
+          <a:p>
+            <a:pPr marL="342900" indent="-342900">
+              <a:buFont typeface="Arial" panose="020B0604020202020204" pitchFamily="34" charset="0"/>
+              <a:buChar char="•"/>
+            </a:pPr>
+            <a:endParaRPr lang="en-GB" sz="1100" dirty="0"/>
+          </a:p>
+        </p:txBody>
+      </p:sp>
+      <p:pic>
+        <p:nvPicPr>
+          <p:cNvPr id="8" name="Picture 7"/>
+          <p:cNvPicPr>
+            <a:picLocks noChangeAspect="1"/>
+          </p:cNvPicPr>
+          <p:nvPr/>
+        </p:nvPicPr>
+        <p:blipFill>
+          <a:blip r:embed="rId3">
+            <a:extLst>
+              <a:ext uri="{28A0092B-C50C-407E-A947-70E740481C1C}">
+                <a14:useLocalDpi xmlns:a14="http://schemas.microsoft.com/office/drawing/2010/main" val="0"/>
+              </a:ext>
+            </a:extLst>
+          </a:blip>
+          <a:stretch>
+            <a:fillRect/>
+          </a:stretch>
+        </p:blipFill>
+        <p:spPr>
+          <a:xfrm>
+            <a:off x="0" y="0"/>
+            <a:ext cx="9144000" cy="1352550"/>
+          </a:xfrm>
+          <a:prstGeom prst="rect">
+            <a:avLst/>
+          </a:prstGeom>
+        </p:spPr>
+      </p:pic>
+      <p:sp>
+        <p:nvSpPr>
+          <p:cNvPr id="2" name="TextBox 1"/>
+          <p:cNvSpPr txBox="1"/>
+          <p:nvPr/>
+        </p:nvSpPr>
+        <p:spPr>
+          <a:xfrm>
+            <a:off x="107505" y="4731990"/>
+            <a:ext cx="8928991" cy="461665"/>
+          </a:xfrm>
+          <a:prstGeom prst="rect">
+            <a:avLst/>
+          </a:prstGeom>
+          <a:noFill/>
+        </p:spPr>
+        <p:txBody>
+          <a:bodyPr wrap="square" rtlCol="0">
+            <a:spAutoFit/>
+          </a:bodyPr>
+          <a:lstStyle/>
+          <a:p>
+            <a:r>
+              <a:rPr lang="en-GB" sz="800" dirty="0" smtClean="0"/>
+              <a:t>[1]  </a:t>
+            </a:r>
+            <a:r>
+              <a:rPr lang="en-GB" sz="800" dirty="0" err="1" smtClean="0"/>
+              <a:t>Rubenfeld</a:t>
+            </a:r>
+            <a:r>
+              <a:rPr lang="en-GB" sz="800" dirty="0" smtClean="0"/>
+              <a:t> </a:t>
+            </a:r>
+            <a:r>
+              <a:rPr lang="en-GB" sz="800" dirty="0"/>
+              <a:t>GD, Caldwell E, Peabody E, et al. Incidence and outcomes of acute lung injury. N </a:t>
+            </a:r>
+            <a:r>
+              <a:rPr lang="en-GB" sz="800" dirty="0" err="1"/>
+              <a:t>Engl</a:t>
+            </a:r>
+            <a:r>
+              <a:rPr lang="en-GB" sz="800" dirty="0"/>
+              <a:t> J Med 2005; 353: </a:t>
+            </a:r>
+            <a:r>
+              <a:rPr lang="en-GB" sz="800" dirty="0" smtClean="0"/>
+              <a:t>1685–93.</a:t>
+            </a:r>
+          </a:p>
+          <a:p>
+            <a:r>
+              <a:rPr lang="en-GB" sz="800" dirty="0" smtClean="0"/>
+              <a:t>[2]  </a:t>
+            </a:r>
+            <a:r>
+              <a:rPr lang="en-GB" sz="800" dirty="0" err="1" smtClean="0"/>
+              <a:t>Bellani</a:t>
+            </a:r>
+            <a:r>
+              <a:rPr lang="en-GB" sz="800" dirty="0" smtClean="0"/>
+              <a:t> </a:t>
+            </a:r>
+            <a:r>
+              <a:rPr lang="en-GB" sz="800" dirty="0"/>
+              <a:t>G, </a:t>
+            </a:r>
+            <a:r>
+              <a:rPr lang="en-GB" sz="800" dirty="0" err="1"/>
+              <a:t>Laffey</a:t>
+            </a:r>
+            <a:r>
+              <a:rPr lang="en-GB" sz="800" dirty="0"/>
+              <a:t> JG, Pham T, et al. Epidemiology, patterns of care, and mortality for patients with acute respiratory distress syndrome in intensive care units in 50 countries. JAMA 2016; 315: 788–800.</a:t>
+            </a:r>
+          </a:p>
+        </p:txBody>
+      </p:sp>
+    </p:spTree>
+    <p:extLst>
+      <p:ext uri="{BB962C8B-B14F-4D97-AF65-F5344CB8AC3E}">
+        <p14:creationId xmlns:p14="http://schemas.microsoft.com/office/powerpoint/2010/main" val="2549416996"/>
+      </p:ext>
+    </p:extLst>
+  </p:cSld>
+  <p:clrMapOvr>
+    <a:masterClrMapping/>
+  </p:clrMapOvr>
+  <p:timing>
+    <p:tnLst>
+      <p:par>
+        <p:cTn id="1" dur="indefinite" restart="never" nodeType="tmRoot"/>
+      </p:par>
+    </p:tnLst>
+  </p:timing>
 </p:sld>
 </file>
 
@@ -5019,36 +5013,6 @@
           <a:chExt cx="0" cy="0"/>
         </a:xfrm>
       </p:grpSpPr>
-      <p:pic>
-        <p:nvPicPr>
-          <p:cNvPr id="2" name="Picture 1"/>
-          <p:cNvPicPr>
-            <a:picLocks noChangeAspect="1"/>
-          </p:cNvPicPr>
-          <p:nvPr/>
-        </p:nvPicPr>
-        <p:blipFill>
-          <a:blip r:embed="rId3">
-            <a:extLst>
-              <a:ext uri="{28A0092B-C50C-407E-A947-70E740481C1C}">
-                <a14:useLocalDpi xmlns:a14="http://schemas.microsoft.com/office/drawing/2010/main" val="0"/>
-              </a:ext>
-            </a:extLst>
-          </a:blip>
-          <a:stretch>
-            <a:fillRect/>
-          </a:stretch>
-        </p:blipFill>
-        <p:spPr>
-          <a:xfrm>
-            <a:off x="5706575" y="38100"/>
-            <a:ext cx="3437425" cy="5143500"/>
-          </a:xfrm>
-          <a:prstGeom prst="rect">
-            <a:avLst/>
-          </a:prstGeom>
-        </p:spPr>
-      </p:pic>
       <p:sp>
         <p:nvSpPr>
           <p:cNvPr id="5" name="TextBox 4"/>
@@ -5058,7 +5022,7 @@
         <p:spPr>
           <a:xfrm>
             <a:off x="107505" y="1203598"/>
-            <a:ext cx="8568951" cy="1841530"/>
+            <a:ext cx="6336703" cy="1531188"/>
           </a:xfrm>
           <a:prstGeom prst="rect">
             <a:avLst/>
@@ -5077,7 +5041,7 @@
                   <a:srgbClr val="003560"/>
                 </a:solidFill>
               </a:rPr>
-              <a:t>Extracorporeal Membrane Oxygenation (ECMO)</a:t>
+              <a:t>Background: ECMO</a:t>
             </a:r>
             <a:endParaRPr lang="en-GB" sz="1400" dirty="0" smtClean="0">
               <a:solidFill>
@@ -5112,12 +5076,9 @@
             </a:pPr>
             <a:r>
               <a:rPr lang="en-GB" sz="1600" dirty="0" smtClean="0"/>
-              <a:t>Project </a:t>
-            </a:r>
-            <a:r>
-              <a:rPr lang="en-GB" sz="1600" dirty="0"/>
-              <a:t>background </a:t>
-            </a:r>
+              <a:t>Extracorporeal membrane oxygenation (ECMO) </a:t>
+            </a:r>
+            <a:endParaRPr lang="en-GB" sz="1600" dirty="0"/>
           </a:p>
           <a:p>
             <a:pPr marL="342900" indent="-342900">
@@ -5128,36 +5089,13 @@
               <a:buChar char="•"/>
             </a:pPr>
             <a:r>
-              <a:rPr lang="en-GB" sz="1600" dirty="0" smtClean="0"/>
-              <a:t>Aims </a:t>
-            </a:r>
-            <a:r>
-              <a:rPr lang="en-GB" sz="1600" dirty="0"/>
-              <a:t>of the project </a:t>
-            </a:r>
-            <a:endParaRPr lang="en-GB" sz="1600" dirty="0" smtClean="0"/>
-          </a:p>
-          <a:p>
-            <a:pPr marL="342900" indent="-342900">
-              <a:spcAft>
-                <a:spcPts val="500"/>
-              </a:spcAft>
-              <a:buFont typeface="Arial" panose="020B0604020202020204" pitchFamily="34" charset="0"/>
-              <a:buChar char="•"/>
-            </a:pPr>
-            <a:r>
-              <a:rPr lang="en-GB" sz="1600" dirty="0" smtClean="0"/>
-              <a:t>Data </a:t>
-            </a:r>
-            <a:r>
-              <a:rPr lang="en-GB" sz="1600" dirty="0"/>
-              <a:t>description</a:t>
-            </a:r>
-            <a:endParaRPr lang="en-GB" sz="1600" dirty="0">
-              <a:solidFill>
-                <a:srgbClr val="003560"/>
-              </a:solidFill>
-            </a:endParaRPr>
+              <a:rPr lang="en-GB" sz="1600" dirty="0" smtClean="0">
+                <a:solidFill>
+                  <a:srgbClr val="003560"/>
+                </a:solidFill>
+              </a:rPr>
+              <a:t>New treatment thought to improve disease outcome</a:t>
+            </a:r>
           </a:p>
           <a:p>
             <a:pPr marL="342900" indent="-342900">
@@ -5177,7 +5115,7 @@
           <p:nvPr/>
         </p:nvPicPr>
         <p:blipFill>
-          <a:blip r:embed="rId4">
+          <a:blip r:embed="rId3">
             <a:extLst>
               <a:ext uri="{28A0092B-C50C-407E-A947-70E740481C1C}">
                 <a14:useLocalDpi xmlns:a14="http://schemas.microsoft.com/office/drawing/2010/main" val="0"/>
@@ -5198,6 +5136,120 @@
           </a:prstGeom>
         </p:spPr>
       </p:pic>
+      <p:pic>
+        <p:nvPicPr>
+          <p:cNvPr id="3" name="Picture 2"/>
+          <p:cNvPicPr>
+            <a:picLocks noChangeAspect="1"/>
+          </p:cNvPicPr>
+          <p:nvPr/>
+        </p:nvPicPr>
+        <p:blipFill>
+          <a:blip r:embed="rId4">
+            <a:extLst>
+              <a:ext uri="{28A0092B-C50C-407E-A947-70E740481C1C}">
+                <a14:useLocalDpi xmlns:a14="http://schemas.microsoft.com/office/drawing/2010/main" val="0"/>
+              </a:ext>
+            </a:extLst>
+          </a:blip>
+          <a:stretch>
+            <a:fillRect/>
+          </a:stretch>
+        </p:blipFill>
+        <p:spPr>
+          <a:xfrm>
+            <a:off x="6588224" y="14272"/>
+            <a:ext cx="2555776" cy="3974011"/>
+          </a:xfrm>
+          <a:prstGeom prst="rect">
+            <a:avLst/>
+          </a:prstGeom>
+        </p:spPr>
+      </p:pic>
+      <p:sp>
+        <p:nvSpPr>
+          <p:cNvPr id="6" name="TextBox 5"/>
+          <p:cNvSpPr txBox="1"/>
+          <p:nvPr/>
+        </p:nvSpPr>
+        <p:spPr>
+          <a:xfrm>
+            <a:off x="107505" y="4731990"/>
+            <a:ext cx="8928991" cy="338554"/>
+          </a:xfrm>
+          <a:prstGeom prst="rect">
+            <a:avLst/>
+          </a:prstGeom>
+          <a:noFill/>
+        </p:spPr>
+        <p:txBody>
+          <a:bodyPr wrap="square" rtlCol="0">
+            <a:spAutoFit/>
+          </a:bodyPr>
+          <a:lstStyle/>
+          <a:p>
+            <a:r>
+              <a:rPr lang="en-GB" sz="800" dirty="0" smtClean="0"/>
+              <a:t>[image]  Combes </a:t>
+            </a:r>
+            <a:r>
+              <a:rPr lang="en-GB" sz="800" dirty="0"/>
+              <a:t>A, </a:t>
+            </a:r>
+            <a:r>
+              <a:rPr lang="en-GB" sz="800" dirty="0" err="1"/>
+              <a:t>Pesenti</a:t>
+            </a:r>
+            <a:r>
+              <a:rPr lang="en-GB" sz="800" dirty="0"/>
+              <a:t> A, </a:t>
+            </a:r>
+            <a:r>
+              <a:rPr lang="en-GB" sz="800" dirty="0" err="1"/>
+              <a:t>Ranieri</a:t>
+            </a:r>
+            <a:r>
+              <a:rPr lang="en-GB" sz="800" dirty="0"/>
+              <a:t> VM. </a:t>
+            </a:r>
+            <a:r>
+              <a:rPr lang="en-GB" sz="800" dirty="0">
+                <a:hlinkClick r:id="rId5"/>
+              </a:rPr>
+              <a:t>Fifty Years of Research in ARDS. Is Extracorporeal Circulation the Future of Acute Respiratory Distress Syndrome Management?. </a:t>
+            </a:r>
+            <a:r>
+              <a:rPr lang="en-GB" sz="800" dirty="0"/>
+              <a:t>Am J </a:t>
+            </a:r>
+            <a:r>
+              <a:rPr lang="en-GB" sz="800" dirty="0" err="1"/>
+              <a:t>Respir</a:t>
+            </a:r>
+            <a:r>
+              <a:rPr lang="en-GB" sz="800" dirty="0"/>
+              <a:t> </a:t>
+            </a:r>
+            <a:r>
+              <a:rPr lang="en-GB" sz="800" dirty="0" err="1"/>
+              <a:t>Crit</a:t>
+            </a:r>
+            <a:r>
+              <a:rPr lang="en-GB" sz="800" dirty="0"/>
+              <a:t> Care Med. 2017 May 1;195(9):1161-1170. </a:t>
+            </a:r>
+            <a:r>
+              <a:rPr lang="en-GB" sz="800" dirty="0" err="1"/>
+              <a:t>doi</a:t>
+            </a:r>
+            <a:r>
+              <a:rPr lang="en-GB" sz="800" dirty="0"/>
+              <a:t>: 10.1164/rccm.201701-0217CP. Review. PubMed PMID: 28459322.</a:t>
+            </a:r>
+            <a:endParaRPr lang="en-GB" sz="800" dirty="0"/>
+          </a:p>
+        </p:txBody>
+      </p:sp>
     </p:spTree>
     <p:extLst>
       <p:ext uri="{BB962C8B-B14F-4D97-AF65-F5344CB8AC3E}">
@@ -5208,6 +5260,13 @@
   <p:clrMapOvr>
     <a:masterClrMapping/>
   </p:clrMapOvr>
+  <p:timing>
+    <p:tnLst>
+      <p:par>
+        <p:cTn id="1" dur="indefinite" restart="never" nodeType="tmRoot"/>
+      </p:par>
+    </p:tnLst>
+  </p:timing>
 </p:sld>
 </file>
 
@@ -5237,7 +5296,7 @@
         <p:spPr>
           <a:xfrm>
             <a:off x="107505" y="1203598"/>
-            <a:ext cx="8568951" cy="1841530"/>
+            <a:ext cx="8568951" cy="2087751"/>
           </a:xfrm>
           <a:prstGeom prst="rect">
             <a:avLst/>
@@ -5256,7 +5315,7 @@
                   <a:srgbClr val="003560"/>
                 </a:solidFill>
               </a:rPr>
-              <a:t>Questions of Interest</a:t>
+              <a:t>Aims of Project</a:t>
             </a:r>
             <a:endParaRPr lang="en-GB" sz="1400" dirty="0">
               <a:solidFill>
@@ -5299,7 +5358,11 @@
             </a:r>
             <a:r>
               <a:rPr lang="en-GB" sz="1600" dirty="0" smtClean="0"/>
-              <a:t> biomedical markers be used to accurately predict ECMO survival?</a:t>
+              <a:t> biomedical markers be used to accurately predict </a:t>
+            </a:r>
+            <a:r>
+              <a:rPr lang="en-GB" sz="1600" dirty="0" smtClean="0"/>
+              <a:t>survival after ECMO treatment?</a:t>
             </a:r>
             <a:endParaRPr lang="en-GB" sz="1600" dirty="0"/>
           </a:p>
@@ -5391,6 +5454,13 @@
   <p:clrMapOvr>
     <a:masterClrMapping/>
   </p:clrMapOvr>
+  <p:timing>
+    <p:tnLst>
+      <p:par>
+        <p:cTn id="1" dur="indefinite" restart="never" nodeType="tmRoot"/>
+      </p:par>
+    </p:tnLst>
+  </p:timing>
 </p:sld>
 </file>
 
@@ -5537,55 +5607,29 @@
               <a:buChar char="•"/>
             </a:pPr>
             <a:r>
-              <a:rPr lang="en-US" dirty="0">
+              <a:rPr lang="en-US" dirty="0" smtClean="0">
                 <a:latin typeface="Arial" charset="0"/>
                 <a:ea typeface="Arial" charset="0"/>
                 <a:cs typeface="Arial" charset="0"/>
               </a:rPr>
-              <a:t>Your body text should be minimum size 16. </a:t>
-            </a:r>
+              <a:t>Missing Data Plot</a:t>
+            </a:r>
+            <a:endParaRPr lang="en-US" dirty="0" smtClean="0">
+              <a:latin typeface="Arial" charset="0"/>
+              <a:ea typeface="Arial" charset="0"/>
+              <a:cs typeface="Arial" charset="0"/>
+            </a:endParaRPr>
           </a:p>
           <a:p>
             <a:pPr marL="285750" indent="-285750">
               <a:buFont typeface="Arial" panose="020B0604020202020204" pitchFamily="34" charset="0"/>
               <a:buChar char="•"/>
             </a:pPr>
-            <a:r>
-              <a:rPr lang="en-US" dirty="0">
-                <a:latin typeface="Arial" charset="0"/>
-                <a:ea typeface="Arial" charset="0"/>
-                <a:cs typeface="Arial" charset="0"/>
-              </a:rPr>
-              <a:t>We recommend that you use headings or bullet points</a:t>
-            </a:r>
-          </a:p>
-          <a:p>
-            <a:pPr marL="285750" indent="-285750">
-              <a:buFont typeface="Arial" panose="020B0604020202020204" pitchFamily="34" charset="0"/>
-              <a:buChar char="•"/>
-            </a:pPr>
-            <a:r>
-              <a:rPr lang="en-US" dirty="0">
-                <a:latin typeface="Arial" charset="0"/>
-                <a:ea typeface="Arial" charset="0"/>
-                <a:cs typeface="Arial" charset="0"/>
-              </a:rPr>
-              <a:t>Your audience want to hear and see you present not read from a slide.</a:t>
-            </a:r>
-          </a:p>
-          <a:p>
-            <a:pPr marL="292100" indent="-285750">
-              <a:buFont typeface="Arial" charset="0"/>
-              <a:buChar char="•"/>
-            </a:pPr>
-            <a:r>
-              <a:rPr lang="en-US" dirty="0">
-                <a:latin typeface="Arial" charset="0"/>
-                <a:ea typeface="Arial" charset="0"/>
-                <a:cs typeface="Arial" charset="0"/>
-              </a:rPr>
-              <a:t>To insert an image, right-click (ctrl + click Mac) and select ‘send to back’, to place it behind the University marque at the top. </a:t>
-            </a:r>
+            <a:endParaRPr lang="en-US" dirty="0">
+              <a:latin typeface="Arial" charset="0"/>
+              <a:ea typeface="Arial" charset="0"/>
+              <a:cs typeface="Arial" charset="0"/>
+            </a:endParaRPr>
           </a:p>
         </p:txBody>
       </p:sp>
@@ -5629,6 +5673,13 @@
   <p:clrMapOvr>
     <a:masterClrMapping/>
   </p:clrMapOvr>
+  <p:timing>
+    <p:tnLst>
+      <p:par>
+        <p:cTn id="1" dur="indefinite" restart="never" nodeType="tmRoot"/>
+      </p:par>
+    </p:tnLst>
+  </p:timing>
 </p:sld>
 </file>
 
@@ -5741,7 +5792,7 @@
           <a:p>
             <a:r>
               <a:rPr lang="en-US" sz="2400" dirty="0" smtClean="0"/>
-              <a:t>Logistic Regression</a:t>
+              <a:t>Exploratory Data Analysis</a:t>
             </a:r>
             <a:endParaRPr lang="en-US" sz="2400" dirty="0"/>
           </a:p>
@@ -5775,55 +5826,29 @@
               <a:buChar char="•"/>
             </a:pPr>
             <a:r>
-              <a:rPr lang="en-US" dirty="0">
+              <a:rPr lang="en-US" dirty="0" smtClean="0">
                 <a:latin typeface="Arial" charset="0"/>
                 <a:ea typeface="Arial" charset="0"/>
                 <a:cs typeface="Arial" charset="0"/>
               </a:rPr>
-              <a:t>Your body text should be minimum size 16. </a:t>
-            </a:r>
+              <a:t>Pairs Plot</a:t>
+            </a:r>
+            <a:endParaRPr lang="en-US" dirty="0" smtClean="0">
+              <a:latin typeface="Arial" charset="0"/>
+              <a:ea typeface="Arial" charset="0"/>
+              <a:cs typeface="Arial" charset="0"/>
+            </a:endParaRPr>
           </a:p>
           <a:p>
             <a:pPr marL="285750" indent="-285750">
               <a:buFont typeface="Arial" panose="020B0604020202020204" pitchFamily="34" charset="0"/>
               <a:buChar char="•"/>
             </a:pPr>
-            <a:r>
-              <a:rPr lang="en-US" dirty="0">
-                <a:latin typeface="Arial" charset="0"/>
-                <a:ea typeface="Arial" charset="0"/>
-                <a:cs typeface="Arial" charset="0"/>
-              </a:rPr>
-              <a:t>We recommend that you use headings or bullet points</a:t>
-            </a:r>
-          </a:p>
-          <a:p>
-            <a:pPr marL="285750" indent="-285750">
-              <a:buFont typeface="Arial" panose="020B0604020202020204" pitchFamily="34" charset="0"/>
-              <a:buChar char="•"/>
-            </a:pPr>
-            <a:r>
-              <a:rPr lang="en-US" dirty="0">
-                <a:latin typeface="Arial" charset="0"/>
-                <a:ea typeface="Arial" charset="0"/>
-                <a:cs typeface="Arial" charset="0"/>
-              </a:rPr>
-              <a:t>Your audience want to hear and see you present not read from a slide.</a:t>
-            </a:r>
-          </a:p>
-          <a:p>
-            <a:pPr marL="292100" indent="-285750">
-              <a:buFont typeface="Arial" charset="0"/>
-              <a:buChar char="•"/>
-            </a:pPr>
-            <a:r>
-              <a:rPr lang="en-US" dirty="0">
-                <a:latin typeface="Arial" charset="0"/>
-                <a:ea typeface="Arial" charset="0"/>
-                <a:cs typeface="Arial" charset="0"/>
-              </a:rPr>
-              <a:t>To insert an image, right-click (ctrl + click Mac) and select ‘send to back’, to place it behind the University marque at the top. </a:t>
-            </a:r>
+            <a:endParaRPr lang="en-US" dirty="0">
+              <a:latin typeface="Arial" charset="0"/>
+              <a:ea typeface="Arial" charset="0"/>
+              <a:cs typeface="Arial" charset="0"/>
+            </a:endParaRPr>
           </a:p>
         </p:txBody>
       </p:sp>
@@ -5860,13 +5885,20 @@
     </p:spTree>
     <p:extLst>
       <p:ext uri="{BB962C8B-B14F-4D97-AF65-F5344CB8AC3E}">
-        <p14:creationId xmlns:p14="http://schemas.microsoft.com/office/powerpoint/2010/main" val="3149348495"/>
+        <p14:creationId xmlns:p14="http://schemas.microsoft.com/office/powerpoint/2010/main" val="1915120290"/>
       </p:ext>
     </p:extLst>
   </p:cSld>
   <p:clrMapOvr>
     <a:masterClrMapping/>
   </p:clrMapOvr>
+  <p:timing>
+    <p:tnLst>
+      <p:par>
+        <p:cTn id="1" dur="indefinite" restart="never" nodeType="tmRoot"/>
+      </p:par>
+    </p:tnLst>
+  </p:timing>
 </p:sld>
 </file>
 
@@ -5979,11 +6011,7 @@
           <a:p>
             <a:r>
               <a:rPr lang="en-US" sz="2400" dirty="0" smtClean="0"/>
-              <a:t>K-Nearest </a:t>
-            </a:r>
-            <a:r>
-              <a:rPr lang="en-US" sz="2400" dirty="0" err="1" smtClean="0"/>
-              <a:t>Neighbours</a:t>
+              <a:t>Exploratory Data Analysis</a:t>
             </a:r>
             <a:endParaRPr lang="en-US" sz="2400" dirty="0"/>
           </a:p>
@@ -6022,8 +6050,19 @@
                 <a:ea typeface="Arial" charset="0"/>
                 <a:cs typeface="Arial" charset="0"/>
               </a:rPr>
-              <a:t>Only for continuous variables</a:t>
-            </a:r>
+              <a:t>Violin Plot</a:t>
+            </a:r>
+            <a:endParaRPr lang="en-US" dirty="0" smtClean="0">
+              <a:latin typeface="Arial" charset="0"/>
+              <a:ea typeface="Arial" charset="0"/>
+              <a:cs typeface="Arial" charset="0"/>
+            </a:endParaRPr>
+          </a:p>
+          <a:p>
+            <a:pPr marL="285750" indent="-285750">
+              <a:buFont typeface="Arial" panose="020B0604020202020204" pitchFamily="34" charset="0"/>
+              <a:buChar char="•"/>
+            </a:pPr>
             <a:endParaRPr lang="en-US" dirty="0">
               <a:latin typeface="Arial" charset="0"/>
               <a:ea typeface="Arial" charset="0"/>
@@ -6065,13 +6104,20 @@
     </p:spTree>
     <p:extLst>
       <p:ext uri="{BB962C8B-B14F-4D97-AF65-F5344CB8AC3E}">
-        <p14:creationId xmlns:p14="http://schemas.microsoft.com/office/powerpoint/2010/main" val="98188770"/>
+        <p14:creationId xmlns:p14="http://schemas.microsoft.com/office/powerpoint/2010/main" val="2585023704"/>
       </p:ext>
     </p:extLst>
   </p:cSld>
   <p:clrMapOvr>
     <a:masterClrMapping/>
   </p:clrMapOvr>
+  <p:timing>
+    <p:tnLst>
+      <p:par>
+        <p:cTn id="1" dur="indefinite" restart="never" nodeType="tmRoot"/>
+      </p:par>
+    </p:tnLst>
+  </p:timing>
 </p:sld>
 </file>
 
@@ -6184,7 +6230,7 @@
           <a:p>
             <a:r>
               <a:rPr lang="en-US" sz="2400" dirty="0" smtClean="0"/>
-              <a:t>LDA/QDA</a:t>
+              <a:t>Methods: Models</a:t>
             </a:r>
             <a:endParaRPr lang="en-US" sz="2400" dirty="0"/>
           </a:p>
@@ -6223,7 +6269,110 @@
                 <a:ea typeface="Arial" charset="0"/>
                 <a:cs typeface="Arial" charset="0"/>
               </a:rPr>
-              <a:t>Only for continuous variables</a:t>
+              <a:t>Logistic Regression</a:t>
+            </a:r>
+          </a:p>
+          <a:p>
+            <a:pPr marL="285750" indent="-285750">
+              <a:buFont typeface="Arial" panose="020B0604020202020204" pitchFamily="34" charset="0"/>
+              <a:buChar char="•"/>
+            </a:pPr>
+            <a:r>
+              <a:rPr lang="en-US" dirty="0" smtClean="0">
+                <a:latin typeface="Arial" charset="0"/>
+                <a:ea typeface="Arial" charset="0"/>
+                <a:cs typeface="Arial" charset="0"/>
+              </a:rPr>
+              <a:t>Logistic Regression + LASSO</a:t>
+            </a:r>
+          </a:p>
+          <a:p>
+            <a:pPr marL="285750" indent="-285750">
+              <a:buFont typeface="Arial" panose="020B0604020202020204" pitchFamily="34" charset="0"/>
+              <a:buChar char="•"/>
+            </a:pPr>
+            <a:r>
+              <a:rPr lang="en-US" dirty="0" smtClean="0">
+                <a:latin typeface="Arial" charset="0"/>
+                <a:ea typeface="Arial" charset="0"/>
+                <a:cs typeface="Arial" charset="0"/>
+              </a:rPr>
+              <a:t>LDA</a:t>
+            </a:r>
+          </a:p>
+          <a:p>
+            <a:pPr marL="285750" indent="-285750">
+              <a:buFont typeface="Arial" panose="020B0604020202020204" pitchFamily="34" charset="0"/>
+              <a:buChar char="•"/>
+            </a:pPr>
+            <a:r>
+              <a:rPr lang="en-US" dirty="0" smtClean="0">
+                <a:latin typeface="Arial" charset="0"/>
+                <a:ea typeface="Arial" charset="0"/>
+                <a:cs typeface="Arial" charset="0"/>
+              </a:rPr>
+              <a:t>QDA</a:t>
+            </a:r>
+          </a:p>
+          <a:p>
+            <a:pPr marL="285750" indent="-285750">
+              <a:buFont typeface="Arial" panose="020B0604020202020204" pitchFamily="34" charset="0"/>
+              <a:buChar char="•"/>
+            </a:pPr>
+            <a:r>
+              <a:rPr lang="en-US" dirty="0" smtClean="0">
+                <a:latin typeface="Arial" charset="0"/>
+                <a:ea typeface="Arial" charset="0"/>
+                <a:cs typeface="Arial" charset="0"/>
+              </a:rPr>
+              <a:t>KNN</a:t>
+            </a:r>
+            <a:endParaRPr lang="en-US" dirty="0" smtClean="0">
+              <a:latin typeface="Arial" charset="0"/>
+              <a:ea typeface="Arial" charset="0"/>
+              <a:cs typeface="Arial" charset="0"/>
+            </a:endParaRPr>
+          </a:p>
+          <a:p>
+            <a:pPr marL="285750" indent="-285750">
+              <a:buFont typeface="Arial" panose="020B0604020202020204" pitchFamily="34" charset="0"/>
+              <a:buChar char="•"/>
+            </a:pPr>
+            <a:r>
+              <a:rPr lang="en-US" dirty="0" smtClean="0">
+                <a:latin typeface="Arial" charset="0"/>
+                <a:ea typeface="Arial" charset="0"/>
+                <a:cs typeface="Arial" charset="0"/>
+              </a:rPr>
+              <a:t>Classification Tree</a:t>
+            </a:r>
+          </a:p>
+          <a:p>
+            <a:pPr marL="285750" indent="-285750">
+              <a:buFont typeface="Arial" panose="020B0604020202020204" pitchFamily="34" charset="0"/>
+              <a:buChar char="•"/>
+            </a:pPr>
+            <a:r>
+              <a:rPr lang="en-US" dirty="0" smtClean="0">
+                <a:latin typeface="Arial" charset="0"/>
+                <a:ea typeface="Arial" charset="0"/>
+                <a:cs typeface="Arial" charset="0"/>
+              </a:rPr>
+              <a:t>Random Forest</a:t>
+            </a:r>
+          </a:p>
+          <a:p>
+            <a:pPr marL="285750" indent="-285750">
+              <a:buFont typeface="Arial" panose="020B0604020202020204" pitchFamily="34" charset="0"/>
+              <a:buChar char="•"/>
+            </a:pPr>
+            <a:r>
+              <a:rPr lang="en-US" dirty="0" smtClean="0">
+                <a:latin typeface="Arial" charset="0"/>
+                <a:ea typeface="Arial" charset="0"/>
+                <a:cs typeface="Arial" charset="0"/>
+              </a:rPr>
+              <a:t>SVM</a:t>
             </a:r>
             <a:endParaRPr lang="en-US" dirty="0">
               <a:latin typeface="Arial" charset="0"/>
@@ -6266,13 +6415,20 @@
     </p:spTree>
     <p:extLst>
       <p:ext uri="{BB962C8B-B14F-4D97-AF65-F5344CB8AC3E}">
-        <p14:creationId xmlns:p14="http://schemas.microsoft.com/office/powerpoint/2010/main" val="2224238787"/>
+        <p14:creationId xmlns:p14="http://schemas.microsoft.com/office/powerpoint/2010/main" val="3149348495"/>
       </p:ext>
     </p:extLst>
   </p:cSld>
   <p:clrMapOvr>
     <a:masterClrMapping/>
   </p:clrMapOvr>
+  <p:timing>
+    <p:tnLst>
+      <p:par>
+        <p:cTn id="1" dur="indefinite" restart="never" nodeType="tmRoot"/>
+      </p:par>
+    </p:tnLst>
+  </p:timing>
 </p:sld>
 </file>
 
